--- a/Silvercar Capstone.pptx
+++ b/Silvercar Capstone.pptx
@@ -1,39 +1,39 @@
 
 <file path=ppt/presentation.xml><?xml version="1.0" encoding="utf-8"?>
-<p:presentation xmlns:a="http://schemas.openxmlformats.org/drawingml/2006/main" xmlns:r="http://schemas.openxmlformats.org/officeDocument/2006/relationships" xmlns:mc="http://schemas.openxmlformats.org/markup-compatibility/2006" xmlns:mv="urn:schemas-microsoft-com:mac:vml" xmlns:p="http://schemas.openxmlformats.org/presentationml/2006/main" xmlns:c="http://schemas.openxmlformats.org/drawingml/2006/chart" xmlns:dgm="http://schemas.openxmlformats.org/drawingml/2006/diagram" xmlns:o="urn:schemas-microsoft-com:office:office" xmlns:v="urn:schemas-microsoft-com:vml" xmlns:pvml="urn:schemas-microsoft-com:office:powerpoint" xmlns:com="http://schemas.openxmlformats.org/drawingml/2006/compatibility" xmlns:p14="http://schemas.microsoft.com/office/powerpoint/2010/main" xmlns:p15="http://schemas.microsoft.com/office/powerpoint/2012/main" autoCompressPictures="0" embedTrueTypeFonts="1" strictFirstAndLastChars="0" saveSubsetFonts="1">
+<p:presentation xmlns:a="http://schemas.openxmlformats.org/drawingml/2006/main" xmlns:r="http://schemas.openxmlformats.org/officeDocument/2006/relationships" xmlns:p="http://schemas.openxmlformats.org/presentationml/2006/main" strictFirstAndLastChars="0" embedTrueTypeFonts="1" saveSubsetFonts="1" autoCompressPictures="0">
   <p:sldMasterIdLst>
-    <p:sldMasterId id="2147483659" r:id="rId3"/>
+    <p:sldMasterId id="2147483659" r:id="rId1"/>
   </p:sldMasterIdLst>
   <p:notesMasterIdLst>
-    <p:notesMasterId r:id="rId4"/>
+    <p:notesMasterId r:id="rId12"/>
   </p:notesMasterIdLst>
   <p:sldIdLst>
-    <p:sldId id="256" r:id="rId5"/>
-    <p:sldId id="257" r:id="rId6"/>
-    <p:sldId id="258" r:id="rId7"/>
-    <p:sldId id="259" r:id="rId8"/>
-    <p:sldId id="260" r:id="rId9"/>
-    <p:sldId id="261" r:id="rId10"/>
-    <p:sldId id="262" r:id="rId11"/>
-    <p:sldId id="263" r:id="rId12"/>
-    <p:sldId id="264" r:id="rId13"/>
-    <p:sldId id="265" r:id="rId14"/>
+    <p:sldId id="256" r:id="rId2"/>
+    <p:sldId id="257" r:id="rId3"/>
+    <p:sldId id="258" r:id="rId4"/>
+    <p:sldId id="259" r:id="rId5"/>
+    <p:sldId id="260" r:id="rId6"/>
+    <p:sldId id="261" r:id="rId7"/>
+    <p:sldId id="262" r:id="rId8"/>
+    <p:sldId id="263" r:id="rId9"/>
+    <p:sldId id="264" r:id="rId10"/>
+    <p:sldId id="265" r:id="rId11"/>
   </p:sldIdLst>
-  <p:sldSz cy="5143500" cx="9144000"/>
+  <p:sldSz cx="9144000" cy="5143500" type="screen16x9"/>
   <p:notesSz cx="6858000" cy="9144000"/>
   <p:embeddedFontLst>
     <p:embeddedFont>
       <p:font typeface="Average"/>
-      <p:regular r:id="rId15"/>
+      <p:regular r:id="rId13"/>
     </p:embeddedFont>
     <p:embeddedFont>
       <p:font typeface="Oswald"/>
-      <p:regular r:id="rId16"/>
-      <p:bold r:id="rId17"/>
+      <p:regular r:id="rId14"/>
+      <p:bold r:id="rId15"/>
     </p:embeddedFont>
   </p:embeddedFontLst>
   <p:defaultTextStyle>
-    <a:defPPr lvl="0" marR="0" rtl="0" algn="l">
+    <a:defPPr marR="0" lvl="0" algn="l" rtl="0">
       <a:lnSpc>
         <a:spcPct val="100000"/>
       </a:lnSpc>
@@ -44,7 +44,7 @@
         <a:spcPts val="0"/>
       </a:spcAft>
     </a:defPPr>
-    <a:lvl1pPr lvl="0" marR="0" rtl="0" algn="l">
+    <a:lvl1pPr marR="0" lvl="0" algn="l" rtl="0">
       <a:lnSpc>
         <a:spcPct val="100000"/>
       </a:lnSpc>
@@ -55,7 +55,7 @@
         <a:spcPts val="0"/>
       </a:spcAft>
       <a:buNone/>
-      <a:defRPr b="0" i="0" sz="1400" u="none" cap="none" strike="noStrike">
+      <a:defRPr sz="1400" b="0" i="0" u="none" strike="noStrike" cap="none">
         <a:solidFill>
           <a:srgbClr val="000000"/>
         </a:solidFill>
@@ -65,7 +65,7 @@
         <a:sym typeface="Arial"/>
       </a:defRPr>
     </a:lvl1pPr>
-    <a:lvl2pPr lvl="1" marR="0" rtl="0" algn="l">
+    <a:lvl2pPr marR="0" lvl="1" algn="l" rtl="0">
       <a:lnSpc>
         <a:spcPct val="100000"/>
       </a:lnSpc>
@@ -76,7 +76,7 @@
         <a:spcPts val="0"/>
       </a:spcAft>
       <a:buNone/>
-      <a:defRPr b="0" i="0" sz="1400" u="none" cap="none" strike="noStrike">
+      <a:defRPr sz="1400" b="0" i="0" u="none" strike="noStrike" cap="none">
         <a:solidFill>
           <a:srgbClr val="000000"/>
         </a:solidFill>
@@ -86,7 +86,7 @@
         <a:sym typeface="Arial"/>
       </a:defRPr>
     </a:lvl2pPr>
-    <a:lvl3pPr lvl="2" marR="0" rtl="0" algn="l">
+    <a:lvl3pPr marR="0" lvl="2" algn="l" rtl="0">
       <a:lnSpc>
         <a:spcPct val="100000"/>
       </a:lnSpc>
@@ -97,7 +97,7 @@
         <a:spcPts val="0"/>
       </a:spcAft>
       <a:buNone/>
-      <a:defRPr b="0" i="0" sz="1400" u="none" cap="none" strike="noStrike">
+      <a:defRPr sz="1400" b="0" i="0" u="none" strike="noStrike" cap="none">
         <a:solidFill>
           <a:srgbClr val="000000"/>
         </a:solidFill>
@@ -107,7 +107,7 @@
         <a:sym typeface="Arial"/>
       </a:defRPr>
     </a:lvl3pPr>
-    <a:lvl4pPr lvl="3" marR="0" rtl="0" algn="l">
+    <a:lvl4pPr marR="0" lvl="3" algn="l" rtl="0">
       <a:lnSpc>
         <a:spcPct val="100000"/>
       </a:lnSpc>
@@ -118,7 +118,7 @@
         <a:spcPts val="0"/>
       </a:spcAft>
       <a:buNone/>
-      <a:defRPr b="0" i="0" sz="1400" u="none" cap="none" strike="noStrike">
+      <a:defRPr sz="1400" b="0" i="0" u="none" strike="noStrike" cap="none">
         <a:solidFill>
           <a:srgbClr val="000000"/>
         </a:solidFill>
@@ -128,7 +128,7 @@
         <a:sym typeface="Arial"/>
       </a:defRPr>
     </a:lvl4pPr>
-    <a:lvl5pPr lvl="4" marR="0" rtl="0" algn="l">
+    <a:lvl5pPr marR="0" lvl="4" algn="l" rtl="0">
       <a:lnSpc>
         <a:spcPct val="100000"/>
       </a:lnSpc>
@@ -139,7 +139,7 @@
         <a:spcPts val="0"/>
       </a:spcAft>
       <a:buNone/>
-      <a:defRPr b="0" i="0" sz="1400" u="none" cap="none" strike="noStrike">
+      <a:defRPr sz="1400" b="0" i="0" u="none" strike="noStrike" cap="none">
         <a:solidFill>
           <a:srgbClr val="000000"/>
         </a:solidFill>
@@ -149,7 +149,7 @@
         <a:sym typeface="Arial"/>
       </a:defRPr>
     </a:lvl5pPr>
-    <a:lvl6pPr lvl="5" marR="0" rtl="0" algn="l">
+    <a:lvl6pPr marR="0" lvl="5" algn="l" rtl="0">
       <a:lnSpc>
         <a:spcPct val="100000"/>
       </a:lnSpc>
@@ -160,7 +160,7 @@
         <a:spcPts val="0"/>
       </a:spcAft>
       <a:buNone/>
-      <a:defRPr b="0" i="0" sz="1400" u="none" cap="none" strike="noStrike">
+      <a:defRPr sz="1400" b="0" i="0" u="none" strike="noStrike" cap="none">
         <a:solidFill>
           <a:srgbClr val="000000"/>
         </a:solidFill>
@@ -170,7 +170,7 @@
         <a:sym typeface="Arial"/>
       </a:defRPr>
     </a:lvl6pPr>
-    <a:lvl7pPr lvl="6" marR="0" rtl="0" algn="l">
+    <a:lvl7pPr marR="0" lvl="6" algn="l" rtl="0">
       <a:lnSpc>
         <a:spcPct val="100000"/>
       </a:lnSpc>
@@ -181,7 +181,7 @@
         <a:spcPts val="0"/>
       </a:spcAft>
       <a:buNone/>
-      <a:defRPr b="0" i="0" sz="1400" u="none" cap="none" strike="noStrike">
+      <a:defRPr sz="1400" b="0" i="0" u="none" strike="noStrike" cap="none">
         <a:solidFill>
           <a:srgbClr val="000000"/>
         </a:solidFill>
@@ -191,7 +191,7 @@
         <a:sym typeface="Arial"/>
       </a:defRPr>
     </a:lvl7pPr>
-    <a:lvl8pPr lvl="7" marR="0" rtl="0" algn="l">
+    <a:lvl8pPr marR="0" lvl="7" algn="l" rtl="0">
       <a:lnSpc>
         <a:spcPct val="100000"/>
       </a:lnSpc>
@@ -202,7 +202,7 @@
         <a:spcPts val="0"/>
       </a:spcAft>
       <a:buNone/>
-      <a:defRPr b="0" i="0" sz="1400" u="none" cap="none" strike="noStrike">
+      <a:defRPr sz="1400" b="0" i="0" u="none" strike="noStrike" cap="none">
         <a:solidFill>
           <a:srgbClr val="000000"/>
         </a:solidFill>
@@ -212,7 +212,7 @@
         <a:sym typeface="Arial"/>
       </a:defRPr>
     </a:lvl8pPr>
-    <a:lvl9pPr lvl="8" marR="0" rtl="0" algn="l">
+    <a:lvl9pPr marR="0" lvl="8" algn="l" rtl="0">
       <a:lnSpc>
         <a:spcPct val="100000"/>
       </a:lnSpc>
@@ -223,7 +223,7 @@
         <a:spcPts val="0"/>
       </a:spcAft>
       <a:buNone/>
-      <a:defRPr b="0" i="0" sz="1400" u="none" cap="none" strike="noStrike">
+      <a:defRPr sz="1400" b="0" i="0" u="none" strike="noStrike" cap="none">
         <a:solidFill>
           <a:srgbClr val="000000"/>
         </a:solidFill>
@@ -238,11 +238,16 @@
 </file>
 
 <file path=ppt/notesMasters/notesMaster1.xml><?xml version="1.0" encoding="utf-8"?>
-<p:notesMaster xmlns:a="http://schemas.openxmlformats.org/drawingml/2006/main" xmlns:r="http://schemas.openxmlformats.org/officeDocument/2006/relationships" xmlns:mc="http://schemas.openxmlformats.org/markup-compatibility/2006" xmlns:mv="urn:schemas-microsoft-com:mac:vml" xmlns:p="http://schemas.openxmlformats.org/presentationml/2006/main" xmlns:c="http://schemas.openxmlformats.org/drawingml/2006/chart" xmlns:dgm="http://schemas.openxmlformats.org/drawingml/2006/diagram" xmlns:o="urn:schemas-microsoft-com:office:office" xmlns:v="urn:schemas-microsoft-com:vml" xmlns:pvml="urn:schemas-microsoft-com:office:powerpoint" xmlns:com="http://schemas.openxmlformats.org/drawingml/2006/compatibility" xmlns:p14="http://schemas.microsoft.com/office/powerpoint/2010/main" xmlns:p15="http://schemas.microsoft.com/office/powerpoint/2012/main">
+<p:notesMaster xmlns:a="http://schemas.openxmlformats.org/drawingml/2006/main" xmlns:r="http://schemas.openxmlformats.org/officeDocument/2006/relationships" xmlns:p="http://schemas.openxmlformats.org/presentationml/2006/main">
   <p:cSld>
+    <p:bg>
+      <p:bgRef idx="1001">
+        <a:schemeClr val="bg1"/>
+      </p:bgRef>
+    </p:bg>
     <p:spTree>
       <p:nvGrpSpPr>
-        <p:cNvPr id="2" name="Shape 2"/>
+        <p:cNvPr id="1" name="Shape 2"/>
         <p:cNvGrpSpPr/>
         <p:nvPr/>
       </p:nvGrpSpPr>
@@ -257,9 +262,11 @@
       <p:sp>
         <p:nvSpPr>
           <p:cNvPr id="3" name="Shape 3"/>
-          <p:cNvSpPr/>
+          <p:cNvSpPr>
+            <a:spLocks noGrp="1" noRot="1" noChangeAspect="1"/>
+          </p:cNvSpPr>
           <p:nvPr>
-            <p:ph idx="2" type="sldImg"/>
+            <p:ph type="sldImg" idx="2"/>
           </p:nvPr>
         </p:nvSpPr>
         <p:spPr>
@@ -268,8 +275,13 @@
             <a:ext cx="6096075" cy="3429000"/>
           </a:xfrm>
           <a:custGeom>
+            <a:avLst/>
+            <a:gdLst/>
+            <a:ahLst/>
+            <a:cxnLst/>
+            <a:rect l="0" t="0" r="0" b="0"/>
             <a:pathLst>
-              <a:path extrusionOk="0" h="120000" w="120000">
+              <a:path w="120000" h="120000" extrusionOk="0">
                 <a:moveTo>
                   <a:pt x="0" y="0"/>
                 </a:moveTo>
@@ -287,23 +299,25 @@
             </a:pathLst>
           </a:custGeom>
           <a:noFill/>
-          <a:ln cap="flat" cmpd="sng" w="9525">
+          <a:ln w="9525" cap="flat" cmpd="sng">
             <a:solidFill>
               <a:srgbClr val="000000"/>
             </a:solidFill>
             <a:prstDash val="solid"/>
             <a:round/>
-            <a:headEnd len="med" w="med" type="none"/>
-            <a:tailEnd len="med" w="med" type="none"/>
+            <a:headEnd type="none" w="med" len="med"/>
+            <a:tailEnd type="none" w="med" len="med"/>
           </a:ln>
         </p:spPr>
       </p:sp>
       <p:sp>
         <p:nvSpPr>
           <p:cNvPr id="4" name="Shape 4"/>
-          <p:cNvSpPr txBox="1"/>
+          <p:cNvSpPr txBox="1">
+            <a:spLocks noGrp="1"/>
+          </p:cNvSpPr>
           <p:nvPr>
-            <p:ph idx="1" type="body"/>
+            <p:ph type="body" idx="1"/>
           </p:nvPr>
         </p:nvSpPr>
         <p:spPr>
@@ -320,9 +334,9 @@
           </a:ln>
         </p:spPr>
         <p:txBody>
-          <a:bodyPr anchorCtr="0" anchor="t" bIns="91425" lIns="91425" spcFirstLastPara="1" rIns="91425" wrap="square" tIns="91425"/>
+          <a:bodyPr spcFirstLastPara="1" wrap="square" lIns="91425" tIns="91425" rIns="91425" bIns="91425" anchor="t" anchorCtr="0"/>
           <a:lstStyle>
-            <a:lvl1pPr indent="-298450" lvl="0" marL="457200">
+            <a:lvl1pPr marL="457200" lvl="0" indent="-298450">
               <a:spcBef>
                 <a:spcPts val="0"/>
               </a:spcBef>
@@ -333,7 +347,7 @@
               <a:buChar char="●"/>
               <a:defRPr sz="1100"/>
             </a:lvl1pPr>
-            <a:lvl2pPr indent="-298450" lvl="1" marL="914400">
+            <a:lvl2pPr marL="914400" lvl="1" indent="-298450">
               <a:spcBef>
                 <a:spcPts val="0"/>
               </a:spcBef>
@@ -344,7 +358,7 @@
               <a:buChar char="○"/>
               <a:defRPr sz="1100"/>
             </a:lvl2pPr>
-            <a:lvl3pPr indent="-298450" lvl="2" marL="1371600">
+            <a:lvl3pPr marL="1371600" lvl="2" indent="-298450">
               <a:spcBef>
                 <a:spcPts val="0"/>
               </a:spcBef>
@@ -355,7 +369,7 @@
               <a:buChar char="■"/>
               <a:defRPr sz="1100"/>
             </a:lvl3pPr>
-            <a:lvl4pPr indent="-298450" lvl="3" marL="1828800">
+            <a:lvl4pPr marL="1828800" lvl="3" indent="-298450">
               <a:spcBef>
                 <a:spcPts val="0"/>
               </a:spcBef>
@@ -366,7 +380,7 @@
               <a:buChar char="●"/>
               <a:defRPr sz="1100"/>
             </a:lvl4pPr>
-            <a:lvl5pPr indent="-298450" lvl="4" marL="2286000">
+            <a:lvl5pPr marL="2286000" lvl="4" indent="-298450">
               <a:spcBef>
                 <a:spcPts val="0"/>
               </a:spcBef>
@@ -377,7 +391,7 @@
               <a:buChar char="○"/>
               <a:defRPr sz="1100"/>
             </a:lvl5pPr>
-            <a:lvl6pPr indent="-298450" lvl="5" marL="2743200">
+            <a:lvl6pPr marL="2743200" lvl="5" indent="-298450">
               <a:spcBef>
                 <a:spcPts val="0"/>
               </a:spcBef>
@@ -388,7 +402,7 @@
               <a:buChar char="■"/>
               <a:defRPr sz="1100"/>
             </a:lvl6pPr>
-            <a:lvl7pPr indent="-298450" lvl="6" marL="3200400">
+            <a:lvl7pPr marL="3200400" lvl="6" indent="-298450">
               <a:spcBef>
                 <a:spcPts val="0"/>
               </a:spcBef>
@@ -399,7 +413,7 @@
               <a:buChar char="●"/>
               <a:defRPr sz="1100"/>
             </a:lvl7pPr>
-            <a:lvl8pPr indent="-298450" lvl="7" marL="3657600">
+            <a:lvl8pPr marL="3657600" lvl="7" indent="-298450">
               <a:spcBef>
                 <a:spcPts val="0"/>
               </a:spcBef>
@@ -410,7 +424,7 @@
               <a:buChar char="○"/>
               <a:defRPr sz="1100"/>
             </a:lvl8pPr>
-            <a:lvl9pPr indent="-298450" lvl="8" marL="4114800">
+            <a:lvl9pPr marL="4114800" lvl="8" indent="-298450">
               <a:spcBef>
                 <a:spcPts val="0"/>
               </a:spcBef>
@@ -422,21 +436,115 @@
               <a:defRPr sz="1100"/>
             </a:lvl9pPr>
           </a:lstStyle>
-          <a:p/>
+          <a:p>
+            <a:endParaRPr/>
+          </a:p>
         </p:txBody>
       </p:sp>
     </p:spTree>
   </p:cSld>
-  <p:clrMap accent1="accent1" accent2="accent2" accent3="accent3" accent4="accent4" accent5="accent5" accent6="accent6" bg1="lt1" bg2="dk2" tx1="dk1" tx2="lt2" folHlink="folHlink" hlink="hlink"/>
+  <p:clrMap bg1="lt1" tx1="dk1" bg2="dk2" tx2="lt2" accent1="accent1" accent2="accent2" accent3="accent3" accent4="accent4" accent5="accent5" accent6="accent6" hlink="hlink" folHlink="folHlink"/>
+  <p:notesStyle>
+    <a:lvl1pPr marL="0" algn="l" defTabSz="914400" rtl="0" eaLnBrk="1" latinLnBrk="0" hangingPunct="1">
+      <a:defRPr sz="1200" kern="1200">
+        <a:solidFill>
+          <a:schemeClr val="tx1"/>
+        </a:solidFill>
+        <a:latin typeface="+mn-lt"/>
+        <a:ea typeface="+mn-ea"/>
+        <a:cs typeface="+mn-cs"/>
+      </a:defRPr>
+    </a:lvl1pPr>
+    <a:lvl2pPr marL="457200" algn="l" defTabSz="914400" rtl="0" eaLnBrk="1" latinLnBrk="0" hangingPunct="1">
+      <a:defRPr sz="1200" kern="1200">
+        <a:solidFill>
+          <a:schemeClr val="tx1"/>
+        </a:solidFill>
+        <a:latin typeface="+mn-lt"/>
+        <a:ea typeface="+mn-ea"/>
+        <a:cs typeface="+mn-cs"/>
+      </a:defRPr>
+    </a:lvl2pPr>
+    <a:lvl3pPr marL="914400" algn="l" defTabSz="914400" rtl="0" eaLnBrk="1" latinLnBrk="0" hangingPunct="1">
+      <a:defRPr sz="1200" kern="1200">
+        <a:solidFill>
+          <a:schemeClr val="tx1"/>
+        </a:solidFill>
+        <a:latin typeface="+mn-lt"/>
+        <a:ea typeface="+mn-ea"/>
+        <a:cs typeface="+mn-cs"/>
+      </a:defRPr>
+    </a:lvl3pPr>
+    <a:lvl4pPr marL="1371600" algn="l" defTabSz="914400" rtl="0" eaLnBrk="1" latinLnBrk="0" hangingPunct="1">
+      <a:defRPr sz="1200" kern="1200">
+        <a:solidFill>
+          <a:schemeClr val="tx1"/>
+        </a:solidFill>
+        <a:latin typeface="+mn-lt"/>
+        <a:ea typeface="+mn-ea"/>
+        <a:cs typeface="+mn-cs"/>
+      </a:defRPr>
+    </a:lvl4pPr>
+    <a:lvl5pPr marL="1828800" algn="l" defTabSz="914400" rtl="0" eaLnBrk="1" latinLnBrk="0" hangingPunct="1">
+      <a:defRPr sz="1200" kern="1200">
+        <a:solidFill>
+          <a:schemeClr val="tx1"/>
+        </a:solidFill>
+        <a:latin typeface="+mn-lt"/>
+        <a:ea typeface="+mn-ea"/>
+        <a:cs typeface="+mn-cs"/>
+      </a:defRPr>
+    </a:lvl5pPr>
+    <a:lvl6pPr marL="2286000" algn="l" defTabSz="914400" rtl="0" eaLnBrk="1" latinLnBrk="0" hangingPunct="1">
+      <a:defRPr sz="1200" kern="1200">
+        <a:solidFill>
+          <a:schemeClr val="tx1"/>
+        </a:solidFill>
+        <a:latin typeface="+mn-lt"/>
+        <a:ea typeface="+mn-ea"/>
+        <a:cs typeface="+mn-cs"/>
+      </a:defRPr>
+    </a:lvl6pPr>
+    <a:lvl7pPr marL="2743200" algn="l" defTabSz="914400" rtl="0" eaLnBrk="1" latinLnBrk="0" hangingPunct="1">
+      <a:defRPr sz="1200" kern="1200">
+        <a:solidFill>
+          <a:schemeClr val="tx1"/>
+        </a:solidFill>
+        <a:latin typeface="+mn-lt"/>
+        <a:ea typeface="+mn-ea"/>
+        <a:cs typeface="+mn-cs"/>
+      </a:defRPr>
+    </a:lvl7pPr>
+    <a:lvl8pPr marL="3200400" algn="l" defTabSz="914400" rtl="0" eaLnBrk="1" latinLnBrk="0" hangingPunct="1">
+      <a:defRPr sz="1200" kern="1200">
+        <a:solidFill>
+          <a:schemeClr val="tx1"/>
+        </a:solidFill>
+        <a:latin typeface="+mn-lt"/>
+        <a:ea typeface="+mn-ea"/>
+        <a:cs typeface="+mn-cs"/>
+      </a:defRPr>
+    </a:lvl8pPr>
+    <a:lvl9pPr marL="3657600" algn="l" defTabSz="914400" rtl="0" eaLnBrk="1" latinLnBrk="0" hangingPunct="1">
+      <a:defRPr sz="1200" kern="1200">
+        <a:solidFill>
+          <a:schemeClr val="tx1"/>
+        </a:solidFill>
+        <a:latin typeface="+mn-lt"/>
+        <a:ea typeface="+mn-ea"/>
+        <a:cs typeface="+mn-cs"/>
+      </a:defRPr>
+    </a:lvl9pPr>
+  </p:notesStyle>
 </p:notesMaster>
 </file>
 
 <file path=ppt/notesSlides/notesSlide1.xml><?xml version="1.0" encoding="utf-8"?>
-<p:notes xmlns:a="http://schemas.openxmlformats.org/drawingml/2006/main" xmlns:r="http://schemas.openxmlformats.org/officeDocument/2006/relationships" xmlns:mc="http://schemas.openxmlformats.org/markup-compatibility/2006" xmlns:mv="urn:schemas-microsoft-com:mac:vml" xmlns:p="http://schemas.openxmlformats.org/presentationml/2006/main" xmlns:c="http://schemas.openxmlformats.org/drawingml/2006/chart" xmlns:dgm="http://schemas.openxmlformats.org/drawingml/2006/diagram" xmlns:o="urn:schemas-microsoft-com:office:office" xmlns:v="urn:schemas-microsoft-com:vml" xmlns:pvml="urn:schemas-microsoft-com:office:powerpoint" xmlns:com="http://schemas.openxmlformats.org/drawingml/2006/compatibility" xmlns:p14="http://schemas.microsoft.com/office/powerpoint/2010/main" xmlns:p15="http://schemas.microsoft.com/office/powerpoint/2012/main" showMasterPhAnim="0" showMasterSp="0">
+<p:notes xmlns:a="http://schemas.openxmlformats.org/drawingml/2006/main" xmlns:r="http://schemas.openxmlformats.org/officeDocument/2006/relationships" xmlns:p="http://schemas.openxmlformats.org/presentationml/2006/main" showMasterSp="0" showMasterPhAnim="0">
   <p:cSld>
     <p:spTree>
       <p:nvGrpSpPr>
-        <p:cNvPr id="55" name="Shape 55"/>
+        <p:cNvPr id="1" name="Shape 55"/>
         <p:cNvGrpSpPr/>
         <p:nvPr/>
       </p:nvGrpSpPr>
@@ -451,19 +559,26 @@
       <p:sp>
         <p:nvSpPr>
           <p:cNvPr id="56" name="Shape 56"/>
-          <p:cNvSpPr/>
+          <p:cNvSpPr>
+            <a:spLocks noGrp="1" noRot="1" noChangeAspect="1"/>
+          </p:cNvSpPr>
           <p:nvPr>
-            <p:ph idx="2" type="sldImg"/>
+            <p:ph type="sldImg" idx="2"/>
           </p:nvPr>
         </p:nvSpPr>
         <p:spPr>
           <a:xfrm>
-            <a:off x="381300" y="685800"/>
-            <a:ext cx="6096075" cy="3429000"/>
+            <a:off x="381000" y="685800"/>
+            <a:ext cx="6096000" cy="3429000"/>
           </a:xfrm>
           <a:custGeom>
+            <a:avLst/>
+            <a:gdLst/>
+            <a:ahLst/>
+            <a:cxnLst/>
+            <a:rect l="0" t="0" r="0" b="0"/>
             <a:pathLst>
-              <a:path extrusionOk="0" h="120000" w="120000">
+              <a:path w="120000" h="120000" extrusionOk="0">
                 <a:moveTo>
                   <a:pt x="0" y="0"/>
                 </a:moveTo>
@@ -485,9 +600,11 @@
       <p:sp>
         <p:nvSpPr>
           <p:cNvPr id="57" name="Shape 57"/>
-          <p:cNvSpPr txBox="1"/>
+          <p:cNvSpPr txBox="1">
+            <a:spLocks noGrp="1"/>
+          </p:cNvSpPr>
           <p:nvPr>
-            <p:ph idx="1" type="body"/>
+            <p:ph type="body" idx="1"/>
           </p:nvPr>
         </p:nvSpPr>
         <p:spPr>
@@ -500,12 +617,12 @@
           </a:prstGeom>
         </p:spPr>
         <p:txBody>
-          <a:bodyPr anchorCtr="0" anchor="t" bIns="91425" lIns="91425" spcFirstLastPara="1" rIns="91425" wrap="square" tIns="91425">
+          <a:bodyPr spcFirstLastPara="1" wrap="square" lIns="91425" tIns="91425" rIns="91425" bIns="91425" anchor="t" anchorCtr="0">
             <a:noAutofit/>
           </a:bodyPr>
           <a:lstStyle/>
           <a:p>
-            <a:pPr indent="0" lvl="0" marL="0">
+            <a:pPr marL="0" lvl="0" indent="0">
               <a:spcBef>
                 <a:spcPts val="0"/>
               </a:spcBef>
@@ -531,11 +648,11 @@
 </file>
 
 <file path=ppt/notesSlides/notesSlide10.xml><?xml version="1.0" encoding="utf-8"?>
-<p:notes xmlns:a="http://schemas.openxmlformats.org/drawingml/2006/main" xmlns:r="http://schemas.openxmlformats.org/officeDocument/2006/relationships" xmlns:mc="http://schemas.openxmlformats.org/markup-compatibility/2006" xmlns:mv="urn:schemas-microsoft-com:mac:vml" xmlns:p="http://schemas.openxmlformats.org/presentationml/2006/main" xmlns:c="http://schemas.openxmlformats.org/drawingml/2006/chart" xmlns:dgm="http://schemas.openxmlformats.org/drawingml/2006/diagram" xmlns:o="urn:schemas-microsoft-com:office:office" xmlns:v="urn:schemas-microsoft-com:vml" xmlns:pvml="urn:schemas-microsoft-com:office:powerpoint" xmlns:com="http://schemas.openxmlformats.org/drawingml/2006/compatibility" xmlns:p14="http://schemas.microsoft.com/office/powerpoint/2010/main" xmlns:p15="http://schemas.microsoft.com/office/powerpoint/2012/main" showMasterPhAnim="0" showMasterSp="0">
+<p:notes xmlns:a="http://schemas.openxmlformats.org/drawingml/2006/main" xmlns:r="http://schemas.openxmlformats.org/officeDocument/2006/relationships" xmlns:p="http://schemas.openxmlformats.org/presentationml/2006/main" showMasterSp="0" showMasterPhAnim="0">
   <p:cSld>
     <p:spTree>
       <p:nvGrpSpPr>
-        <p:cNvPr id="130" name="Shape 130"/>
+        <p:cNvPr id="1" name="Shape 130"/>
         <p:cNvGrpSpPr/>
         <p:nvPr/>
       </p:nvGrpSpPr>
@@ -550,19 +667,26 @@
       <p:sp>
         <p:nvSpPr>
           <p:cNvPr id="131" name="Shape 131"/>
-          <p:cNvSpPr/>
+          <p:cNvSpPr>
+            <a:spLocks noGrp="1" noRot="1" noChangeAspect="1"/>
+          </p:cNvSpPr>
           <p:nvPr>
-            <p:ph idx="2" type="sldImg"/>
+            <p:ph type="sldImg" idx="2"/>
           </p:nvPr>
         </p:nvSpPr>
         <p:spPr>
           <a:xfrm>
-            <a:off x="381300" y="685800"/>
+            <a:off x="381000" y="685800"/>
             <a:ext cx="6096000" cy="3429000"/>
           </a:xfrm>
           <a:custGeom>
+            <a:avLst/>
+            <a:gdLst/>
+            <a:ahLst/>
+            <a:cxnLst/>
+            <a:rect l="0" t="0" r="0" b="0"/>
             <a:pathLst>
-              <a:path extrusionOk="0" h="120000" w="120000">
+              <a:path w="120000" h="120000" extrusionOk="0">
                 <a:moveTo>
                   <a:pt x="0" y="0"/>
                 </a:moveTo>
@@ -584,9 +708,11 @@
       <p:sp>
         <p:nvSpPr>
           <p:cNvPr id="132" name="Shape 132"/>
-          <p:cNvSpPr txBox="1"/>
+          <p:cNvSpPr txBox="1">
+            <a:spLocks noGrp="1"/>
+          </p:cNvSpPr>
           <p:nvPr>
-            <p:ph idx="1" type="body"/>
+            <p:ph type="body" idx="1"/>
           </p:nvPr>
         </p:nvSpPr>
         <p:spPr>
@@ -599,23 +725,20 @@
           </a:prstGeom>
         </p:spPr>
         <p:txBody>
-          <a:bodyPr anchorCtr="0" anchor="t" bIns="91425" lIns="91425" spcFirstLastPara="1" rIns="91425" wrap="square" tIns="91425">
+          <a:bodyPr spcFirstLastPara="1" wrap="square" lIns="91425" tIns="91425" rIns="91425" bIns="91425" anchor="t" anchorCtr="0">
             <a:noAutofit/>
           </a:bodyPr>
           <a:lstStyle/>
           <a:p>
-            <a:pPr indent="0" lvl="0" marL="0">
-              <a:spcBef>
-                <a:spcPts val="0"/>
-              </a:spcBef>
-              <a:spcAft>
-                <a:spcPts val="0"/>
-              </a:spcAft>
-              <a:buNone/>
-            </a:pPr>
-            <a:r>
-              <a:t/>
-            </a:r>
+            <a:pPr marL="0" lvl="0" indent="0">
+              <a:spcBef>
+                <a:spcPts val="0"/>
+              </a:spcBef>
+              <a:spcAft>
+                <a:spcPts val="0"/>
+              </a:spcAft>
+              <a:buNone/>
+            </a:pPr>
             <a:endParaRPr/>
           </a:p>
         </p:txBody>
@@ -629,11 +752,11 @@
 </file>
 
 <file path=ppt/notesSlides/notesSlide2.xml><?xml version="1.0" encoding="utf-8"?>
-<p:notes xmlns:a="http://schemas.openxmlformats.org/drawingml/2006/main" xmlns:r="http://schemas.openxmlformats.org/officeDocument/2006/relationships" xmlns:mc="http://schemas.openxmlformats.org/markup-compatibility/2006" xmlns:mv="urn:schemas-microsoft-com:mac:vml" xmlns:p="http://schemas.openxmlformats.org/presentationml/2006/main" xmlns:c="http://schemas.openxmlformats.org/drawingml/2006/chart" xmlns:dgm="http://schemas.openxmlformats.org/drawingml/2006/diagram" xmlns:o="urn:schemas-microsoft-com:office:office" xmlns:v="urn:schemas-microsoft-com:vml" xmlns:pvml="urn:schemas-microsoft-com:office:powerpoint" xmlns:com="http://schemas.openxmlformats.org/drawingml/2006/compatibility" xmlns:p14="http://schemas.microsoft.com/office/powerpoint/2010/main" xmlns:p15="http://schemas.microsoft.com/office/powerpoint/2012/main" showMasterPhAnim="0" showMasterSp="0">
+<p:notes xmlns:a="http://schemas.openxmlformats.org/drawingml/2006/main" xmlns:r="http://schemas.openxmlformats.org/officeDocument/2006/relationships" xmlns:p="http://schemas.openxmlformats.org/presentationml/2006/main" showMasterSp="0" showMasterPhAnim="0">
   <p:cSld>
     <p:spTree>
       <p:nvGrpSpPr>
-        <p:cNvPr id="62" name="Shape 62"/>
+        <p:cNvPr id="1" name="Shape 62"/>
         <p:cNvGrpSpPr/>
         <p:nvPr/>
       </p:nvGrpSpPr>
@@ -648,19 +771,26 @@
       <p:sp>
         <p:nvSpPr>
           <p:cNvPr id="63" name="Shape 63"/>
-          <p:cNvSpPr/>
+          <p:cNvSpPr>
+            <a:spLocks noGrp="1" noRot="1" noChangeAspect="1"/>
+          </p:cNvSpPr>
           <p:nvPr>
-            <p:ph idx="2" type="sldImg"/>
+            <p:ph type="sldImg" idx="2"/>
           </p:nvPr>
         </p:nvSpPr>
         <p:spPr>
           <a:xfrm>
-            <a:off x="381300" y="685800"/>
+            <a:off x="381000" y="685800"/>
             <a:ext cx="6096000" cy="3429000"/>
           </a:xfrm>
           <a:custGeom>
+            <a:avLst/>
+            <a:gdLst/>
+            <a:ahLst/>
+            <a:cxnLst/>
+            <a:rect l="0" t="0" r="0" b="0"/>
             <a:pathLst>
-              <a:path extrusionOk="0" h="120000" w="120000">
+              <a:path w="120000" h="120000" extrusionOk="0">
                 <a:moveTo>
                   <a:pt x="0" y="0"/>
                 </a:moveTo>
@@ -682,9 +812,11 @@
       <p:sp>
         <p:nvSpPr>
           <p:cNvPr id="64" name="Shape 64"/>
-          <p:cNvSpPr txBox="1"/>
+          <p:cNvSpPr txBox="1">
+            <a:spLocks noGrp="1"/>
+          </p:cNvSpPr>
           <p:nvPr>
-            <p:ph idx="1" type="body"/>
+            <p:ph type="body" idx="1"/>
           </p:nvPr>
         </p:nvSpPr>
         <p:spPr>
@@ -697,12 +829,12 @@
           </a:prstGeom>
         </p:spPr>
         <p:txBody>
-          <a:bodyPr anchorCtr="0" anchor="t" bIns="91425" lIns="91425" spcFirstLastPara="1" rIns="91425" wrap="square" tIns="91425">
+          <a:bodyPr spcFirstLastPara="1" wrap="square" lIns="91425" tIns="91425" rIns="91425" bIns="91425" anchor="t" anchorCtr="0">
             <a:noAutofit/>
           </a:bodyPr>
           <a:lstStyle/>
           <a:p>
-            <a:pPr indent="0" lvl="0" marL="0">
+            <a:pPr marL="0" lvl="0" indent="0">
               <a:spcBef>
                 <a:spcPts val="0"/>
               </a:spcBef>
@@ -728,11 +860,11 @@
 </file>
 
 <file path=ppt/notesSlides/notesSlide3.xml><?xml version="1.0" encoding="utf-8"?>
-<p:notes xmlns:a="http://schemas.openxmlformats.org/drawingml/2006/main" xmlns:r="http://schemas.openxmlformats.org/officeDocument/2006/relationships" xmlns:mc="http://schemas.openxmlformats.org/markup-compatibility/2006" xmlns:mv="urn:schemas-microsoft-com:mac:vml" xmlns:p="http://schemas.openxmlformats.org/presentationml/2006/main" xmlns:c="http://schemas.openxmlformats.org/drawingml/2006/chart" xmlns:dgm="http://schemas.openxmlformats.org/drawingml/2006/diagram" xmlns:o="urn:schemas-microsoft-com:office:office" xmlns:v="urn:schemas-microsoft-com:vml" xmlns:pvml="urn:schemas-microsoft-com:office:powerpoint" xmlns:com="http://schemas.openxmlformats.org/drawingml/2006/compatibility" xmlns:p14="http://schemas.microsoft.com/office/powerpoint/2010/main" xmlns:p15="http://schemas.microsoft.com/office/powerpoint/2012/main" showMasterPhAnim="0" showMasterSp="0">
+<p:notes xmlns:a="http://schemas.openxmlformats.org/drawingml/2006/main" xmlns:r="http://schemas.openxmlformats.org/officeDocument/2006/relationships" xmlns:p="http://schemas.openxmlformats.org/presentationml/2006/main" showMasterSp="0" showMasterPhAnim="0">
   <p:cSld>
     <p:spTree>
       <p:nvGrpSpPr>
-        <p:cNvPr id="69" name="Shape 69"/>
+        <p:cNvPr id="1" name="Shape 69"/>
         <p:cNvGrpSpPr/>
         <p:nvPr/>
       </p:nvGrpSpPr>
@@ -747,19 +879,26 @@
       <p:sp>
         <p:nvSpPr>
           <p:cNvPr id="70" name="Shape 70"/>
-          <p:cNvSpPr/>
+          <p:cNvSpPr>
+            <a:spLocks noGrp="1" noRot="1" noChangeAspect="1"/>
+          </p:cNvSpPr>
           <p:nvPr>
-            <p:ph idx="2" type="sldImg"/>
+            <p:ph type="sldImg" idx="2"/>
           </p:nvPr>
         </p:nvSpPr>
         <p:spPr>
           <a:xfrm>
-            <a:off x="381300" y="685800"/>
+            <a:off x="381000" y="685800"/>
             <a:ext cx="6096000" cy="3429000"/>
           </a:xfrm>
           <a:custGeom>
+            <a:avLst/>
+            <a:gdLst/>
+            <a:ahLst/>
+            <a:cxnLst/>
+            <a:rect l="0" t="0" r="0" b="0"/>
             <a:pathLst>
-              <a:path extrusionOk="0" h="120000" w="120000">
+              <a:path w="120000" h="120000" extrusionOk="0">
                 <a:moveTo>
                   <a:pt x="0" y="0"/>
                 </a:moveTo>
@@ -781,9 +920,11 @@
       <p:sp>
         <p:nvSpPr>
           <p:cNvPr id="71" name="Shape 71"/>
-          <p:cNvSpPr txBox="1"/>
+          <p:cNvSpPr txBox="1">
+            <a:spLocks noGrp="1"/>
+          </p:cNvSpPr>
           <p:nvPr>
-            <p:ph idx="1" type="body"/>
+            <p:ph type="body" idx="1"/>
           </p:nvPr>
         </p:nvSpPr>
         <p:spPr>
@@ -796,12 +937,12 @@
           </a:prstGeom>
         </p:spPr>
         <p:txBody>
-          <a:bodyPr anchorCtr="0" anchor="t" bIns="91425" lIns="91425" spcFirstLastPara="1" rIns="91425" wrap="square" tIns="91425">
+          <a:bodyPr spcFirstLastPara="1" wrap="square" lIns="91425" tIns="91425" rIns="91425" bIns="91425" anchor="t" anchorCtr="0">
             <a:noAutofit/>
           </a:bodyPr>
           <a:lstStyle/>
           <a:p>
-            <a:pPr indent="-298450" lvl="0" marL="457200" rtl="0">
+            <a:pPr marL="457200" lvl="0" indent="-298450" rtl="0">
               <a:spcBef>
                 <a:spcPts val="0"/>
               </a:spcBef>
@@ -818,7 +959,7 @@
             <a:endParaRPr/>
           </a:p>
           <a:p>
-            <a:pPr indent="-298450" lvl="1" marL="914400" rtl="0">
+            <a:pPr marL="914400" lvl="1" indent="-298450" rtl="0">
               <a:spcBef>
                 <a:spcPts val="0"/>
               </a:spcBef>
@@ -835,7 +976,7 @@
             <a:endParaRPr/>
           </a:p>
           <a:p>
-            <a:pPr indent="-298450" lvl="1" marL="914400" rtl="0">
+            <a:pPr marL="914400" lvl="1" indent="-298450" rtl="0">
               <a:spcBef>
                 <a:spcPts val="0"/>
               </a:spcBef>
@@ -852,7 +993,7 @@
             <a:endParaRPr/>
           </a:p>
           <a:p>
-            <a:pPr indent="-298450" lvl="1" marL="914400" rtl="0">
+            <a:pPr marL="914400" lvl="1" indent="-298450" rtl="0">
               <a:spcBef>
                 <a:spcPts val="0"/>
               </a:spcBef>
@@ -869,7 +1010,7 @@
             <a:endParaRPr/>
           </a:p>
           <a:p>
-            <a:pPr indent="-298450" lvl="0" marL="457200">
+            <a:pPr marL="457200" lvl="0" indent="-298450">
               <a:spcBef>
                 <a:spcPts val="0"/>
               </a:spcBef>
@@ -896,11 +1037,11 @@
 </file>
 
 <file path=ppt/notesSlides/notesSlide4.xml><?xml version="1.0" encoding="utf-8"?>
-<p:notes xmlns:a="http://schemas.openxmlformats.org/drawingml/2006/main" xmlns:r="http://schemas.openxmlformats.org/officeDocument/2006/relationships" xmlns:mc="http://schemas.openxmlformats.org/markup-compatibility/2006" xmlns:mv="urn:schemas-microsoft-com:mac:vml" xmlns:p="http://schemas.openxmlformats.org/presentationml/2006/main" xmlns:c="http://schemas.openxmlformats.org/drawingml/2006/chart" xmlns:dgm="http://schemas.openxmlformats.org/drawingml/2006/diagram" xmlns:o="urn:schemas-microsoft-com:office:office" xmlns:v="urn:schemas-microsoft-com:vml" xmlns:pvml="urn:schemas-microsoft-com:office:powerpoint" xmlns:com="http://schemas.openxmlformats.org/drawingml/2006/compatibility" xmlns:p14="http://schemas.microsoft.com/office/powerpoint/2010/main" xmlns:p15="http://schemas.microsoft.com/office/powerpoint/2012/main" showMasterPhAnim="0" showMasterSp="0">
+<p:notes xmlns:a="http://schemas.openxmlformats.org/drawingml/2006/main" xmlns:r="http://schemas.openxmlformats.org/officeDocument/2006/relationships" xmlns:p="http://schemas.openxmlformats.org/presentationml/2006/main" showMasterSp="0" showMasterPhAnim="0">
   <p:cSld>
     <p:spTree>
       <p:nvGrpSpPr>
-        <p:cNvPr id="75" name="Shape 75"/>
+        <p:cNvPr id="1" name="Shape 75"/>
         <p:cNvGrpSpPr/>
         <p:nvPr/>
       </p:nvGrpSpPr>
@@ -915,19 +1056,26 @@
       <p:sp>
         <p:nvSpPr>
           <p:cNvPr id="76" name="Shape 76"/>
-          <p:cNvSpPr/>
+          <p:cNvSpPr>
+            <a:spLocks noGrp="1" noRot="1" noChangeAspect="1"/>
+          </p:cNvSpPr>
           <p:nvPr>
-            <p:ph idx="2" type="sldImg"/>
+            <p:ph type="sldImg" idx="2"/>
           </p:nvPr>
         </p:nvSpPr>
         <p:spPr>
           <a:xfrm>
-            <a:off x="381300" y="685800"/>
+            <a:off x="381000" y="685800"/>
             <a:ext cx="6096000" cy="3429000"/>
           </a:xfrm>
           <a:custGeom>
+            <a:avLst/>
+            <a:gdLst/>
+            <a:ahLst/>
+            <a:cxnLst/>
+            <a:rect l="0" t="0" r="0" b="0"/>
             <a:pathLst>
-              <a:path extrusionOk="0" h="120000" w="120000">
+              <a:path w="120000" h="120000" extrusionOk="0">
                 <a:moveTo>
                   <a:pt x="0" y="0"/>
                 </a:moveTo>
@@ -949,9 +1097,11 @@
       <p:sp>
         <p:nvSpPr>
           <p:cNvPr id="77" name="Shape 77"/>
-          <p:cNvSpPr txBox="1"/>
+          <p:cNvSpPr txBox="1">
+            <a:spLocks noGrp="1"/>
+          </p:cNvSpPr>
           <p:nvPr>
-            <p:ph idx="1" type="body"/>
+            <p:ph type="body" idx="1"/>
           </p:nvPr>
         </p:nvSpPr>
         <p:spPr>
@@ -964,12 +1114,12 @@
           </a:prstGeom>
         </p:spPr>
         <p:txBody>
-          <a:bodyPr anchorCtr="0" anchor="t" bIns="91425" lIns="91425" spcFirstLastPara="1" rIns="91425" wrap="square" tIns="91425">
+          <a:bodyPr spcFirstLastPara="1" wrap="square" lIns="91425" tIns="91425" rIns="91425" bIns="91425" anchor="t" anchorCtr="0">
             <a:noAutofit/>
           </a:bodyPr>
           <a:lstStyle/>
           <a:p>
-            <a:pPr indent="-298450" lvl="0" marL="457200">
+            <a:pPr marL="457200" lvl="0" indent="-298450">
               <a:spcBef>
                 <a:spcPts val="0"/>
               </a:spcBef>
@@ -996,11 +1146,11 @@
 </file>
 
 <file path=ppt/notesSlides/notesSlide5.xml><?xml version="1.0" encoding="utf-8"?>
-<p:notes xmlns:a="http://schemas.openxmlformats.org/drawingml/2006/main" xmlns:r="http://schemas.openxmlformats.org/officeDocument/2006/relationships" xmlns:mc="http://schemas.openxmlformats.org/markup-compatibility/2006" xmlns:mv="urn:schemas-microsoft-com:mac:vml" xmlns:p="http://schemas.openxmlformats.org/presentationml/2006/main" xmlns:c="http://schemas.openxmlformats.org/drawingml/2006/chart" xmlns:dgm="http://schemas.openxmlformats.org/drawingml/2006/diagram" xmlns:o="urn:schemas-microsoft-com:office:office" xmlns:v="urn:schemas-microsoft-com:vml" xmlns:pvml="urn:schemas-microsoft-com:office:powerpoint" xmlns:com="http://schemas.openxmlformats.org/drawingml/2006/compatibility" xmlns:p14="http://schemas.microsoft.com/office/powerpoint/2010/main" xmlns:p15="http://schemas.microsoft.com/office/powerpoint/2012/main" showMasterPhAnim="0" showMasterSp="0">
+<p:notes xmlns:a="http://schemas.openxmlformats.org/drawingml/2006/main" xmlns:r="http://schemas.openxmlformats.org/officeDocument/2006/relationships" xmlns:p="http://schemas.openxmlformats.org/presentationml/2006/main" showMasterSp="0" showMasterPhAnim="0">
   <p:cSld>
     <p:spTree>
       <p:nvGrpSpPr>
-        <p:cNvPr id="91" name="Shape 91"/>
+        <p:cNvPr id="1" name="Shape 91"/>
         <p:cNvGrpSpPr/>
         <p:nvPr/>
       </p:nvGrpSpPr>
@@ -1015,19 +1165,26 @@
       <p:sp>
         <p:nvSpPr>
           <p:cNvPr id="92" name="Shape 92"/>
-          <p:cNvSpPr/>
+          <p:cNvSpPr>
+            <a:spLocks noGrp="1" noRot="1" noChangeAspect="1"/>
+          </p:cNvSpPr>
           <p:nvPr>
-            <p:ph idx="2" type="sldImg"/>
+            <p:ph type="sldImg" idx="2"/>
           </p:nvPr>
         </p:nvSpPr>
         <p:spPr>
           <a:xfrm>
-            <a:off x="381300" y="685800"/>
+            <a:off x="381000" y="685800"/>
             <a:ext cx="6096000" cy="3429000"/>
           </a:xfrm>
           <a:custGeom>
+            <a:avLst/>
+            <a:gdLst/>
+            <a:ahLst/>
+            <a:cxnLst/>
+            <a:rect l="0" t="0" r="0" b="0"/>
             <a:pathLst>
-              <a:path extrusionOk="0" h="120000" w="120000">
+              <a:path w="120000" h="120000" extrusionOk="0">
                 <a:moveTo>
                   <a:pt x="0" y="0"/>
                 </a:moveTo>
@@ -1049,9 +1206,11 @@
       <p:sp>
         <p:nvSpPr>
           <p:cNvPr id="93" name="Shape 93"/>
-          <p:cNvSpPr txBox="1"/>
+          <p:cNvSpPr txBox="1">
+            <a:spLocks noGrp="1"/>
+          </p:cNvSpPr>
           <p:nvPr>
-            <p:ph idx="1" type="body"/>
+            <p:ph type="body" idx="1"/>
           </p:nvPr>
         </p:nvSpPr>
         <p:spPr>
@@ -1064,12 +1223,12 @@
           </a:prstGeom>
         </p:spPr>
         <p:txBody>
-          <a:bodyPr anchorCtr="0" anchor="t" bIns="91425" lIns="91425" spcFirstLastPara="1" rIns="91425" wrap="square" tIns="91425">
+          <a:bodyPr spcFirstLastPara="1" wrap="square" lIns="91425" tIns="91425" rIns="91425" bIns="91425" anchor="t" anchorCtr="0">
             <a:noAutofit/>
           </a:bodyPr>
           <a:lstStyle/>
           <a:p>
-            <a:pPr indent="-298450" lvl="0" marL="457200" rtl="0">
+            <a:pPr marL="457200" lvl="0" indent="-298450" rtl="0">
               <a:spcBef>
                 <a:spcPts val="0"/>
               </a:spcBef>
@@ -1086,7 +1245,7 @@
             <a:endParaRPr/>
           </a:p>
           <a:p>
-            <a:pPr indent="-298450" lvl="0" marL="457200">
+            <a:pPr marL="457200" lvl="0" indent="-298450">
               <a:spcBef>
                 <a:spcPts val="0"/>
               </a:spcBef>
@@ -1113,11 +1272,11 @@
 </file>
 
 <file path=ppt/notesSlides/notesSlide6.xml><?xml version="1.0" encoding="utf-8"?>
-<p:notes xmlns:a="http://schemas.openxmlformats.org/drawingml/2006/main" xmlns:r="http://schemas.openxmlformats.org/officeDocument/2006/relationships" xmlns:mc="http://schemas.openxmlformats.org/markup-compatibility/2006" xmlns:mv="urn:schemas-microsoft-com:mac:vml" xmlns:p="http://schemas.openxmlformats.org/presentationml/2006/main" xmlns:c="http://schemas.openxmlformats.org/drawingml/2006/chart" xmlns:dgm="http://schemas.openxmlformats.org/drawingml/2006/diagram" xmlns:o="urn:schemas-microsoft-com:office:office" xmlns:v="urn:schemas-microsoft-com:vml" xmlns:pvml="urn:schemas-microsoft-com:office:powerpoint" xmlns:com="http://schemas.openxmlformats.org/drawingml/2006/compatibility" xmlns:p14="http://schemas.microsoft.com/office/powerpoint/2010/main" xmlns:p15="http://schemas.microsoft.com/office/powerpoint/2012/main" showMasterPhAnim="0" showMasterSp="0">
+<p:notes xmlns:a="http://schemas.openxmlformats.org/drawingml/2006/main" xmlns:r="http://schemas.openxmlformats.org/officeDocument/2006/relationships" xmlns:p="http://schemas.openxmlformats.org/presentationml/2006/main" showMasterSp="0" showMasterPhAnim="0">
   <p:cSld>
     <p:spTree>
       <p:nvGrpSpPr>
-        <p:cNvPr id="104" name="Shape 104"/>
+        <p:cNvPr id="1" name="Shape 104"/>
         <p:cNvGrpSpPr/>
         <p:nvPr/>
       </p:nvGrpSpPr>
@@ -1132,19 +1291,26 @@
       <p:sp>
         <p:nvSpPr>
           <p:cNvPr id="105" name="Shape 105"/>
-          <p:cNvSpPr/>
+          <p:cNvSpPr>
+            <a:spLocks noGrp="1" noRot="1" noChangeAspect="1"/>
+          </p:cNvSpPr>
           <p:nvPr>
-            <p:ph idx="2" type="sldImg"/>
+            <p:ph type="sldImg" idx="2"/>
           </p:nvPr>
         </p:nvSpPr>
         <p:spPr>
           <a:xfrm>
-            <a:off x="381300" y="685800"/>
+            <a:off x="381000" y="685800"/>
             <a:ext cx="6096000" cy="3429000"/>
           </a:xfrm>
           <a:custGeom>
+            <a:avLst/>
+            <a:gdLst/>
+            <a:ahLst/>
+            <a:cxnLst/>
+            <a:rect l="0" t="0" r="0" b="0"/>
             <a:pathLst>
-              <a:path extrusionOk="0" h="120000" w="120000">
+              <a:path w="120000" h="120000" extrusionOk="0">
                 <a:moveTo>
                   <a:pt x="0" y="0"/>
                 </a:moveTo>
@@ -1166,9 +1332,11 @@
       <p:sp>
         <p:nvSpPr>
           <p:cNvPr id="106" name="Shape 106"/>
-          <p:cNvSpPr txBox="1"/>
+          <p:cNvSpPr txBox="1">
+            <a:spLocks noGrp="1"/>
+          </p:cNvSpPr>
           <p:nvPr>
-            <p:ph idx="1" type="body"/>
+            <p:ph type="body" idx="1"/>
           </p:nvPr>
         </p:nvSpPr>
         <p:spPr>
@@ -1181,12 +1349,12 @@
           </a:prstGeom>
         </p:spPr>
         <p:txBody>
-          <a:bodyPr anchorCtr="0" anchor="t" bIns="91425" lIns="91425" spcFirstLastPara="1" rIns="91425" wrap="square" tIns="91425">
+          <a:bodyPr spcFirstLastPara="1" wrap="square" lIns="91425" tIns="91425" rIns="91425" bIns="91425" anchor="t" anchorCtr="0">
             <a:noAutofit/>
           </a:bodyPr>
           <a:lstStyle/>
           <a:p>
-            <a:pPr indent="-298450" lvl="0" marL="457200" rtl="0">
+            <a:pPr marL="457200" lvl="0" indent="-298450" rtl="0">
               <a:spcBef>
                 <a:spcPts val="0"/>
               </a:spcBef>
@@ -1203,7 +1371,7 @@
             <a:endParaRPr/>
           </a:p>
           <a:p>
-            <a:pPr indent="-298450" lvl="0" marL="457200" rtl="0">
+            <a:pPr marL="457200" lvl="0" indent="-298450" rtl="0">
               <a:spcBef>
                 <a:spcPts val="0"/>
               </a:spcBef>
@@ -1220,7 +1388,7 @@
             <a:endParaRPr/>
           </a:p>
           <a:p>
-            <a:pPr indent="-298450" lvl="0" marL="457200" rtl="0">
+            <a:pPr marL="457200" lvl="0" indent="-298450" rtl="0">
               <a:spcBef>
                 <a:spcPts val="0"/>
               </a:spcBef>
@@ -1237,7 +1405,7 @@
             <a:endParaRPr/>
           </a:p>
           <a:p>
-            <a:pPr indent="-298450" lvl="0" marL="457200" rtl="0">
+            <a:pPr marL="457200" lvl="0" indent="-298450" rtl="0">
               <a:spcBef>
                 <a:spcPts val="0"/>
               </a:spcBef>
@@ -1254,7 +1422,7 @@
             <a:endParaRPr/>
           </a:p>
           <a:p>
-            <a:pPr indent="-298450" lvl="0" marL="457200" rtl="0">
+            <a:pPr marL="457200" lvl="0" indent="-298450" rtl="0">
               <a:spcBef>
                 <a:spcPts val="0"/>
               </a:spcBef>
@@ -1271,7 +1439,7 @@
             <a:endParaRPr/>
           </a:p>
           <a:p>
-            <a:pPr indent="-298450" lvl="0" marL="457200" rtl="0">
+            <a:pPr marL="457200" lvl="0" indent="-298450" rtl="0">
               <a:spcBef>
                 <a:spcPts val="0"/>
               </a:spcBef>
@@ -1298,11 +1466,11 @@
 </file>
 
 <file path=ppt/notesSlides/notesSlide7.xml><?xml version="1.0" encoding="utf-8"?>
-<p:notes xmlns:a="http://schemas.openxmlformats.org/drawingml/2006/main" xmlns:r="http://schemas.openxmlformats.org/officeDocument/2006/relationships" xmlns:mc="http://schemas.openxmlformats.org/markup-compatibility/2006" xmlns:mv="urn:schemas-microsoft-com:mac:vml" xmlns:p="http://schemas.openxmlformats.org/presentationml/2006/main" xmlns:c="http://schemas.openxmlformats.org/drawingml/2006/chart" xmlns:dgm="http://schemas.openxmlformats.org/drawingml/2006/diagram" xmlns:o="urn:schemas-microsoft-com:office:office" xmlns:v="urn:schemas-microsoft-com:vml" xmlns:pvml="urn:schemas-microsoft-com:office:powerpoint" xmlns:com="http://schemas.openxmlformats.org/drawingml/2006/compatibility" xmlns:p14="http://schemas.microsoft.com/office/powerpoint/2010/main" xmlns:p15="http://schemas.microsoft.com/office/powerpoint/2012/main" showMasterPhAnim="0" showMasterSp="0">
+<p:notes xmlns:a="http://schemas.openxmlformats.org/drawingml/2006/main" xmlns:r="http://schemas.openxmlformats.org/officeDocument/2006/relationships" xmlns:p="http://schemas.openxmlformats.org/presentationml/2006/main" showMasterSp="0" showMasterPhAnim="0">
   <p:cSld>
     <p:spTree>
       <p:nvGrpSpPr>
-        <p:cNvPr id="111" name="Shape 111"/>
+        <p:cNvPr id="1" name="Shape 111"/>
         <p:cNvGrpSpPr/>
         <p:nvPr/>
       </p:nvGrpSpPr>
@@ -1317,19 +1485,26 @@
       <p:sp>
         <p:nvSpPr>
           <p:cNvPr id="112" name="Shape 112"/>
-          <p:cNvSpPr/>
+          <p:cNvSpPr>
+            <a:spLocks noGrp="1" noRot="1" noChangeAspect="1"/>
+          </p:cNvSpPr>
           <p:nvPr>
-            <p:ph idx="2" type="sldImg"/>
+            <p:ph type="sldImg" idx="2"/>
           </p:nvPr>
         </p:nvSpPr>
         <p:spPr>
           <a:xfrm>
-            <a:off x="381300" y="685800"/>
+            <a:off x="381000" y="685800"/>
             <a:ext cx="6096000" cy="3429000"/>
           </a:xfrm>
           <a:custGeom>
+            <a:avLst/>
+            <a:gdLst/>
+            <a:ahLst/>
+            <a:cxnLst/>
+            <a:rect l="0" t="0" r="0" b="0"/>
             <a:pathLst>
-              <a:path extrusionOk="0" h="120000" w="120000">
+              <a:path w="120000" h="120000" extrusionOk="0">
                 <a:moveTo>
                   <a:pt x="0" y="0"/>
                 </a:moveTo>
@@ -1351,9 +1526,11 @@
       <p:sp>
         <p:nvSpPr>
           <p:cNvPr id="113" name="Shape 113"/>
-          <p:cNvSpPr txBox="1"/>
+          <p:cNvSpPr txBox="1">
+            <a:spLocks noGrp="1"/>
+          </p:cNvSpPr>
           <p:nvPr>
-            <p:ph idx="1" type="body"/>
+            <p:ph type="body" idx="1"/>
           </p:nvPr>
         </p:nvSpPr>
         <p:spPr>
@@ -1366,12 +1543,12 @@
           </a:prstGeom>
         </p:spPr>
         <p:txBody>
-          <a:bodyPr anchorCtr="0" anchor="t" bIns="91425" lIns="91425" spcFirstLastPara="1" rIns="91425" wrap="square" tIns="91425">
+          <a:bodyPr spcFirstLastPara="1" wrap="square" lIns="91425" tIns="91425" rIns="91425" bIns="91425" anchor="t" anchorCtr="0">
             <a:noAutofit/>
           </a:bodyPr>
           <a:lstStyle/>
           <a:p>
-            <a:pPr indent="0" lvl="0" marL="0">
+            <a:pPr marL="0" lvl="0" indent="0">
               <a:spcBef>
                 <a:spcPts val="0"/>
               </a:spcBef>
@@ -1387,7 +1564,7 @@
             <a:endParaRPr/>
           </a:p>
           <a:p>
-            <a:pPr indent="0" lvl="0" marL="0">
+            <a:pPr marL="0" lvl="0" indent="0">
               <a:spcBef>
                 <a:spcPts val="0"/>
               </a:spcBef>
@@ -1403,7 +1580,7 @@
             <a:endParaRPr/>
           </a:p>
           <a:p>
-            <a:pPr indent="0" lvl="0" marL="0">
+            <a:pPr marL="0" lvl="0" indent="0">
               <a:spcBef>
                 <a:spcPts val="0"/>
               </a:spcBef>
@@ -1419,7 +1596,7 @@
             <a:endParaRPr/>
           </a:p>
           <a:p>
-            <a:pPr indent="0" lvl="0" marL="0">
+            <a:pPr marL="0" lvl="0" indent="0">
               <a:spcBef>
                 <a:spcPts val="0"/>
               </a:spcBef>
@@ -1435,7 +1612,7 @@
             <a:endParaRPr/>
           </a:p>
           <a:p>
-            <a:pPr indent="0" lvl="0" marL="0">
+            <a:pPr marL="0" lvl="0" indent="0">
               <a:spcBef>
                 <a:spcPts val="0"/>
               </a:spcBef>
@@ -1451,7 +1628,7 @@
             <a:endParaRPr/>
           </a:p>
           <a:p>
-            <a:pPr indent="0" lvl="0" marL="0">
+            <a:pPr marL="0" lvl="0" indent="0">
               <a:spcBef>
                 <a:spcPts val="0"/>
               </a:spcBef>
@@ -1467,7 +1644,7 @@
             <a:endParaRPr/>
           </a:p>
           <a:p>
-            <a:pPr indent="0" lvl="0" marL="0">
+            <a:pPr marL="0" lvl="0" indent="0">
               <a:spcBef>
                 <a:spcPts val="0"/>
               </a:spcBef>
@@ -1483,7 +1660,7 @@
             <a:endParaRPr/>
           </a:p>
           <a:p>
-            <a:pPr indent="0" lvl="0" marL="0">
+            <a:pPr marL="0" lvl="0" indent="0">
               <a:spcBef>
                 <a:spcPts val="0"/>
               </a:spcBef>
@@ -1499,7 +1676,7 @@
             <a:endParaRPr/>
           </a:p>
           <a:p>
-            <a:pPr indent="0" lvl="0" marL="0">
+            <a:pPr marL="0" lvl="0" indent="0">
               <a:spcBef>
                 <a:spcPts val="0"/>
               </a:spcBef>
@@ -1515,7 +1692,7 @@
             <a:endParaRPr/>
           </a:p>
           <a:p>
-            <a:pPr indent="0" lvl="0" marL="0">
+            <a:pPr marL="0" lvl="0" indent="0">
               <a:spcBef>
                 <a:spcPts val="0"/>
               </a:spcBef>
@@ -1531,7 +1708,7 @@
             <a:endParaRPr/>
           </a:p>
           <a:p>
-            <a:pPr indent="0" lvl="0" marL="0">
+            <a:pPr marL="0" lvl="0" indent="0">
               <a:spcBef>
                 <a:spcPts val="0"/>
               </a:spcBef>
@@ -1542,20 +1719,12 @@
             </a:pPr>
             <a:r>
               <a:rPr lang="en"/>
-              <a:t>Guest: </a:t>
-            </a:r>
-            <a:r>
-              <a:rPr lang="en"/>
-              <a:t>.31</a:t>
-            </a:r>
-            <a:r>
-              <a:rPr lang="en"/>
-              <a:t>, .15</a:t>
+              <a:t>Guest: .31, .15</a:t>
             </a:r>
             <a:endParaRPr/>
           </a:p>
           <a:p>
-            <a:pPr indent="0" lvl="0" marL="0">
+            <a:pPr marL="0" lvl="0" indent="0">
               <a:spcBef>
                 <a:spcPts val="0"/>
               </a:spcBef>
@@ -1571,7 +1740,7 @@
             <a:endParaRPr/>
           </a:p>
           <a:p>
-            <a:pPr indent="0" lvl="0" marL="0">
+            <a:pPr marL="0" lvl="0" indent="0">
               <a:spcBef>
                 <a:spcPts val="0"/>
               </a:spcBef>
@@ -1587,7 +1756,7 @@
             <a:endParaRPr/>
           </a:p>
           <a:p>
-            <a:pPr indent="0" lvl="0" marL="0">
+            <a:pPr marL="0" lvl="0" indent="0">
               <a:spcBef>
                 <a:spcPts val="0"/>
               </a:spcBef>
@@ -1603,7 +1772,7 @@
             <a:endParaRPr/>
           </a:p>
           <a:p>
-            <a:pPr indent="0" lvl="0" marL="0">
+            <a:pPr marL="0" lvl="0" indent="0">
               <a:spcBef>
                 <a:spcPts val="0"/>
               </a:spcBef>
@@ -1619,7 +1788,7 @@
             <a:endParaRPr/>
           </a:p>
           <a:p>
-            <a:pPr indent="0" lvl="0" marL="0">
+            <a:pPr marL="0" lvl="0" indent="0">
               <a:spcBef>
                 <a:spcPts val="0"/>
               </a:spcBef>
@@ -1635,7 +1804,7 @@
             <a:endParaRPr/>
           </a:p>
           <a:p>
-            <a:pPr indent="0" lvl="0" marL="0">
+            <a:pPr marL="0" lvl="0" indent="0">
               <a:spcBef>
                 <a:spcPts val="0"/>
               </a:spcBef>
@@ -1651,7 +1820,7 @@
             <a:endParaRPr/>
           </a:p>
           <a:p>
-            <a:pPr indent="0" lvl="0" marL="0">
+            <a:pPr marL="0" lvl="0" indent="0">
               <a:spcBef>
                 <a:spcPts val="0"/>
               </a:spcBef>
@@ -1667,7 +1836,7 @@
             <a:endParaRPr/>
           </a:p>
           <a:p>
-            <a:pPr indent="0" lvl="0" marL="0">
+            <a:pPr marL="0" lvl="0" indent="0">
               <a:spcBef>
                 <a:spcPts val="0"/>
               </a:spcBef>
@@ -1683,7 +1852,7 @@
             <a:endParaRPr/>
           </a:p>
           <a:p>
-            <a:pPr indent="0" lvl="0" marL="0">
+            <a:pPr marL="0" lvl="0" indent="0">
               <a:spcBef>
                 <a:spcPts val="0"/>
               </a:spcBef>
@@ -1699,7 +1868,7 @@
             <a:endParaRPr/>
           </a:p>
           <a:p>
-            <a:pPr indent="0" lvl="0" marL="0">
+            <a:pPr marL="0" lvl="0" indent="0">
               <a:spcBef>
                 <a:spcPts val="0"/>
               </a:spcBef>
@@ -1715,7 +1884,7 @@
             <a:endParaRPr/>
           </a:p>
           <a:p>
-            <a:pPr indent="0" lvl="0" marL="0">
+            <a:pPr marL="0" lvl="0" indent="0">
               <a:spcBef>
                 <a:spcPts val="0"/>
               </a:spcBef>
@@ -1731,33 +1900,27 @@
             <a:endParaRPr/>
           </a:p>
           <a:p>
-            <a:pPr indent="0" lvl="0" marL="0">
-              <a:spcBef>
-                <a:spcPts val="0"/>
-              </a:spcBef>
-              <a:spcAft>
-                <a:spcPts val="0"/>
-              </a:spcAft>
-              <a:buNone/>
-            </a:pPr>
-            <a:r>
-              <a:t/>
-            </a:r>
+            <a:pPr marL="0" lvl="0" indent="0">
+              <a:spcBef>
+                <a:spcPts val="0"/>
+              </a:spcBef>
+              <a:spcAft>
+                <a:spcPts val="0"/>
+              </a:spcAft>
+              <a:buNone/>
+            </a:pPr>
             <a:endParaRPr/>
           </a:p>
           <a:p>
-            <a:pPr indent="0" lvl="0" marL="0">
-              <a:spcBef>
-                <a:spcPts val="0"/>
-              </a:spcBef>
-              <a:spcAft>
-                <a:spcPts val="0"/>
-              </a:spcAft>
-              <a:buNone/>
-            </a:pPr>
-            <a:r>
-              <a:t/>
-            </a:r>
+            <a:pPr marL="0" lvl="0" indent="0">
+              <a:spcBef>
+                <a:spcPts val="0"/>
+              </a:spcBef>
+              <a:spcAft>
+                <a:spcPts val="0"/>
+              </a:spcAft>
+              <a:buNone/>
+            </a:pPr>
             <a:endParaRPr/>
           </a:p>
         </p:txBody>
@@ -1771,11 +1934,11 @@
 </file>
 
 <file path=ppt/notesSlides/notesSlide8.xml><?xml version="1.0" encoding="utf-8"?>
-<p:notes xmlns:a="http://schemas.openxmlformats.org/drawingml/2006/main" xmlns:r="http://schemas.openxmlformats.org/officeDocument/2006/relationships" xmlns:mc="http://schemas.openxmlformats.org/markup-compatibility/2006" xmlns:mv="urn:schemas-microsoft-com:mac:vml" xmlns:p="http://schemas.openxmlformats.org/presentationml/2006/main" xmlns:c="http://schemas.openxmlformats.org/drawingml/2006/chart" xmlns:dgm="http://schemas.openxmlformats.org/drawingml/2006/diagram" xmlns:o="urn:schemas-microsoft-com:office:office" xmlns:v="urn:schemas-microsoft-com:vml" xmlns:pvml="urn:schemas-microsoft-com:office:powerpoint" xmlns:com="http://schemas.openxmlformats.org/drawingml/2006/compatibility" xmlns:p14="http://schemas.microsoft.com/office/powerpoint/2010/main" xmlns:p15="http://schemas.microsoft.com/office/powerpoint/2012/main" showMasterPhAnim="0" showMasterSp="0">
+<p:notes xmlns:a="http://schemas.openxmlformats.org/drawingml/2006/main" xmlns:r="http://schemas.openxmlformats.org/officeDocument/2006/relationships" xmlns:p="http://schemas.openxmlformats.org/presentationml/2006/main" showMasterSp="0" showMasterPhAnim="0">
   <p:cSld>
     <p:spTree>
       <p:nvGrpSpPr>
-        <p:cNvPr id="118" name="Shape 118"/>
+        <p:cNvPr id="1" name="Shape 118"/>
         <p:cNvGrpSpPr/>
         <p:nvPr/>
       </p:nvGrpSpPr>
@@ -1790,19 +1953,26 @@
       <p:sp>
         <p:nvSpPr>
           <p:cNvPr id="119" name="Shape 119"/>
-          <p:cNvSpPr/>
+          <p:cNvSpPr>
+            <a:spLocks noGrp="1" noRot="1" noChangeAspect="1"/>
+          </p:cNvSpPr>
           <p:nvPr>
-            <p:ph idx="2" type="sldImg"/>
+            <p:ph type="sldImg" idx="2"/>
           </p:nvPr>
         </p:nvSpPr>
         <p:spPr>
           <a:xfrm>
-            <a:off x="381300" y="685800"/>
+            <a:off x="381000" y="685800"/>
             <a:ext cx="6096000" cy="3429000"/>
           </a:xfrm>
           <a:custGeom>
+            <a:avLst/>
+            <a:gdLst/>
+            <a:ahLst/>
+            <a:cxnLst/>
+            <a:rect l="0" t="0" r="0" b="0"/>
             <a:pathLst>
-              <a:path extrusionOk="0" h="120000" w="120000">
+              <a:path w="120000" h="120000" extrusionOk="0">
                 <a:moveTo>
                   <a:pt x="0" y="0"/>
                 </a:moveTo>
@@ -1824,9 +1994,11 @@
       <p:sp>
         <p:nvSpPr>
           <p:cNvPr id="120" name="Shape 120"/>
-          <p:cNvSpPr txBox="1"/>
+          <p:cNvSpPr txBox="1">
+            <a:spLocks noGrp="1"/>
+          </p:cNvSpPr>
           <p:nvPr>
-            <p:ph idx="1" type="body"/>
+            <p:ph type="body" idx="1"/>
           </p:nvPr>
         </p:nvSpPr>
         <p:spPr>
@@ -1839,12 +2011,12 @@
           </a:prstGeom>
         </p:spPr>
         <p:txBody>
-          <a:bodyPr anchorCtr="0" anchor="t" bIns="91425" lIns="91425" spcFirstLastPara="1" rIns="91425" wrap="square" tIns="91425">
+          <a:bodyPr spcFirstLastPara="1" wrap="square" lIns="91425" tIns="91425" rIns="91425" bIns="91425" anchor="t" anchorCtr="0">
             <a:noAutofit/>
           </a:bodyPr>
           <a:lstStyle/>
           <a:p>
-            <a:pPr indent="-298450" lvl="0" marL="457200" rtl="0">
+            <a:pPr marL="457200" lvl="0" indent="-298450" rtl="0">
               <a:spcBef>
                 <a:spcPts val="0"/>
               </a:spcBef>
@@ -1871,11 +2043,11 @@
 </file>
 
 <file path=ppt/notesSlides/notesSlide9.xml><?xml version="1.0" encoding="utf-8"?>
-<p:notes xmlns:a="http://schemas.openxmlformats.org/drawingml/2006/main" xmlns:r="http://schemas.openxmlformats.org/officeDocument/2006/relationships" xmlns:mc="http://schemas.openxmlformats.org/markup-compatibility/2006" xmlns:mv="urn:schemas-microsoft-com:mac:vml" xmlns:p="http://schemas.openxmlformats.org/presentationml/2006/main" xmlns:c="http://schemas.openxmlformats.org/drawingml/2006/chart" xmlns:dgm="http://schemas.openxmlformats.org/drawingml/2006/diagram" xmlns:o="urn:schemas-microsoft-com:office:office" xmlns:v="urn:schemas-microsoft-com:vml" xmlns:pvml="urn:schemas-microsoft-com:office:powerpoint" xmlns:com="http://schemas.openxmlformats.org/drawingml/2006/compatibility" xmlns:p14="http://schemas.microsoft.com/office/powerpoint/2010/main" xmlns:p15="http://schemas.microsoft.com/office/powerpoint/2012/main" showMasterPhAnim="0" showMasterSp="0">
+<p:notes xmlns:a="http://schemas.openxmlformats.org/drawingml/2006/main" xmlns:r="http://schemas.openxmlformats.org/officeDocument/2006/relationships" xmlns:p="http://schemas.openxmlformats.org/presentationml/2006/main" showMasterSp="0" showMasterPhAnim="0">
   <p:cSld>
     <p:spTree>
       <p:nvGrpSpPr>
-        <p:cNvPr id="124" name="Shape 124"/>
+        <p:cNvPr id="1" name="Shape 124"/>
         <p:cNvGrpSpPr/>
         <p:nvPr/>
       </p:nvGrpSpPr>
@@ -1890,19 +2062,26 @@
       <p:sp>
         <p:nvSpPr>
           <p:cNvPr id="125" name="Shape 125"/>
-          <p:cNvSpPr/>
+          <p:cNvSpPr>
+            <a:spLocks noGrp="1" noRot="1" noChangeAspect="1"/>
+          </p:cNvSpPr>
           <p:nvPr>
-            <p:ph idx="2" type="sldImg"/>
+            <p:ph type="sldImg" idx="2"/>
           </p:nvPr>
         </p:nvSpPr>
         <p:spPr>
           <a:xfrm>
-            <a:off x="381300" y="685800"/>
+            <a:off x="381000" y="685800"/>
             <a:ext cx="6096000" cy="3429000"/>
           </a:xfrm>
           <a:custGeom>
+            <a:avLst/>
+            <a:gdLst/>
+            <a:ahLst/>
+            <a:cxnLst/>
+            <a:rect l="0" t="0" r="0" b="0"/>
             <a:pathLst>
-              <a:path extrusionOk="0" h="120000" w="120000">
+              <a:path w="120000" h="120000" extrusionOk="0">
                 <a:moveTo>
                   <a:pt x="0" y="0"/>
                 </a:moveTo>
@@ -1924,9 +2103,11 @@
       <p:sp>
         <p:nvSpPr>
           <p:cNvPr id="126" name="Shape 126"/>
-          <p:cNvSpPr txBox="1"/>
+          <p:cNvSpPr txBox="1">
+            <a:spLocks noGrp="1"/>
+          </p:cNvSpPr>
           <p:nvPr>
-            <p:ph idx="1" type="body"/>
+            <p:ph type="body" idx="1"/>
           </p:nvPr>
         </p:nvSpPr>
         <p:spPr>
@@ -1939,23 +2120,20 @@
           </a:prstGeom>
         </p:spPr>
         <p:txBody>
-          <a:bodyPr anchorCtr="0" anchor="t" bIns="91425" lIns="91425" spcFirstLastPara="1" rIns="91425" wrap="square" tIns="91425">
+          <a:bodyPr spcFirstLastPara="1" wrap="square" lIns="91425" tIns="91425" rIns="91425" bIns="91425" anchor="t" anchorCtr="0">
             <a:noAutofit/>
           </a:bodyPr>
           <a:lstStyle/>
           <a:p>
-            <a:pPr indent="0" lvl="0" marL="0">
-              <a:spcBef>
-                <a:spcPts val="0"/>
-              </a:spcBef>
-              <a:spcAft>
-                <a:spcPts val="0"/>
-              </a:spcAft>
-              <a:buNone/>
-            </a:pPr>
-            <a:r>
-              <a:t/>
-            </a:r>
+            <a:pPr marL="0" lvl="0" indent="0">
+              <a:spcBef>
+                <a:spcPts val="0"/>
+              </a:spcBef>
+              <a:spcAft>
+                <a:spcPts val="0"/>
+              </a:spcAft>
+              <a:buNone/>
+            </a:pPr>
             <a:endParaRPr/>
           </a:p>
         </p:txBody>
@@ -1969,11 +2147,11 @@
 </file>
 
 <file path=ppt/slideLayouts/slideLayout1.xml><?xml version="1.0" encoding="utf-8"?>
-<p:sldLayout xmlns:a="http://schemas.openxmlformats.org/drawingml/2006/main" xmlns:r="http://schemas.openxmlformats.org/officeDocument/2006/relationships" xmlns:mc="http://schemas.openxmlformats.org/markup-compatibility/2006" xmlns:mv="urn:schemas-microsoft-com:mac:vml" xmlns:p="http://schemas.openxmlformats.org/presentationml/2006/main" xmlns:c="http://schemas.openxmlformats.org/drawingml/2006/chart" xmlns:dgm="http://schemas.openxmlformats.org/drawingml/2006/diagram" xmlns:o="urn:schemas-microsoft-com:office:office" xmlns:v="urn:schemas-microsoft-com:vml" xmlns:pvml="urn:schemas-microsoft-com:office:powerpoint" xmlns:com="http://schemas.openxmlformats.org/drawingml/2006/compatibility" xmlns:p14="http://schemas.microsoft.com/office/powerpoint/2010/main" xmlns:p15="http://schemas.microsoft.com/office/powerpoint/2012/main" type="title">
+<p:sldLayout xmlns:a="http://schemas.openxmlformats.org/drawingml/2006/main" xmlns:r="http://schemas.openxmlformats.org/officeDocument/2006/relationships" xmlns:p="http://schemas.openxmlformats.org/presentationml/2006/main" type="title">
   <p:cSld name="Title slide">
     <p:spTree>
       <p:nvGrpSpPr>
-        <p:cNvPr id="9" name="Shape 9"/>
+        <p:cNvPr id="1" name="Shape 9"/>
         <p:cNvGrpSpPr/>
         <p:nvPr/>
       </p:nvGrpSpPr>
@@ -2021,12 +2199,12 @@
             </a:ln>
           </p:spPr>
           <p:txBody>
-            <a:bodyPr anchorCtr="0" anchor="ctr" bIns="91425" lIns="91425" spcFirstLastPara="1" rIns="91425" wrap="square" tIns="91425">
+            <a:bodyPr spcFirstLastPara="1" wrap="square" lIns="91425" tIns="91425" rIns="91425" bIns="91425" anchor="ctr" anchorCtr="0">
               <a:noAutofit/>
             </a:bodyPr>
             <a:lstStyle/>
             <a:p>
-              <a:pPr indent="0" lvl="0" marL="0">
+              <a:pPr marL="0" lvl="0" indent="0">
                 <a:spcBef>
                   <a:spcPts val="0"/>
                 </a:spcBef>
@@ -2035,9 +2213,6 @@
                 </a:spcAft>
                 <a:buNone/>
               </a:pPr>
-              <a:r>
-                <a:t/>
-              </a:r>
               <a:endParaRPr>
                 <a:solidFill>
                   <a:schemeClr val="lt1"/>
@@ -2068,12 +2243,12 @@
             </a:ln>
           </p:spPr>
           <p:txBody>
-            <a:bodyPr anchorCtr="0" anchor="ctr" bIns="91425" lIns="91425" spcFirstLastPara="1" rIns="91425" wrap="square" tIns="91425">
+            <a:bodyPr spcFirstLastPara="1" wrap="square" lIns="91425" tIns="91425" rIns="91425" bIns="91425" anchor="ctr" anchorCtr="0">
               <a:noAutofit/>
             </a:bodyPr>
             <a:lstStyle/>
             <a:p>
-              <a:pPr indent="0" lvl="0" marL="0">
+              <a:pPr marL="0" lvl="0" indent="0">
                 <a:spcBef>
                   <a:spcPts val="0"/>
                 </a:spcBef>
@@ -2082,9 +2257,6 @@
                 </a:spcAft>
                 <a:buNone/>
               </a:pPr>
-              <a:r>
-                <a:t/>
-              </a:r>
               <a:endParaRPr>
                 <a:solidFill>
                   <a:schemeClr val="lt1"/>
@@ -2115,12 +2287,12 @@
             </a:ln>
           </p:spPr>
           <p:txBody>
-            <a:bodyPr anchorCtr="0" anchor="ctr" bIns="91425" lIns="91425" spcFirstLastPara="1" rIns="91425" wrap="square" tIns="91425">
+            <a:bodyPr spcFirstLastPara="1" wrap="square" lIns="91425" tIns="91425" rIns="91425" bIns="91425" anchor="ctr" anchorCtr="0">
               <a:noAutofit/>
             </a:bodyPr>
             <a:lstStyle/>
             <a:p>
-              <a:pPr indent="0" lvl="0" marL="0">
+              <a:pPr marL="0" lvl="0" indent="0">
                 <a:spcBef>
                   <a:spcPts val="0"/>
                 </a:spcBef>
@@ -2129,9 +2301,6 @@
                 </a:spcAft>
                 <a:buNone/>
               </a:pPr>
-              <a:r>
-                <a:t/>
-              </a:r>
               <a:endParaRPr>
                 <a:solidFill>
                   <a:schemeClr val="lt1"/>
@@ -2144,7 +2313,9 @@
       <p:sp>
         <p:nvSpPr>
           <p:cNvPr id="14" name="Shape 14"/>
-          <p:cNvSpPr txBox="1"/>
+          <p:cNvSpPr txBox="1">
+            <a:spLocks noGrp="1"/>
+          </p:cNvSpPr>
           <p:nvPr>
             <p:ph type="ctrTitle"/>
           </p:nvPr>
@@ -2159,9 +2330,9 @@
           </a:prstGeom>
         </p:spPr>
         <p:txBody>
-          <a:bodyPr anchorCtr="0" anchor="b" bIns="91425" lIns="91425" spcFirstLastPara="1" rIns="91425" wrap="square" tIns="91425"/>
+          <a:bodyPr spcFirstLastPara="1" wrap="square" lIns="91425" tIns="91425" rIns="91425" bIns="91425" anchor="b" anchorCtr="0"/>
           <a:lstStyle>
-            <a:lvl1pPr lvl="0" rtl="0" algn="ctr">
+            <a:lvl1pPr lvl="0" algn="ctr" rtl="0">
               <a:spcBef>
                 <a:spcPts val="0"/>
               </a:spcBef>
@@ -2172,7 +2343,7 @@
               <a:buNone/>
               <a:defRPr sz="4800"/>
             </a:lvl1pPr>
-            <a:lvl2pPr lvl="1" rtl="0" algn="ctr">
+            <a:lvl2pPr lvl="1" algn="ctr" rtl="0">
               <a:spcBef>
                 <a:spcPts val="0"/>
               </a:spcBef>
@@ -2183,7 +2354,7 @@
               <a:buNone/>
               <a:defRPr sz="4800"/>
             </a:lvl2pPr>
-            <a:lvl3pPr lvl="2" rtl="0" algn="ctr">
+            <a:lvl3pPr lvl="2" algn="ctr" rtl="0">
               <a:spcBef>
                 <a:spcPts val="0"/>
               </a:spcBef>
@@ -2194,7 +2365,7 @@
               <a:buNone/>
               <a:defRPr sz="4800"/>
             </a:lvl3pPr>
-            <a:lvl4pPr lvl="3" rtl="0" algn="ctr">
+            <a:lvl4pPr lvl="3" algn="ctr" rtl="0">
               <a:spcBef>
                 <a:spcPts val="0"/>
               </a:spcBef>
@@ -2205,7 +2376,7 @@
               <a:buNone/>
               <a:defRPr sz="4800"/>
             </a:lvl4pPr>
-            <a:lvl5pPr lvl="4" rtl="0" algn="ctr">
+            <a:lvl5pPr lvl="4" algn="ctr" rtl="0">
               <a:spcBef>
                 <a:spcPts val="0"/>
               </a:spcBef>
@@ -2216,7 +2387,7 @@
               <a:buNone/>
               <a:defRPr sz="4800"/>
             </a:lvl5pPr>
-            <a:lvl6pPr lvl="5" rtl="0" algn="ctr">
+            <a:lvl6pPr lvl="5" algn="ctr" rtl="0">
               <a:spcBef>
                 <a:spcPts val="0"/>
               </a:spcBef>
@@ -2227,7 +2398,7 @@
               <a:buNone/>
               <a:defRPr sz="4800"/>
             </a:lvl6pPr>
-            <a:lvl7pPr lvl="6" rtl="0" algn="ctr">
+            <a:lvl7pPr lvl="6" algn="ctr" rtl="0">
               <a:spcBef>
                 <a:spcPts val="0"/>
               </a:spcBef>
@@ -2238,7 +2409,7 @@
               <a:buNone/>
               <a:defRPr sz="4800"/>
             </a:lvl7pPr>
-            <a:lvl8pPr lvl="7" rtl="0" algn="ctr">
+            <a:lvl8pPr lvl="7" algn="ctr" rtl="0">
               <a:spcBef>
                 <a:spcPts val="0"/>
               </a:spcBef>
@@ -2249,7 +2420,7 @@
               <a:buNone/>
               <a:defRPr sz="4800"/>
             </a:lvl8pPr>
-            <a:lvl9pPr lvl="8" rtl="0" algn="ctr">
+            <a:lvl9pPr lvl="8" algn="ctr" rtl="0">
               <a:spcBef>
                 <a:spcPts val="0"/>
               </a:spcBef>
@@ -2261,15 +2432,19 @@
               <a:defRPr sz="4800"/>
             </a:lvl9pPr>
           </a:lstStyle>
-          <a:p/>
+          <a:p>
+            <a:endParaRPr/>
+          </a:p>
         </p:txBody>
       </p:sp>
       <p:sp>
         <p:nvSpPr>
           <p:cNvPr id="15" name="Shape 15"/>
-          <p:cNvSpPr txBox="1"/>
+          <p:cNvSpPr txBox="1">
+            <a:spLocks noGrp="1"/>
+          </p:cNvSpPr>
           <p:nvPr>
-            <p:ph idx="1" type="subTitle"/>
+            <p:ph type="subTitle" idx="1"/>
           </p:nvPr>
         </p:nvSpPr>
         <p:spPr>
@@ -2282,9 +2457,9 @@
           </a:prstGeom>
         </p:spPr>
         <p:txBody>
-          <a:bodyPr anchorCtr="0" anchor="t" bIns="91425" lIns="91425" spcFirstLastPara="1" rIns="91425" wrap="square" tIns="91425"/>
+          <a:bodyPr spcFirstLastPara="1" wrap="square" lIns="91425" tIns="91425" rIns="91425" bIns="91425" anchor="t" anchorCtr="0"/>
           <a:lstStyle>
-            <a:lvl1pPr lvl="0" rtl="0" algn="ctr">
+            <a:lvl1pPr lvl="0" algn="ctr" rtl="0">
               <a:lnSpc>
                 <a:spcPct val="100000"/>
               </a:lnSpc>
@@ -2298,7 +2473,7 @@
               <a:buNone/>
               <a:defRPr sz="2100"/>
             </a:lvl1pPr>
-            <a:lvl2pPr lvl="1" rtl="0" algn="ctr">
+            <a:lvl2pPr lvl="1" algn="ctr" rtl="0">
               <a:lnSpc>
                 <a:spcPct val="100000"/>
               </a:lnSpc>
@@ -2312,7 +2487,7 @@
               <a:buNone/>
               <a:defRPr sz="2100"/>
             </a:lvl2pPr>
-            <a:lvl3pPr lvl="2" rtl="0" algn="ctr">
+            <a:lvl3pPr lvl="2" algn="ctr" rtl="0">
               <a:lnSpc>
                 <a:spcPct val="100000"/>
               </a:lnSpc>
@@ -2326,7 +2501,7 @@
               <a:buNone/>
               <a:defRPr sz="2100"/>
             </a:lvl3pPr>
-            <a:lvl4pPr lvl="3" rtl="0" algn="ctr">
+            <a:lvl4pPr lvl="3" algn="ctr" rtl="0">
               <a:lnSpc>
                 <a:spcPct val="100000"/>
               </a:lnSpc>
@@ -2340,7 +2515,7 @@
               <a:buNone/>
               <a:defRPr sz="2100"/>
             </a:lvl4pPr>
-            <a:lvl5pPr lvl="4" rtl="0" algn="ctr">
+            <a:lvl5pPr lvl="4" algn="ctr" rtl="0">
               <a:lnSpc>
                 <a:spcPct val="100000"/>
               </a:lnSpc>
@@ -2354,7 +2529,7 @@
               <a:buNone/>
               <a:defRPr sz="2100"/>
             </a:lvl5pPr>
-            <a:lvl6pPr lvl="5" rtl="0" algn="ctr">
+            <a:lvl6pPr lvl="5" algn="ctr" rtl="0">
               <a:lnSpc>
                 <a:spcPct val="100000"/>
               </a:lnSpc>
@@ -2368,7 +2543,7 @@
               <a:buNone/>
               <a:defRPr sz="2100"/>
             </a:lvl6pPr>
-            <a:lvl7pPr lvl="6" rtl="0" algn="ctr">
+            <a:lvl7pPr lvl="6" algn="ctr" rtl="0">
               <a:lnSpc>
                 <a:spcPct val="100000"/>
               </a:lnSpc>
@@ -2382,7 +2557,7 @@
               <a:buNone/>
               <a:defRPr sz="2100"/>
             </a:lvl7pPr>
-            <a:lvl8pPr lvl="7" rtl="0" algn="ctr">
+            <a:lvl8pPr lvl="7" algn="ctr" rtl="0">
               <a:lnSpc>
                 <a:spcPct val="100000"/>
               </a:lnSpc>
@@ -2396,7 +2571,7 @@
               <a:buNone/>
               <a:defRPr sz="2100"/>
             </a:lvl8pPr>
-            <a:lvl9pPr lvl="8" rtl="0" algn="ctr">
+            <a:lvl9pPr lvl="8" algn="ctr" rtl="0">
               <a:lnSpc>
                 <a:spcPct val="100000"/>
               </a:lnSpc>
@@ -2411,15 +2586,19 @@
               <a:defRPr sz="2100"/>
             </a:lvl9pPr>
           </a:lstStyle>
-          <a:p/>
+          <a:p>
+            <a:endParaRPr/>
+          </a:p>
         </p:txBody>
       </p:sp>
       <p:sp>
         <p:nvSpPr>
           <p:cNvPr id="16" name="Shape 16"/>
-          <p:cNvSpPr txBox="1"/>
+          <p:cNvSpPr txBox="1">
+            <a:spLocks noGrp="1"/>
+          </p:cNvSpPr>
           <p:nvPr>
-            <p:ph idx="12" type="sldNum"/>
+            <p:ph type="sldNum" idx="12"/>
           </p:nvPr>
         </p:nvSpPr>
         <p:spPr>
@@ -2432,7 +2611,7 @@
           </a:prstGeom>
         </p:spPr>
         <p:txBody>
-          <a:bodyPr anchorCtr="0" anchor="ctr" bIns="91425" lIns="91425" spcFirstLastPara="1" rIns="91425" wrap="square" tIns="91425">
+          <a:bodyPr spcFirstLastPara="1" wrap="square" lIns="91425" tIns="91425" rIns="91425" bIns="91425" anchor="ctr" anchorCtr="0">
             <a:noAutofit/>
           </a:bodyPr>
           <a:lstStyle>
@@ -2501,7 +2680,7 @@
             </a:lvl9pPr>
           </a:lstStyle>
           <a:p>
-            <a:pPr indent="0" lvl="0" marL="0">
+            <a:pPr marL="0" lvl="0" indent="0">
               <a:spcBef>
                 <a:spcPts val="0"/>
               </a:spcBef>
@@ -2527,11 +2706,11 @@
 </file>
 
 <file path=ppt/slideLayouts/slideLayout10.xml><?xml version="1.0" encoding="utf-8"?>
-<p:sldLayout xmlns:a="http://schemas.openxmlformats.org/drawingml/2006/main" xmlns:r="http://schemas.openxmlformats.org/officeDocument/2006/relationships" xmlns:mc="http://schemas.openxmlformats.org/markup-compatibility/2006" xmlns:mv="urn:schemas-microsoft-com:mac:vml" xmlns:p="http://schemas.openxmlformats.org/presentationml/2006/main" xmlns:c="http://schemas.openxmlformats.org/drawingml/2006/chart" xmlns:dgm="http://schemas.openxmlformats.org/drawingml/2006/diagram" xmlns:o="urn:schemas-microsoft-com:office:office" xmlns:v="urn:schemas-microsoft-com:vml" xmlns:pvml="urn:schemas-microsoft-com:office:powerpoint" xmlns:com="http://schemas.openxmlformats.org/drawingml/2006/compatibility" xmlns:p14="http://schemas.microsoft.com/office/powerpoint/2010/main" xmlns:p15="http://schemas.microsoft.com/office/powerpoint/2012/main">
+<p:sldLayout xmlns:a="http://schemas.openxmlformats.org/drawingml/2006/main" xmlns:r="http://schemas.openxmlformats.org/officeDocument/2006/relationships" xmlns:p="http://schemas.openxmlformats.org/presentationml/2006/main">
   <p:cSld name="Big number">
     <p:spTree>
       <p:nvGrpSpPr>
-        <p:cNvPr id="49" name="Shape 49"/>
+        <p:cNvPr id="1" name="Shape 49"/>
         <p:cNvGrpSpPr/>
         <p:nvPr/>
       </p:nvGrpSpPr>
@@ -2546,7 +2725,9 @@
       <p:sp>
         <p:nvSpPr>
           <p:cNvPr id="50" name="Shape 50"/>
-          <p:cNvSpPr txBox="1"/>
+          <p:cNvSpPr txBox="1">
+            <a:spLocks noGrp="1"/>
+          </p:cNvSpPr>
           <p:nvPr>
             <p:ph type="title"/>
           </p:nvPr>
@@ -2561,9 +2742,9 @@
           </a:prstGeom>
         </p:spPr>
         <p:txBody>
-          <a:bodyPr anchorCtr="0" anchor="b" bIns="91425" lIns="91425" spcFirstLastPara="1" rIns="91425" wrap="square" tIns="91425"/>
+          <a:bodyPr spcFirstLastPara="1" wrap="square" lIns="91425" tIns="91425" rIns="91425" bIns="91425" anchor="b" anchorCtr="0"/>
           <a:lstStyle>
-            <a:lvl1pPr lvl="0" rtl="0" algn="ctr">
+            <a:lvl1pPr lvl="0" algn="ctr" rtl="0">
               <a:spcBef>
                 <a:spcPts val="0"/>
               </a:spcBef>
@@ -2574,7 +2755,7 @@
               <a:buNone/>
               <a:defRPr sz="12000"/>
             </a:lvl1pPr>
-            <a:lvl2pPr lvl="1" rtl="0" algn="ctr">
+            <a:lvl2pPr lvl="1" algn="ctr" rtl="0">
               <a:spcBef>
                 <a:spcPts val="0"/>
               </a:spcBef>
@@ -2585,7 +2766,7 @@
               <a:buNone/>
               <a:defRPr sz="12000"/>
             </a:lvl2pPr>
-            <a:lvl3pPr lvl="2" rtl="0" algn="ctr">
+            <a:lvl3pPr lvl="2" algn="ctr" rtl="0">
               <a:spcBef>
                 <a:spcPts val="0"/>
               </a:spcBef>
@@ -2596,7 +2777,7 @@
               <a:buNone/>
               <a:defRPr sz="12000"/>
             </a:lvl3pPr>
-            <a:lvl4pPr lvl="3" rtl="0" algn="ctr">
+            <a:lvl4pPr lvl="3" algn="ctr" rtl="0">
               <a:spcBef>
                 <a:spcPts val="0"/>
               </a:spcBef>
@@ -2607,7 +2788,7 @@
               <a:buNone/>
               <a:defRPr sz="12000"/>
             </a:lvl4pPr>
-            <a:lvl5pPr lvl="4" rtl="0" algn="ctr">
+            <a:lvl5pPr lvl="4" algn="ctr" rtl="0">
               <a:spcBef>
                 <a:spcPts val="0"/>
               </a:spcBef>
@@ -2618,7 +2799,7 @@
               <a:buNone/>
               <a:defRPr sz="12000"/>
             </a:lvl5pPr>
-            <a:lvl6pPr lvl="5" rtl="0" algn="ctr">
+            <a:lvl6pPr lvl="5" algn="ctr" rtl="0">
               <a:spcBef>
                 <a:spcPts val="0"/>
               </a:spcBef>
@@ -2629,7 +2810,7 @@
               <a:buNone/>
               <a:defRPr sz="12000"/>
             </a:lvl6pPr>
-            <a:lvl7pPr lvl="6" rtl="0" algn="ctr">
+            <a:lvl7pPr lvl="6" algn="ctr" rtl="0">
               <a:spcBef>
                 <a:spcPts val="0"/>
               </a:spcBef>
@@ -2640,7 +2821,7 @@
               <a:buNone/>
               <a:defRPr sz="12000"/>
             </a:lvl7pPr>
-            <a:lvl8pPr lvl="7" rtl="0" algn="ctr">
+            <a:lvl8pPr lvl="7" algn="ctr" rtl="0">
               <a:spcBef>
                 <a:spcPts val="0"/>
               </a:spcBef>
@@ -2651,7 +2832,7 @@
               <a:buNone/>
               <a:defRPr sz="12000"/>
             </a:lvl8pPr>
-            <a:lvl9pPr lvl="8" rtl="0" algn="ctr">
+            <a:lvl9pPr lvl="8" algn="ctr" rtl="0">
               <a:spcBef>
                 <a:spcPts val="0"/>
               </a:spcBef>
@@ -2663,15 +2844,19 @@
               <a:defRPr sz="12000"/>
             </a:lvl9pPr>
           </a:lstStyle>
-          <a:p/>
+          <a:p>
+            <a:endParaRPr/>
+          </a:p>
         </p:txBody>
       </p:sp>
       <p:sp>
         <p:nvSpPr>
           <p:cNvPr id="51" name="Shape 51"/>
-          <p:cNvSpPr txBox="1"/>
+          <p:cNvSpPr txBox="1">
+            <a:spLocks noGrp="1"/>
+          </p:cNvSpPr>
           <p:nvPr>
-            <p:ph idx="1" type="body"/>
+            <p:ph type="body" idx="1"/>
           </p:nvPr>
         </p:nvSpPr>
         <p:spPr>
@@ -2684,9 +2869,9 @@
           </a:prstGeom>
         </p:spPr>
         <p:txBody>
-          <a:bodyPr anchorCtr="0" anchor="t" bIns="91425" lIns="91425" spcFirstLastPara="1" rIns="91425" wrap="square" tIns="91425"/>
+          <a:bodyPr spcFirstLastPara="1" wrap="square" lIns="91425" tIns="91425" rIns="91425" bIns="91425" anchor="t" anchorCtr="0"/>
           <a:lstStyle>
-            <a:lvl1pPr indent="-342900" lvl="0" marL="457200" rtl="0" algn="ctr">
+            <a:lvl1pPr marL="457200" lvl="0" indent="-342900" algn="ctr" rtl="0">
               <a:spcBef>
                 <a:spcPts val="0"/>
               </a:spcBef>
@@ -2697,7 +2882,7 @@
               <a:buChar char="●"/>
               <a:defRPr/>
             </a:lvl1pPr>
-            <a:lvl2pPr indent="-317500" lvl="1" marL="914400" rtl="0" algn="ctr">
+            <a:lvl2pPr marL="914400" lvl="1" indent="-317500" algn="ctr" rtl="0">
               <a:spcBef>
                 <a:spcPts val="1600"/>
               </a:spcBef>
@@ -2708,7 +2893,7 @@
               <a:buChar char="○"/>
               <a:defRPr/>
             </a:lvl2pPr>
-            <a:lvl3pPr indent="-317500" lvl="2" marL="1371600" rtl="0" algn="ctr">
+            <a:lvl3pPr marL="1371600" lvl="2" indent="-317500" algn="ctr" rtl="0">
               <a:spcBef>
                 <a:spcPts val="1600"/>
               </a:spcBef>
@@ -2719,7 +2904,7 @@
               <a:buChar char="■"/>
               <a:defRPr/>
             </a:lvl3pPr>
-            <a:lvl4pPr indent="-317500" lvl="3" marL="1828800" rtl="0" algn="ctr">
+            <a:lvl4pPr marL="1828800" lvl="3" indent="-317500" algn="ctr" rtl="0">
               <a:spcBef>
                 <a:spcPts val="1600"/>
               </a:spcBef>
@@ -2730,7 +2915,7 @@
               <a:buChar char="●"/>
               <a:defRPr/>
             </a:lvl4pPr>
-            <a:lvl5pPr indent="-317500" lvl="4" marL="2286000" rtl="0" algn="ctr">
+            <a:lvl5pPr marL="2286000" lvl="4" indent="-317500" algn="ctr" rtl="0">
               <a:spcBef>
                 <a:spcPts val="1600"/>
               </a:spcBef>
@@ -2741,7 +2926,7 @@
               <a:buChar char="○"/>
               <a:defRPr/>
             </a:lvl5pPr>
-            <a:lvl6pPr indent="-317500" lvl="5" marL="2743200" rtl="0" algn="ctr">
+            <a:lvl6pPr marL="2743200" lvl="5" indent="-317500" algn="ctr" rtl="0">
               <a:spcBef>
                 <a:spcPts val="1600"/>
               </a:spcBef>
@@ -2752,7 +2937,7 @@
               <a:buChar char="■"/>
               <a:defRPr/>
             </a:lvl6pPr>
-            <a:lvl7pPr indent="-317500" lvl="6" marL="3200400" rtl="0" algn="ctr">
+            <a:lvl7pPr marL="3200400" lvl="6" indent="-317500" algn="ctr" rtl="0">
               <a:spcBef>
                 <a:spcPts val="1600"/>
               </a:spcBef>
@@ -2763,7 +2948,7 @@
               <a:buChar char="●"/>
               <a:defRPr/>
             </a:lvl7pPr>
-            <a:lvl8pPr indent="-317500" lvl="7" marL="3657600" rtl="0" algn="ctr">
+            <a:lvl8pPr marL="3657600" lvl="7" indent="-317500" algn="ctr" rtl="0">
               <a:spcBef>
                 <a:spcPts val="1600"/>
               </a:spcBef>
@@ -2774,7 +2959,7 @@
               <a:buChar char="○"/>
               <a:defRPr/>
             </a:lvl8pPr>
-            <a:lvl9pPr indent="-317500" lvl="8" marL="4114800" rtl="0" algn="ctr">
+            <a:lvl9pPr marL="4114800" lvl="8" indent="-317500" algn="ctr" rtl="0">
               <a:spcBef>
                 <a:spcPts val="1600"/>
               </a:spcBef>
@@ -2786,15 +2971,19 @@
               <a:defRPr/>
             </a:lvl9pPr>
           </a:lstStyle>
-          <a:p/>
+          <a:p>
+            <a:endParaRPr/>
+          </a:p>
         </p:txBody>
       </p:sp>
       <p:sp>
         <p:nvSpPr>
           <p:cNvPr id="52" name="Shape 52"/>
-          <p:cNvSpPr txBox="1"/>
+          <p:cNvSpPr txBox="1">
+            <a:spLocks noGrp="1"/>
+          </p:cNvSpPr>
           <p:nvPr>
-            <p:ph idx="12" type="sldNum"/>
+            <p:ph type="sldNum" idx="12"/>
           </p:nvPr>
         </p:nvSpPr>
         <p:spPr>
@@ -2807,7 +2996,7 @@
           </a:prstGeom>
         </p:spPr>
         <p:txBody>
-          <a:bodyPr anchorCtr="0" anchor="ctr" bIns="91425" lIns="91425" spcFirstLastPara="1" rIns="91425" wrap="square" tIns="91425">
+          <a:bodyPr spcFirstLastPara="1" wrap="square" lIns="91425" tIns="91425" rIns="91425" bIns="91425" anchor="ctr" anchorCtr="0">
             <a:noAutofit/>
           </a:bodyPr>
           <a:lstStyle>
@@ -2876,7 +3065,7 @@
             </a:lvl9pPr>
           </a:lstStyle>
           <a:p>
-            <a:pPr indent="0" lvl="0" marL="0">
+            <a:pPr marL="0" lvl="0" indent="0">
               <a:spcBef>
                 <a:spcPts val="0"/>
               </a:spcBef>
@@ -2902,11 +3091,11 @@
 </file>
 
 <file path=ppt/slideLayouts/slideLayout11.xml><?xml version="1.0" encoding="utf-8"?>
-<p:sldLayout xmlns:a="http://schemas.openxmlformats.org/drawingml/2006/main" xmlns:r="http://schemas.openxmlformats.org/officeDocument/2006/relationships" xmlns:mc="http://schemas.openxmlformats.org/markup-compatibility/2006" xmlns:mv="urn:schemas-microsoft-com:mac:vml" xmlns:p="http://schemas.openxmlformats.org/presentationml/2006/main" xmlns:c="http://schemas.openxmlformats.org/drawingml/2006/chart" xmlns:dgm="http://schemas.openxmlformats.org/drawingml/2006/diagram" xmlns:o="urn:schemas-microsoft-com:office:office" xmlns:v="urn:schemas-microsoft-com:vml" xmlns:pvml="urn:schemas-microsoft-com:office:powerpoint" xmlns:com="http://schemas.openxmlformats.org/drawingml/2006/compatibility" xmlns:p14="http://schemas.microsoft.com/office/powerpoint/2010/main" xmlns:p15="http://schemas.microsoft.com/office/powerpoint/2012/main" type="blank">
+<p:sldLayout xmlns:a="http://schemas.openxmlformats.org/drawingml/2006/main" xmlns:r="http://schemas.openxmlformats.org/officeDocument/2006/relationships" xmlns:p="http://schemas.openxmlformats.org/presentationml/2006/main" type="blank">
   <p:cSld name="Blank">
     <p:spTree>
       <p:nvGrpSpPr>
-        <p:cNvPr id="53" name="Shape 53"/>
+        <p:cNvPr id="1" name="Shape 53"/>
         <p:cNvGrpSpPr/>
         <p:nvPr/>
       </p:nvGrpSpPr>
@@ -2921,9 +3110,11 @@
       <p:sp>
         <p:nvSpPr>
           <p:cNvPr id="54" name="Shape 54"/>
-          <p:cNvSpPr txBox="1"/>
+          <p:cNvSpPr txBox="1">
+            <a:spLocks noGrp="1"/>
+          </p:cNvSpPr>
           <p:nvPr>
-            <p:ph idx="12" type="sldNum"/>
+            <p:ph type="sldNum" idx="12"/>
           </p:nvPr>
         </p:nvSpPr>
         <p:spPr>
@@ -2936,7 +3127,7 @@
           </a:prstGeom>
         </p:spPr>
         <p:txBody>
-          <a:bodyPr anchorCtr="0" anchor="ctr" bIns="91425" lIns="91425" spcFirstLastPara="1" rIns="91425" wrap="square" tIns="91425">
+          <a:bodyPr spcFirstLastPara="1" wrap="square" lIns="91425" tIns="91425" rIns="91425" bIns="91425" anchor="ctr" anchorCtr="0">
             <a:noAutofit/>
           </a:bodyPr>
           <a:lstStyle>
@@ -3005,7 +3196,7 @@
             </a:lvl9pPr>
           </a:lstStyle>
           <a:p>
-            <a:pPr indent="0" lvl="0" marL="0">
+            <a:pPr marL="0" lvl="0" indent="0">
               <a:spcBef>
                 <a:spcPts val="0"/>
               </a:spcBef>
@@ -3031,11 +3222,11 @@
 </file>
 
 <file path=ppt/slideLayouts/slideLayout2.xml><?xml version="1.0" encoding="utf-8"?>
-<p:sldLayout xmlns:a="http://schemas.openxmlformats.org/drawingml/2006/main" xmlns:r="http://schemas.openxmlformats.org/officeDocument/2006/relationships" xmlns:mc="http://schemas.openxmlformats.org/markup-compatibility/2006" xmlns:mv="urn:schemas-microsoft-com:mac:vml" xmlns:p="http://schemas.openxmlformats.org/presentationml/2006/main" xmlns:c="http://schemas.openxmlformats.org/drawingml/2006/chart" xmlns:dgm="http://schemas.openxmlformats.org/drawingml/2006/diagram" xmlns:o="urn:schemas-microsoft-com:office:office" xmlns:v="urn:schemas-microsoft-com:vml" xmlns:pvml="urn:schemas-microsoft-com:office:powerpoint" xmlns:com="http://schemas.openxmlformats.org/drawingml/2006/compatibility" xmlns:p14="http://schemas.microsoft.com/office/powerpoint/2010/main" xmlns:p15="http://schemas.microsoft.com/office/powerpoint/2012/main" type="secHead">
+<p:sldLayout xmlns:a="http://schemas.openxmlformats.org/drawingml/2006/main" xmlns:r="http://schemas.openxmlformats.org/officeDocument/2006/relationships" xmlns:p="http://schemas.openxmlformats.org/presentationml/2006/main" type="secHead">
   <p:cSld name="Section header">
     <p:spTree>
       <p:nvGrpSpPr>
-        <p:cNvPr id="17" name="Shape 17"/>
+        <p:cNvPr id="1" name="Shape 17"/>
         <p:cNvGrpSpPr/>
         <p:nvPr/>
       </p:nvGrpSpPr>
@@ -3050,7 +3241,9 @@
       <p:sp>
         <p:nvSpPr>
           <p:cNvPr id="18" name="Shape 18"/>
-          <p:cNvSpPr txBox="1"/>
+          <p:cNvSpPr txBox="1">
+            <a:spLocks noGrp="1"/>
+          </p:cNvSpPr>
           <p:nvPr>
             <p:ph type="title"/>
           </p:nvPr>
@@ -3065,9 +3258,9 @@
           </a:prstGeom>
         </p:spPr>
         <p:txBody>
-          <a:bodyPr anchorCtr="0" anchor="ctr" bIns="91425" lIns="91425" spcFirstLastPara="1" rIns="91425" wrap="square" tIns="91425"/>
+          <a:bodyPr spcFirstLastPara="1" wrap="square" lIns="91425" tIns="91425" rIns="91425" bIns="91425" anchor="ctr" anchorCtr="0"/>
           <a:lstStyle>
-            <a:lvl1pPr lvl="0" rtl="0" algn="ctr">
+            <a:lvl1pPr lvl="0" algn="ctr" rtl="0">
               <a:spcBef>
                 <a:spcPts val="0"/>
               </a:spcBef>
@@ -3078,7 +3271,7 @@
               <a:buNone/>
               <a:defRPr sz="3600"/>
             </a:lvl1pPr>
-            <a:lvl2pPr lvl="1" rtl="0" algn="ctr">
+            <a:lvl2pPr lvl="1" algn="ctr" rtl="0">
               <a:spcBef>
                 <a:spcPts val="0"/>
               </a:spcBef>
@@ -3089,7 +3282,7 @@
               <a:buNone/>
               <a:defRPr sz="3600"/>
             </a:lvl2pPr>
-            <a:lvl3pPr lvl="2" rtl="0" algn="ctr">
+            <a:lvl3pPr lvl="2" algn="ctr" rtl="0">
               <a:spcBef>
                 <a:spcPts val="0"/>
               </a:spcBef>
@@ -3100,7 +3293,7 @@
               <a:buNone/>
               <a:defRPr sz="3600"/>
             </a:lvl3pPr>
-            <a:lvl4pPr lvl="3" rtl="0" algn="ctr">
+            <a:lvl4pPr lvl="3" algn="ctr" rtl="0">
               <a:spcBef>
                 <a:spcPts val="0"/>
               </a:spcBef>
@@ -3111,7 +3304,7 @@
               <a:buNone/>
               <a:defRPr sz="3600"/>
             </a:lvl4pPr>
-            <a:lvl5pPr lvl="4" rtl="0" algn="ctr">
+            <a:lvl5pPr lvl="4" algn="ctr" rtl="0">
               <a:spcBef>
                 <a:spcPts val="0"/>
               </a:spcBef>
@@ -3122,7 +3315,7 @@
               <a:buNone/>
               <a:defRPr sz="3600"/>
             </a:lvl5pPr>
-            <a:lvl6pPr lvl="5" rtl="0" algn="ctr">
+            <a:lvl6pPr lvl="5" algn="ctr" rtl="0">
               <a:spcBef>
                 <a:spcPts val="0"/>
               </a:spcBef>
@@ -3133,7 +3326,7 @@
               <a:buNone/>
               <a:defRPr sz="3600"/>
             </a:lvl6pPr>
-            <a:lvl7pPr lvl="6" rtl="0" algn="ctr">
+            <a:lvl7pPr lvl="6" algn="ctr" rtl="0">
               <a:spcBef>
                 <a:spcPts val="0"/>
               </a:spcBef>
@@ -3144,7 +3337,7 @@
               <a:buNone/>
               <a:defRPr sz="3600"/>
             </a:lvl7pPr>
-            <a:lvl8pPr lvl="7" rtl="0" algn="ctr">
+            <a:lvl8pPr lvl="7" algn="ctr" rtl="0">
               <a:spcBef>
                 <a:spcPts val="0"/>
               </a:spcBef>
@@ -3155,7 +3348,7 @@
               <a:buNone/>
               <a:defRPr sz="3600"/>
             </a:lvl8pPr>
-            <a:lvl9pPr lvl="8" rtl="0" algn="ctr">
+            <a:lvl9pPr lvl="8" algn="ctr" rtl="0">
               <a:spcBef>
                 <a:spcPts val="0"/>
               </a:spcBef>
@@ -3167,15 +3360,19 @@
               <a:defRPr sz="3600"/>
             </a:lvl9pPr>
           </a:lstStyle>
-          <a:p/>
+          <a:p>
+            <a:endParaRPr/>
+          </a:p>
         </p:txBody>
       </p:sp>
       <p:sp>
         <p:nvSpPr>
           <p:cNvPr id="19" name="Shape 19"/>
-          <p:cNvSpPr txBox="1"/>
+          <p:cNvSpPr txBox="1">
+            <a:spLocks noGrp="1"/>
+          </p:cNvSpPr>
           <p:nvPr>
-            <p:ph idx="12" type="sldNum"/>
+            <p:ph type="sldNum" idx="12"/>
           </p:nvPr>
         </p:nvSpPr>
         <p:spPr>
@@ -3188,7 +3385,7 @@
           </a:prstGeom>
         </p:spPr>
         <p:txBody>
-          <a:bodyPr anchorCtr="0" anchor="ctr" bIns="91425" lIns="91425" spcFirstLastPara="1" rIns="91425" wrap="square" tIns="91425">
+          <a:bodyPr spcFirstLastPara="1" wrap="square" lIns="91425" tIns="91425" rIns="91425" bIns="91425" anchor="ctr" anchorCtr="0">
             <a:noAutofit/>
           </a:bodyPr>
           <a:lstStyle>
@@ -3257,7 +3454,7 @@
             </a:lvl9pPr>
           </a:lstStyle>
           <a:p>
-            <a:pPr indent="0" lvl="0" marL="0">
+            <a:pPr marL="0" lvl="0" indent="0">
               <a:spcBef>
                 <a:spcPts val="0"/>
               </a:spcBef>
@@ -3283,11 +3480,11 @@
 </file>
 
 <file path=ppt/slideLayouts/slideLayout3.xml><?xml version="1.0" encoding="utf-8"?>
-<p:sldLayout xmlns:a="http://schemas.openxmlformats.org/drawingml/2006/main" xmlns:r="http://schemas.openxmlformats.org/officeDocument/2006/relationships" xmlns:mc="http://schemas.openxmlformats.org/markup-compatibility/2006" xmlns:mv="urn:schemas-microsoft-com:mac:vml" xmlns:p="http://schemas.openxmlformats.org/presentationml/2006/main" xmlns:c="http://schemas.openxmlformats.org/drawingml/2006/chart" xmlns:dgm="http://schemas.openxmlformats.org/drawingml/2006/diagram" xmlns:o="urn:schemas-microsoft-com:office:office" xmlns:v="urn:schemas-microsoft-com:vml" xmlns:pvml="urn:schemas-microsoft-com:office:powerpoint" xmlns:com="http://schemas.openxmlformats.org/drawingml/2006/compatibility" xmlns:p14="http://schemas.microsoft.com/office/powerpoint/2010/main" xmlns:p15="http://schemas.microsoft.com/office/powerpoint/2012/main" type="tx">
+<p:sldLayout xmlns:a="http://schemas.openxmlformats.org/drawingml/2006/main" xmlns:r="http://schemas.openxmlformats.org/officeDocument/2006/relationships" xmlns:p="http://schemas.openxmlformats.org/presentationml/2006/main" type="tx">
   <p:cSld name="Title and body">
     <p:spTree>
       <p:nvGrpSpPr>
-        <p:cNvPr id="20" name="Shape 20"/>
+        <p:cNvPr id="1" name="Shape 20"/>
         <p:cNvGrpSpPr/>
         <p:nvPr/>
       </p:nvGrpSpPr>
@@ -3302,7 +3499,9 @@
       <p:sp>
         <p:nvSpPr>
           <p:cNvPr id="21" name="Shape 21"/>
-          <p:cNvSpPr txBox="1"/>
+          <p:cNvSpPr txBox="1">
+            <a:spLocks noGrp="1"/>
+          </p:cNvSpPr>
           <p:nvPr>
             <p:ph type="title"/>
           </p:nvPr>
@@ -3317,7 +3516,7 @@
           </a:prstGeom>
         </p:spPr>
         <p:txBody>
-          <a:bodyPr anchorCtr="0" anchor="t" bIns="91425" lIns="91425" spcFirstLastPara="1" rIns="91425" wrap="square" tIns="91425"/>
+          <a:bodyPr spcFirstLastPara="1" wrap="square" lIns="91425" tIns="91425" rIns="91425" bIns="91425" anchor="t" anchorCtr="0"/>
           <a:lstStyle>
             <a:lvl1pPr lvl="0" rtl="0">
               <a:spcBef>
@@ -3419,15 +3618,19 @@
               <a:defRPr/>
             </a:lvl9pPr>
           </a:lstStyle>
-          <a:p/>
+          <a:p>
+            <a:endParaRPr/>
+          </a:p>
         </p:txBody>
       </p:sp>
       <p:sp>
         <p:nvSpPr>
           <p:cNvPr id="22" name="Shape 22"/>
-          <p:cNvSpPr txBox="1"/>
+          <p:cNvSpPr txBox="1">
+            <a:spLocks noGrp="1"/>
+          </p:cNvSpPr>
           <p:nvPr>
-            <p:ph idx="1" type="body"/>
+            <p:ph type="body" idx="1"/>
           </p:nvPr>
         </p:nvSpPr>
         <p:spPr>
@@ -3440,9 +3643,9 @@
           </a:prstGeom>
         </p:spPr>
         <p:txBody>
-          <a:bodyPr anchorCtr="0" anchor="t" bIns="91425" lIns="91425" spcFirstLastPara="1" rIns="91425" wrap="square" tIns="91425"/>
+          <a:bodyPr spcFirstLastPara="1" wrap="square" lIns="91425" tIns="91425" rIns="91425" bIns="91425" anchor="t" anchorCtr="0"/>
           <a:lstStyle>
-            <a:lvl1pPr indent="-342900" lvl="0" marL="457200" rtl="0">
+            <a:lvl1pPr marL="457200" lvl="0" indent="-342900" rtl="0">
               <a:spcBef>
                 <a:spcPts val="0"/>
               </a:spcBef>
@@ -3453,7 +3656,7 @@
               <a:buChar char="●"/>
               <a:defRPr/>
             </a:lvl1pPr>
-            <a:lvl2pPr indent="-317500" lvl="1" marL="914400" rtl="0">
+            <a:lvl2pPr marL="914400" lvl="1" indent="-317500" rtl="0">
               <a:spcBef>
                 <a:spcPts val="1600"/>
               </a:spcBef>
@@ -3464,7 +3667,7 @@
               <a:buChar char="○"/>
               <a:defRPr/>
             </a:lvl2pPr>
-            <a:lvl3pPr indent="-317500" lvl="2" marL="1371600" rtl="0">
+            <a:lvl3pPr marL="1371600" lvl="2" indent="-317500" rtl="0">
               <a:spcBef>
                 <a:spcPts val="1600"/>
               </a:spcBef>
@@ -3475,7 +3678,7 @@
               <a:buChar char="■"/>
               <a:defRPr/>
             </a:lvl3pPr>
-            <a:lvl4pPr indent="-317500" lvl="3" marL="1828800" rtl="0">
+            <a:lvl4pPr marL="1828800" lvl="3" indent="-317500" rtl="0">
               <a:spcBef>
                 <a:spcPts val="1600"/>
               </a:spcBef>
@@ -3486,7 +3689,7 @@
               <a:buChar char="●"/>
               <a:defRPr/>
             </a:lvl4pPr>
-            <a:lvl5pPr indent="-317500" lvl="4" marL="2286000" rtl="0">
+            <a:lvl5pPr marL="2286000" lvl="4" indent="-317500" rtl="0">
               <a:spcBef>
                 <a:spcPts val="1600"/>
               </a:spcBef>
@@ -3497,7 +3700,7 @@
               <a:buChar char="○"/>
               <a:defRPr/>
             </a:lvl5pPr>
-            <a:lvl6pPr indent="-317500" lvl="5" marL="2743200" rtl="0">
+            <a:lvl6pPr marL="2743200" lvl="5" indent="-317500" rtl="0">
               <a:spcBef>
                 <a:spcPts val="1600"/>
               </a:spcBef>
@@ -3508,7 +3711,7 @@
               <a:buChar char="■"/>
               <a:defRPr/>
             </a:lvl6pPr>
-            <a:lvl7pPr indent="-317500" lvl="6" marL="3200400" rtl="0">
+            <a:lvl7pPr marL="3200400" lvl="6" indent="-317500" rtl="0">
               <a:spcBef>
                 <a:spcPts val="1600"/>
               </a:spcBef>
@@ -3519,7 +3722,7 @@
               <a:buChar char="●"/>
               <a:defRPr/>
             </a:lvl7pPr>
-            <a:lvl8pPr indent="-317500" lvl="7" marL="3657600" rtl="0">
+            <a:lvl8pPr marL="3657600" lvl="7" indent="-317500" rtl="0">
               <a:spcBef>
                 <a:spcPts val="1600"/>
               </a:spcBef>
@@ -3530,7 +3733,7 @@
               <a:buChar char="○"/>
               <a:defRPr/>
             </a:lvl8pPr>
-            <a:lvl9pPr indent="-317500" lvl="8" marL="4114800" rtl="0">
+            <a:lvl9pPr marL="4114800" lvl="8" indent="-317500" rtl="0">
               <a:spcBef>
                 <a:spcPts val="1600"/>
               </a:spcBef>
@@ -3542,15 +3745,19 @@
               <a:defRPr/>
             </a:lvl9pPr>
           </a:lstStyle>
-          <a:p/>
+          <a:p>
+            <a:endParaRPr/>
+          </a:p>
         </p:txBody>
       </p:sp>
       <p:sp>
         <p:nvSpPr>
           <p:cNvPr id="23" name="Shape 23"/>
-          <p:cNvSpPr txBox="1"/>
+          <p:cNvSpPr txBox="1">
+            <a:spLocks noGrp="1"/>
+          </p:cNvSpPr>
           <p:nvPr>
-            <p:ph idx="12" type="sldNum"/>
+            <p:ph type="sldNum" idx="12"/>
           </p:nvPr>
         </p:nvSpPr>
         <p:spPr>
@@ -3563,7 +3770,7 @@
           </a:prstGeom>
         </p:spPr>
         <p:txBody>
-          <a:bodyPr anchorCtr="0" anchor="ctr" bIns="91425" lIns="91425" spcFirstLastPara="1" rIns="91425" wrap="square" tIns="91425">
+          <a:bodyPr spcFirstLastPara="1" wrap="square" lIns="91425" tIns="91425" rIns="91425" bIns="91425" anchor="ctr" anchorCtr="0">
             <a:noAutofit/>
           </a:bodyPr>
           <a:lstStyle>
@@ -3632,7 +3839,7 @@
             </a:lvl9pPr>
           </a:lstStyle>
           <a:p>
-            <a:pPr indent="0" lvl="0" marL="0">
+            <a:pPr marL="0" lvl="0" indent="0">
               <a:spcBef>
                 <a:spcPts val="0"/>
               </a:spcBef>
@@ -3658,11 +3865,11 @@
 </file>
 
 <file path=ppt/slideLayouts/slideLayout4.xml><?xml version="1.0" encoding="utf-8"?>
-<p:sldLayout xmlns:a="http://schemas.openxmlformats.org/drawingml/2006/main" xmlns:r="http://schemas.openxmlformats.org/officeDocument/2006/relationships" xmlns:mc="http://schemas.openxmlformats.org/markup-compatibility/2006" xmlns:mv="urn:schemas-microsoft-com:mac:vml" xmlns:p="http://schemas.openxmlformats.org/presentationml/2006/main" xmlns:c="http://schemas.openxmlformats.org/drawingml/2006/chart" xmlns:dgm="http://schemas.openxmlformats.org/drawingml/2006/diagram" xmlns:o="urn:schemas-microsoft-com:office:office" xmlns:v="urn:schemas-microsoft-com:vml" xmlns:pvml="urn:schemas-microsoft-com:office:powerpoint" xmlns:com="http://schemas.openxmlformats.org/drawingml/2006/compatibility" xmlns:p14="http://schemas.microsoft.com/office/powerpoint/2010/main" xmlns:p15="http://schemas.microsoft.com/office/powerpoint/2012/main" type="twoColTx">
+<p:sldLayout xmlns:a="http://schemas.openxmlformats.org/drawingml/2006/main" xmlns:r="http://schemas.openxmlformats.org/officeDocument/2006/relationships" xmlns:p="http://schemas.openxmlformats.org/presentationml/2006/main" type="twoColTx">
   <p:cSld name="Title and two columns">
     <p:spTree>
       <p:nvGrpSpPr>
-        <p:cNvPr id="24" name="Shape 24"/>
+        <p:cNvPr id="1" name="Shape 24"/>
         <p:cNvGrpSpPr/>
         <p:nvPr/>
       </p:nvGrpSpPr>
@@ -3677,7 +3884,9 @@
       <p:sp>
         <p:nvSpPr>
           <p:cNvPr id="25" name="Shape 25"/>
-          <p:cNvSpPr txBox="1"/>
+          <p:cNvSpPr txBox="1">
+            <a:spLocks noGrp="1"/>
+          </p:cNvSpPr>
           <p:nvPr>
             <p:ph type="title"/>
           </p:nvPr>
@@ -3692,7 +3901,7 @@
           </a:prstGeom>
         </p:spPr>
         <p:txBody>
-          <a:bodyPr anchorCtr="0" anchor="t" bIns="91425" lIns="91425" spcFirstLastPara="1" rIns="91425" wrap="square" tIns="91425"/>
+          <a:bodyPr spcFirstLastPara="1" wrap="square" lIns="91425" tIns="91425" rIns="91425" bIns="91425" anchor="t" anchorCtr="0"/>
           <a:lstStyle>
             <a:lvl1pPr lvl="0" rtl="0">
               <a:spcBef>
@@ -3794,15 +4003,19 @@
               <a:defRPr/>
             </a:lvl9pPr>
           </a:lstStyle>
-          <a:p/>
+          <a:p>
+            <a:endParaRPr/>
+          </a:p>
         </p:txBody>
       </p:sp>
       <p:sp>
         <p:nvSpPr>
           <p:cNvPr id="26" name="Shape 26"/>
-          <p:cNvSpPr txBox="1"/>
+          <p:cNvSpPr txBox="1">
+            <a:spLocks noGrp="1"/>
+          </p:cNvSpPr>
           <p:nvPr>
-            <p:ph idx="1" type="body"/>
+            <p:ph type="body" idx="1"/>
           </p:nvPr>
         </p:nvSpPr>
         <p:spPr>
@@ -3815,9 +4028,9 @@
           </a:prstGeom>
         </p:spPr>
         <p:txBody>
-          <a:bodyPr anchorCtr="0" anchor="t" bIns="91425" lIns="91425" spcFirstLastPara="1" rIns="91425" wrap="square" tIns="91425"/>
+          <a:bodyPr spcFirstLastPara="1" wrap="square" lIns="91425" tIns="91425" rIns="91425" bIns="91425" anchor="t" anchorCtr="0"/>
           <a:lstStyle>
-            <a:lvl1pPr indent="-317500" lvl="0" marL="457200" rtl="0">
+            <a:lvl1pPr marL="457200" lvl="0" indent="-317500" rtl="0">
               <a:spcBef>
                 <a:spcPts val="0"/>
               </a:spcBef>
@@ -3828,7 +4041,7 @@
               <a:buChar char="●"/>
               <a:defRPr sz="1400"/>
             </a:lvl1pPr>
-            <a:lvl2pPr indent="-304800" lvl="1" marL="914400" rtl="0">
+            <a:lvl2pPr marL="914400" lvl="1" indent="-304800" rtl="0">
               <a:spcBef>
                 <a:spcPts val="1600"/>
               </a:spcBef>
@@ -3839,7 +4052,7 @@
               <a:buChar char="○"/>
               <a:defRPr sz="1200"/>
             </a:lvl2pPr>
-            <a:lvl3pPr indent="-304800" lvl="2" marL="1371600" rtl="0">
+            <a:lvl3pPr marL="1371600" lvl="2" indent="-304800" rtl="0">
               <a:spcBef>
                 <a:spcPts val="1600"/>
               </a:spcBef>
@@ -3850,7 +4063,7 @@
               <a:buChar char="■"/>
               <a:defRPr sz="1200"/>
             </a:lvl3pPr>
-            <a:lvl4pPr indent="-304800" lvl="3" marL="1828800" rtl="0">
+            <a:lvl4pPr marL="1828800" lvl="3" indent="-304800" rtl="0">
               <a:spcBef>
                 <a:spcPts val="1600"/>
               </a:spcBef>
@@ -3861,7 +4074,7 @@
               <a:buChar char="●"/>
               <a:defRPr sz="1200"/>
             </a:lvl4pPr>
-            <a:lvl5pPr indent="-304800" lvl="4" marL="2286000" rtl="0">
+            <a:lvl5pPr marL="2286000" lvl="4" indent="-304800" rtl="0">
               <a:spcBef>
                 <a:spcPts val="1600"/>
               </a:spcBef>
@@ -3872,7 +4085,7 @@
               <a:buChar char="○"/>
               <a:defRPr sz="1200"/>
             </a:lvl5pPr>
-            <a:lvl6pPr indent="-304800" lvl="5" marL="2743200" rtl="0">
+            <a:lvl6pPr marL="2743200" lvl="5" indent="-304800" rtl="0">
               <a:spcBef>
                 <a:spcPts val="1600"/>
               </a:spcBef>
@@ -3883,7 +4096,7 @@
               <a:buChar char="■"/>
               <a:defRPr sz="1200"/>
             </a:lvl6pPr>
-            <a:lvl7pPr indent="-304800" lvl="6" marL="3200400" rtl="0">
+            <a:lvl7pPr marL="3200400" lvl="6" indent="-304800" rtl="0">
               <a:spcBef>
                 <a:spcPts val="1600"/>
               </a:spcBef>
@@ -3894,7 +4107,7 @@
               <a:buChar char="●"/>
               <a:defRPr sz="1200"/>
             </a:lvl7pPr>
-            <a:lvl8pPr indent="-304800" lvl="7" marL="3657600" rtl="0">
+            <a:lvl8pPr marL="3657600" lvl="7" indent="-304800" rtl="0">
               <a:spcBef>
                 <a:spcPts val="1600"/>
               </a:spcBef>
@@ -3905,7 +4118,7 @@
               <a:buChar char="○"/>
               <a:defRPr sz="1200"/>
             </a:lvl8pPr>
-            <a:lvl9pPr indent="-304800" lvl="8" marL="4114800" rtl="0">
+            <a:lvl9pPr marL="4114800" lvl="8" indent="-304800" rtl="0">
               <a:spcBef>
                 <a:spcPts val="1600"/>
               </a:spcBef>
@@ -3917,15 +4130,19 @@
               <a:defRPr sz="1200"/>
             </a:lvl9pPr>
           </a:lstStyle>
-          <a:p/>
+          <a:p>
+            <a:endParaRPr/>
+          </a:p>
         </p:txBody>
       </p:sp>
       <p:sp>
         <p:nvSpPr>
           <p:cNvPr id="27" name="Shape 27"/>
-          <p:cNvSpPr txBox="1"/>
+          <p:cNvSpPr txBox="1">
+            <a:spLocks noGrp="1"/>
+          </p:cNvSpPr>
           <p:nvPr>
-            <p:ph idx="2" type="body"/>
+            <p:ph type="body" idx="2"/>
           </p:nvPr>
         </p:nvSpPr>
         <p:spPr>
@@ -3938,9 +4155,9 @@
           </a:prstGeom>
         </p:spPr>
         <p:txBody>
-          <a:bodyPr anchorCtr="0" anchor="t" bIns="91425" lIns="91425" spcFirstLastPara="1" rIns="91425" wrap="square" tIns="91425"/>
+          <a:bodyPr spcFirstLastPara="1" wrap="square" lIns="91425" tIns="91425" rIns="91425" bIns="91425" anchor="t" anchorCtr="0"/>
           <a:lstStyle>
-            <a:lvl1pPr indent="-317500" lvl="0" marL="457200" rtl="0">
+            <a:lvl1pPr marL="457200" lvl="0" indent="-317500" rtl="0">
               <a:spcBef>
                 <a:spcPts val="0"/>
               </a:spcBef>
@@ -3951,7 +4168,7 @@
               <a:buChar char="●"/>
               <a:defRPr sz="1400"/>
             </a:lvl1pPr>
-            <a:lvl2pPr indent="-304800" lvl="1" marL="914400" rtl="0">
+            <a:lvl2pPr marL="914400" lvl="1" indent="-304800" rtl="0">
               <a:spcBef>
                 <a:spcPts val="1600"/>
               </a:spcBef>
@@ -3962,7 +4179,7 @@
               <a:buChar char="○"/>
               <a:defRPr sz="1200"/>
             </a:lvl2pPr>
-            <a:lvl3pPr indent="-304800" lvl="2" marL="1371600" rtl="0">
+            <a:lvl3pPr marL="1371600" lvl="2" indent="-304800" rtl="0">
               <a:spcBef>
                 <a:spcPts val="1600"/>
               </a:spcBef>
@@ -3973,7 +4190,7 @@
               <a:buChar char="■"/>
               <a:defRPr sz="1200"/>
             </a:lvl3pPr>
-            <a:lvl4pPr indent="-304800" lvl="3" marL="1828800" rtl="0">
+            <a:lvl4pPr marL="1828800" lvl="3" indent="-304800" rtl="0">
               <a:spcBef>
                 <a:spcPts val="1600"/>
               </a:spcBef>
@@ -3984,7 +4201,7 @@
               <a:buChar char="●"/>
               <a:defRPr sz="1200"/>
             </a:lvl4pPr>
-            <a:lvl5pPr indent="-304800" lvl="4" marL="2286000" rtl="0">
+            <a:lvl5pPr marL="2286000" lvl="4" indent="-304800" rtl="0">
               <a:spcBef>
                 <a:spcPts val="1600"/>
               </a:spcBef>
@@ -3995,7 +4212,7 @@
               <a:buChar char="○"/>
               <a:defRPr sz="1200"/>
             </a:lvl5pPr>
-            <a:lvl6pPr indent="-304800" lvl="5" marL="2743200" rtl="0">
+            <a:lvl6pPr marL="2743200" lvl="5" indent="-304800" rtl="0">
               <a:spcBef>
                 <a:spcPts val="1600"/>
               </a:spcBef>
@@ -4006,7 +4223,7 @@
               <a:buChar char="■"/>
               <a:defRPr sz="1200"/>
             </a:lvl6pPr>
-            <a:lvl7pPr indent="-304800" lvl="6" marL="3200400" rtl="0">
+            <a:lvl7pPr marL="3200400" lvl="6" indent="-304800" rtl="0">
               <a:spcBef>
                 <a:spcPts val="1600"/>
               </a:spcBef>
@@ -4017,7 +4234,7 @@
               <a:buChar char="●"/>
               <a:defRPr sz="1200"/>
             </a:lvl7pPr>
-            <a:lvl8pPr indent="-304800" lvl="7" marL="3657600" rtl="0">
+            <a:lvl8pPr marL="3657600" lvl="7" indent="-304800" rtl="0">
               <a:spcBef>
                 <a:spcPts val="1600"/>
               </a:spcBef>
@@ -4028,7 +4245,7 @@
               <a:buChar char="○"/>
               <a:defRPr sz="1200"/>
             </a:lvl8pPr>
-            <a:lvl9pPr indent="-304800" lvl="8" marL="4114800" rtl="0">
+            <a:lvl9pPr marL="4114800" lvl="8" indent="-304800" rtl="0">
               <a:spcBef>
                 <a:spcPts val="1600"/>
               </a:spcBef>
@@ -4040,15 +4257,19 @@
               <a:defRPr sz="1200"/>
             </a:lvl9pPr>
           </a:lstStyle>
-          <a:p/>
+          <a:p>
+            <a:endParaRPr/>
+          </a:p>
         </p:txBody>
       </p:sp>
       <p:sp>
         <p:nvSpPr>
           <p:cNvPr id="28" name="Shape 28"/>
-          <p:cNvSpPr txBox="1"/>
+          <p:cNvSpPr txBox="1">
+            <a:spLocks noGrp="1"/>
+          </p:cNvSpPr>
           <p:nvPr>
-            <p:ph idx="12" type="sldNum"/>
+            <p:ph type="sldNum" idx="12"/>
           </p:nvPr>
         </p:nvSpPr>
         <p:spPr>
@@ -4061,7 +4282,7 @@
           </a:prstGeom>
         </p:spPr>
         <p:txBody>
-          <a:bodyPr anchorCtr="0" anchor="ctr" bIns="91425" lIns="91425" spcFirstLastPara="1" rIns="91425" wrap="square" tIns="91425">
+          <a:bodyPr spcFirstLastPara="1" wrap="square" lIns="91425" tIns="91425" rIns="91425" bIns="91425" anchor="ctr" anchorCtr="0">
             <a:noAutofit/>
           </a:bodyPr>
           <a:lstStyle>
@@ -4130,7 +4351,7 @@
             </a:lvl9pPr>
           </a:lstStyle>
           <a:p>
-            <a:pPr indent="0" lvl="0" marL="0">
+            <a:pPr marL="0" lvl="0" indent="0">
               <a:spcBef>
                 <a:spcPts val="0"/>
               </a:spcBef>
@@ -4156,11 +4377,11 @@
 </file>
 
 <file path=ppt/slideLayouts/slideLayout5.xml><?xml version="1.0" encoding="utf-8"?>
-<p:sldLayout xmlns:a="http://schemas.openxmlformats.org/drawingml/2006/main" xmlns:r="http://schemas.openxmlformats.org/officeDocument/2006/relationships" xmlns:mc="http://schemas.openxmlformats.org/markup-compatibility/2006" xmlns:mv="urn:schemas-microsoft-com:mac:vml" xmlns:p="http://schemas.openxmlformats.org/presentationml/2006/main" xmlns:c="http://schemas.openxmlformats.org/drawingml/2006/chart" xmlns:dgm="http://schemas.openxmlformats.org/drawingml/2006/diagram" xmlns:o="urn:schemas-microsoft-com:office:office" xmlns:v="urn:schemas-microsoft-com:vml" xmlns:pvml="urn:schemas-microsoft-com:office:powerpoint" xmlns:com="http://schemas.openxmlformats.org/drawingml/2006/compatibility" xmlns:p14="http://schemas.microsoft.com/office/powerpoint/2010/main" xmlns:p15="http://schemas.microsoft.com/office/powerpoint/2012/main" type="titleOnly">
+<p:sldLayout xmlns:a="http://schemas.openxmlformats.org/drawingml/2006/main" xmlns:r="http://schemas.openxmlformats.org/officeDocument/2006/relationships" xmlns:p="http://schemas.openxmlformats.org/presentationml/2006/main" type="titleOnly">
   <p:cSld name="Title only">
     <p:spTree>
       <p:nvGrpSpPr>
-        <p:cNvPr id="29" name="Shape 29"/>
+        <p:cNvPr id="1" name="Shape 29"/>
         <p:cNvGrpSpPr/>
         <p:nvPr/>
       </p:nvGrpSpPr>
@@ -4175,7 +4396,9 @@
       <p:sp>
         <p:nvSpPr>
           <p:cNvPr id="30" name="Shape 30"/>
-          <p:cNvSpPr txBox="1"/>
+          <p:cNvSpPr txBox="1">
+            <a:spLocks noGrp="1"/>
+          </p:cNvSpPr>
           <p:nvPr>
             <p:ph type="title"/>
           </p:nvPr>
@@ -4190,7 +4413,7 @@
           </a:prstGeom>
         </p:spPr>
         <p:txBody>
-          <a:bodyPr anchorCtr="0" anchor="t" bIns="91425" lIns="91425" spcFirstLastPara="1" rIns="91425" wrap="square" tIns="91425"/>
+          <a:bodyPr spcFirstLastPara="1" wrap="square" lIns="91425" tIns="91425" rIns="91425" bIns="91425" anchor="t" anchorCtr="0"/>
           <a:lstStyle>
             <a:lvl1pPr lvl="0" rtl="0">
               <a:spcBef>
@@ -4292,15 +4515,19 @@
               <a:defRPr/>
             </a:lvl9pPr>
           </a:lstStyle>
-          <a:p/>
+          <a:p>
+            <a:endParaRPr/>
+          </a:p>
         </p:txBody>
       </p:sp>
       <p:sp>
         <p:nvSpPr>
           <p:cNvPr id="31" name="Shape 31"/>
-          <p:cNvSpPr txBox="1"/>
+          <p:cNvSpPr txBox="1">
+            <a:spLocks noGrp="1"/>
+          </p:cNvSpPr>
           <p:nvPr>
-            <p:ph idx="12" type="sldNum"/>
+            <p:ph type="sldNum" idx="12"/>
           </p:nvPr>
         </p:nvSpPr>
         <p:spPr>
@@ -4313,7 +4540,7 @@
           </a:prstGeom>
         </p:spPr>
         <p:txBody>
-          <a:bodyPr anchorCtr="0" anchor="ctr" bIns="91425" lIns="91425" spcFirstLastPara="1" rIns="91425" wrap="square" tIns="91425">
+          <a:bodyPr spcFirstLastPara="1" wrap="square" lIns="91425" tIns="91425" rIns="91425" bIns="91425" anchor="ctr" anchorCtr="0">
             <a:noAutofit/>
           </a:bodyPr>
           <a:lstStyle>
@@ -4382,7 +4609,7 @@
             </a:lvl9pPr>
           </a:lstStyle>
           <a:p>
-            <a:pPr indent="0" lvl="0" marL="0">
+            <a:pPr marL="0" lvl="0" indent="0">
               <a:spcBef>
                 <a:spcPts val="0"/>
               </a:spcBef>
@@ -4408,11 +4635,11 @@
 </file>
 
 <file path=ppt/slideLayouts/slideLayout6.xml><?xml version="1.0" encoding="utf-8"?>
-<p:sldLayout xmlns:a="http://schemas.openxmlformats.org/drawingml/2006/main" xmlns:r="http://schemas.openxmlformats.org/officeDocument/2006/relationships" xmlns:mc="http://schemas.openxmlformats.org/markup-compatibility/2006" xmlns:mv="urn:schemas-microsoft-com:mac:vml" xmlns:p="http://schemas.openxmlformats.org/presentationml/2006/main" xmlns:c="http://schemas.openxmlformats.org/drawingml/2006/chart" xmlns:dgm="http://schemas.openxmlformats.org/drawingml/2006/diagram" xmlns:o="urn:schemas-microsoft-com:office:office" xmlns:v="urn:schemas-microsoft-com:vml" xmlns:pvml="urn:schemas-microsoft-com:office:powerpoint" xmlns:com="http://schemas.openxmlformats.org/drawingml/2006/compatibility" xmlns:p14="http://schemas.microsoft.com/office/powerpoint/2010/main" xmlns:p15="http://schemas.microsoft.com/office/powerpoint/2012/main">
+<p:sldLayout xmlns:a="http://schemas.openxmlformats.org/drawingml/2006/main" xmlns:r="http://schemas.openxmlformats.org/officeDocument/2006/relationships" xmlns:p="http://schemas.openxmlformats.org/presentationml/2006/main">
   <p:cSld name="One column text">
     <p:spTree>
       <p:nvGrpSpPr>
-        <p:cNvPr id="32" name="Shape 32"/>
+        <p:cNvPr id="1" name="Shape 32"/>
         <p:cNvGrpSpPr/>
         <p:nvPr/>
       </p:nvGrpSpPr>
@@ -4427,7 +4654,9 @@
       <p:sp>
         <p:nvSpPr>
           <p:cNvPr id="33" name="Shape 33"/>
-          <p:cNvSpPr txBox="1"/>
+          <p:cNvSpPr txBox="1">
+            <a:spLocks noGrp="1"/>
+          </p:cNvSpPr>
           <p:nvPr>
             <p:ph type="title"/>
           </p:nvPr>
@@ -4442,7 +4671,7 @@
           </a:prstGeom>
         </p:spPr>
         <p:txBody>
-          <a:bodyPr anchorCtr="0" anchor="b" bIns="91425" lIns="91425" spcFirstLastPara="1" rIns="91425" wrap="square" tIns="91425"/>
+          <a:bodyPr spcFirstLastPara="1" wrap="square" lIns="91425" tIns="91425" rIns="91425" bIns="91425" anchor="b" anchorCtr="0"/>
           <a:lstStyle>
             <a:lvl1pPr lvl="0" rtl="0">
               <a:spcBef>
@@ -4544,15 +4773,19 @@
               <a:defRPr sz="2400"/>
             </a:lvl9pPr>
           </a:lstStyle>
-          <a:p/>
+          <a:p>
+            <a:endParaRPr/>
+          </a:p>
         </p:txBody>
       </p:sp>
       <p:sp>
         <p:nvSpPr>
           <p:cNvPr id="34" name="Shape 34"/>
-          <p:cNvSpPr txBox="1"/>
+          <p:cNvSpPr txBox="1">
+            <a:spLocks noGrp="1"/>
+          </p:cNvSpPr>
           <p:nvPr>
-            <p:ph idx="1" type="body"/>
+            <p:ph type="body" idx="1"/>
           </p:nvPr>
         </p:nvSpPr>
         <p:spPr>
@@ -4565,9 +4798,9 @@
           </a:prstGeom>
         </p:spPr>
         <p:txBody>
-          <a:bodyPr anchorCtr="0" anchor="t" bIns="91425" lIns="91425" spcFirstLastPara="1" rIns="91425" wrap="square" tIns="91425"/>
+          <a:bodyPr spcFirstLastPara="1" wrap="square" lIns="91425" tIns="91425" rIns="91425" bIns="91425" anchor="t" anchorCtr="0"/>
           <a:lstStyle>
-            <a:lvl1pPr indent="-304800" lvl="0" marL="457200" rtl="0">
+            <a:lvl1pPr marL="457200" lvl="0" indent="-304800" rtl="0">
               <a:spcBef>
                 <a:spcPts val="0"/>
               </a:spcBef>
@@ -4578,7 +4811,7 @@
               <a:buChar char="●"/>
               <a:defRPr sz="1200"/>
             </a:lvl1pPr>
-            <a:lvl2pPr indent="-304800" lvl="1" marL="914400" rtl="0">
+            <a:lvl2pPr marL="914400" lvl="1" indent="-304800" rtl="0">
               <a:spcBef>
                 <a:spcPts val="1600"/>
               </a:spcBef>
@@ -4589,7 +4822,7 @@
               <a:buChar char="○"/>
               <a:defRPr sz="1200"/>
             </a:lvl2pPr>
-            <a:lvl3pPr indent="-304800" lvl="2" marL="1371600" rtl="0">
+            <a:lvl3pPr marL="1371600" lvl="2" indent="-304800" rtl="0">
               <a:spcBef>
                 <a:spcPts val="1600"/>
               </a:spcBef>
@@ -4600,7 +4833,7 @@
               <a:buChar char="■"/>
               <a:defRPr sz="1200"/>
             </a:lvl3pPr>
-            <a:lvl4pPr indent="-304800" lvl="3" marL="1828800" rtl="0">
+            <a:lvl4pPr marL="1828800" lvl="3" indent="-304800" rtl="0">
               <a:spcBef>
                 <a:spcPts val="1600"/>
               </a:spcBef>
@@ -4611,7 +4844,7 @@
               <a:buChar char="●"/>
               <a:defRPr sz="1200"/>
             </a:lvl4pPr>
-            <a:lvl5pPr indent="-304800" lvl="4" marL="2286000" rtl="0">
+            <a:lvl5pPr marL="2286000" lvl="4" indent="-304800" rtl="0">
               <a:spcBef>
                 <a:spcPts val="1600"/>
               </a:spcBef>
@@ -4622,7 +4855,7 @@
               <a:buChar char="○"/>
               <a:defRPr sz="1200"/>
             </a:lvl5pPr>
-            <a:lvl6pPr indent="-304800" lvl="5" marL="2743200" rtl="0">
+            <a:lvl6pPr marL="2743200" lvl="5" indent="-304800" rtl="0">
               <a:spcBef>
                 <a:spcPts val="1600"/>
               </a:spcBef>
@@ -4633,7 +4866,7 @@
               <a:buChar char="■"/>
               <a:defRPr sz="1200"/>
             </a:lvl6pPr>
-            <a:lvl7pPr indent="-304800" lvl="6" marL="3200400" rtl="0">
+            <a:lvl7pPr marL="3200400" lvl="6" indent="-304800" rtl="0">
               <a:spcBef>
                 <a:spcPts val="1600"/>
               </a:spcBef>
@@ -4644,7 +4877,7 @@
               <a:buChar char="●"/>
               <a:defRPr sz="1200"/>
             </a:lvl7pPr>
-            <a:lvl8pPr indent="-304800" lvl="7" marL="3657600" rtl="0">
+            <a:lvl8pPr marL="3657600" lvl="7" indent="-304800" rtl="0">
               <a:spcBef>
                 <a:spcPts val="1600"/>
               </a:spcBef>
@@ -4655,7 +4888,7 @@
               <a:buChar char="○"/>
               <a:defRPr sz="1200"/>
             </a:lvl8pPr>
-            <a:lvl9pPr indent="-304800" lvl="8" marL="4114800" rtl="0">
+            <a:lvl9pPr marL="4114800" lvl="8" indent="-304800" rtl="0">
               <a:spcBef>
                 <a:spcPts val="1600"/>
               </a:spcBef>
@@ -4667,15 +4900,19 @@
               <a:defRPr sz="1200"/>
             </a:lvl9pPr>
           </a:lstStyle>
-          <a:p/>
+          <a:p>
+            <a:endParaRPr/>
+          </a:p>
         </p:txBody>
       </p:sp>
       <p:sp>
         <p:nvSpPr>
           <p:cNvPr id="35" name="Shape 35"/>
-          <p:cNvSpPr txBox="1"/>
+          <p:cNvSpPr txBox="1">
+            <a:spLocks noGrp="1"/>
+          </p:cNvSpPr>
           <p:nvPr>
-            <p:ph idx="12" type="sldNum"/>
+            <p:ph type="sldNum" idx="12"/>
           </p:nvPr>
         </p:nvSpPr>
         <p:spPr>
@@ -4688,7 +4925,7 @@
           </a:prstGeom>
         </p:spPr>
         <p:txBody>
-          <a:bodyPr anchorCtr="0" anchor="ctr" bIns="91425" lIns="91425" spcFirstLastPara="1" rIns="91425" wrap="square" tIns="91425">
+          <a:bodyPr spcFirstLastPara="1" wrap="square" lIns="91425" tIns="91425" rIns="91425" bIns="91425" anchor="ctr" anchorCtr="0">
             <a:noAutofit/>
           </a:bodyPr>
           <a:lstStyle>
@@ -4757,7 +4994,7 @@
             </a:lvl9pPr>
           </a:lstStyle>
           <a:p>
-            <a:pPr indent="0" lvl="0" marL="0">
+            <a:pPr marL="0" lvl="0" indent="0">
               <a:spcBef>
                 <a:spcPts val="0"/>
               </a:spcBef>
@@ -4783,11 +5020,11 @@
 </file>
 
 <file path=ppt/slideLayouts/slideLayout7.xml><?xml version="1.0" encoding="utf-8"?>
-<p:sldLayout xmlns:a="http://schemas.openxmlformats.org/drawingml/2006/main" xmlns:r="http://schemas.openxmlformats.org/officeDocument/2006/relationships" xmlns:mc="http://schemas.openxmlformats.org/markup-compatibility/2006" xmlns:mv="urn:schemas-microsoft-com:mac:vml" xmlns:p="http://schemas.openxmlformats.org/presentationml/2006/main" xmlns:c="http://schemas.openxmlformats.org/drawingml/2006/chart" xmlns:dgm="http://schemas.openxmlformats.org/drawingml/2006/diagram" xmlns:o="urn:schemas-microsoft-com:office:office" xmlns:v="urn:schemas-microsoft-com:vml" xmlns:pvml="urn:schemas-microsoft-com:office:powerpoint" xmlns:com="http://schemas.openxmlformats.org/drawingml/2006/compatibility" xmlns:p14="http://schemas.microsoft.com/office/powerpoint/2010/main" xmlns:p15="http://schemas.microsoft.com/office/powerpoint/2012/main">
+<p:sldLayout xmlns:a="http://schemas.openxmlformats.org/drawingml/2006/main" xmlns:r="http://schemas.openxmlformats.org/officeDocument/2006/relationships" xmlns:p="http://schemas.openxmlformats.org/presentationml/2006/main">
   <p:cSld name="Main point">
     <p:spTree>
       <p:nvGrpSpPr>
-        <p:cNvPr id="36" name="Shape 36"/>
+        <p:cNvPr id="1" name="Shape 36"/>
         <p:cNvGrpSpPr/>
         <p:nvPr/>
       </p:nvGrpSpPr>
@@ -4802,7 +5039,9 @@
       <p:sp>
         <p:nvSpPr>
           <p:cNvPr id="37" name="Shape 37"/>
-          <p:cNvSpPr txBox="1"/>
+          <p:cNvSpPr txBox="1">
+            <a:spLocks noGrp="1"/>
+          </p:cNvSpPr>
           <p:nvPr>
             <p:ph type="title"/>
           </p:nvPr>
@@ -4817,7 +5056,7 @@
           </a:prstGeom>
         </p:spPr>
         <p:txBody>
-          <a:bodyPr anchorCtr="0" anchor="ctr" bIns="91425" lIns="91425" spcFirstLastPara="1" rIns="91425" wrap="square" tIns="91425"/>
+          <a:bodyPr spcFirstLastPara="1" wrap="square" lIns="91425" tIns="91425" rIns="91425" bIns="91425" anchor="ctr" anchorCtr="0"/>
           <a:lstStyle>
             <a:lvl1pPr lvl="0" rtl="0">
               <a:spcBef>
@@ -4982,15 +5221,19 @@
               </a:defRPr>
             </a:lvl9pPr>
           </a:lstStyle>
-          <a:p/>
+          <a:p>
+            <a:endParaRPr/>
+          </a:p>
         </p:txBody>
       </p:sp>
       <p:sp>
         <p:nvSpPr>
           <p:cNvPr id="38" name="Shape 38"/>
-          <p:cNvSpPr txBox="1"/>
+          <p:cNvSpPr txBox="1">
+            <a:spLocks noGrp="1"/>
+          </p:cNvSpPr>
           <p:nvPr>
-            <p:ph idx="12" type="sldNum"/>
+            <p:ph type="sldNum" idx="12"/>
           </p:nvPr>
         </p:nvSpPr>
         <p:spPr>
@@ -5003,7 +5246,7 @@
           </a:prstGeom>
         </p:spPr>
         <p:txBody>
-          <a:bodyPr anchorCtr="0" anchor="ctr" bIns="91425" lIns="91425" spcFirstLastPara="1" rIns="91425" wrap="square" tIns="91425">
+          <a:bodyPr spcFirstLastPara="1" wrap="square" lIns="91425" tIns="91425" rIns="91425" bIns="91425" anchor="ctr" anchorCtr="0">
             <a:noAutofit/>
           </a:bodyPr>
           <a:lstStyle>
@@ -5108,7 +5351,7 @@
             </a:lvl9pPr>
           </a:lstStyle>
           <a:p>
-            <a:pPr indent="0" lvl="0" marL="0">
+            <a:pPr marL="0" lvl="0" indent="0">
               <a:spcBef>
                 <a:spcPts val="0"/>
               </a:spcBef>
@@ -5134,11 +5377,11 @@
 </file>
 
 <file path=ppt/slideLayouts/slideLayout8.xml><?xml version="1.0" encoding="utf-8"?>
-<p:sldLayout xmlns:a="http://schemas.openxmlformats.org/drawingml/2006/main" xmlns:r="http://schemas.openxmlformats.org/officeDocument/2006/relationships" xmlns:mc="http://schemas.openxmlformats.org/markup-compatibility/2006" xmlns:mv="urn:schemas-microsoft-com:mac:vml" xmlns:p="http://schemas.openxmlformats.org/presentationml/2006/main" xmlns:c="http://schemas.openxmlformats.org/drawingml/2006/chart" xmlns:dgm="http://schemas.openxmlformats.org/drawingml/2006/diagram" xmlns:o="urn:schemas-microsoft-com:office:office" xmlns:v="urn:schemas-microsoft-com:vml" xmlns:pvml="urn:schemas-microsoft-com:office:powerpoint" xmlns:com="http://schemas.openxmlformats.org/drawingml/2006/compatibility" xmlns:p14="http://schemas.microsoft.com/office/powerpoint/2010/main" xmlns:p15="http://schemas.microsoft.com/office/powerpoint/2012/main">
+<p:sldLayout xmlns:a="http://schemas.openxmlformats.org/drawingml/2006/main" xmlns:r="http://schemas.openxmlformats.org/officeDocument/2006/relationships" xmlns:p="http://schemas.openxmlformats.org/presentationml/2006/main">
   <p:cSld name="Section title and description">
     <p:spTree>
       <p:nvGrpSpPr>
-        <p:cNvPr id="39" name="Shape 39"/>
+        <p:cNvPr id="1" name="Shape 39"/>
         <p:cNvGrpSpPr/>
         <p:nvPr/>
       </p:nvGrpSpPr>
@@ -5172,23 +5415,20 @@
           </a:ln>
         </p:spPr>
         <p:txBody>
-          <a:bodyPr anchorCtr="0" anchor="ctr" bIns="91425" lIns="91425" spcFirstLastPara="1" rIns="91425" wrap="square" tIns="91425">
+          <a:bodyPr spcFirstLastPara="1" wrap="square" lIns="91425" tIns="91425" rIns="91425" bIns="91425" anchor="ctr" anchorCtr="0">
             <a:noAutofit/>
           </a:bodyPr>
           <a:lstStyle/>
           <a:p>
-            <a:pPr indent="0" lvl="0" marL="0">
-              <a:spcBef>
-                <a:spcPts val="0"/>
-              </a:spcBef>
-              <a:spcAft>
-                <a:spcPts val="0"/>
-              </a:spcAft>
-              <a:buNone/>
-            </a:pPr>
-            <a:r>
-              <a:t/>
-            </a:r>
+            <a:pPr marL="0" lvl="0" indent="0">
+              <a:spcBef>
+                <a:spcPts val="0"/>
+              </a:spcBef>
+              <a:spcAft>
+                <a:spcPts val="0"/>
+              </a:spcAft>
+              <a:buNone/>
+            </a:pPr>
             <a:endParaRPr/>
           </a:p>
         </p:txBody>
@@ -5208,21 +5448,23 @@
             <a:avLst/>
           </a:prstGeom>
           <a:noFill/>
-          <a:ln cap="flat" cmpd="sng" w="19050">
+          <a:ln w="19050" cap="flat" cmpd="sng">
             <a:solidFill>
               <a:schemeClr val="lt1"/>
             </a:solidFill>
             <a:prstDash val="solid"/>
             <a:round/>
-            <a:headEnd len="med" w="med" type="none"/>
-            <a:tailEnd len="med" w="med" type="none"/>
+            <a:headEnd type="none" w="med" len="med"/>
+            <a:tailEnd type="none" w="med" len="med"/>
           </a:ln>
         </p:spPr>
       </p:cxnSp>
       <p:sp>
         <p:nvSpPr>
           <p:cNvPr id="42" name="Shape 42"/>
-          <p:cNvSpPr txBox="1"/>
+          <p:cNvSpPr txBox="1">
+            <a:spLocks noGrp="1"/>
+          </p:cNvSpPr>
           <p:nvPr>
             <p:ph type="title"/>
           </p:nvPr>
@@ -5237,9 +5479,9 @@
           </a:prstGeom>
         </p:spPr>
         <p:txBody>
-          <a:bodyPr anchorCtr="0" anchor="b" bIns="91425" lIns="91425" spcFirstLastPara="1" rIns="91425" wrap="square" tIns="91425"/>
+          <a:bodyPr spcFirstLastPara="1" wrap="square" lIns="91425" tIns="91425" rIns="91425" bIns="91425" anchor="b" anchorCtr="0"/>
           <a:lstStyle>
-            <a:lvl1pPr lvl="0" rtl="0" algn="ctr">
+            <a:lvl1pPr lvl="0" algn="ctr" rtl="0">
               <a:spcBef>
                 <a:spcPts val="0"/>
               </a:spcBef>
@@ -5250,7 +5492,7 @@
               <a:buNone/>
               <a:defRPr sz="4200"/>
             </a:lvl1pPr>
-            <a:lvl2pPr lvl="1" rtl="0" algn="ctr">
+            <a:lvl2pPr lvl="1" algn="ctr" rtl="0">
               <a:spcBef>
                 <a:spcPts val="0"/>
               </a:spcBef>
@@ -5261,7 +5503,7 @@
               <a:buNone/>
               <a:defRPr sz="4200"/>
             </a:lvl2pPr>
-            <a:lvl3pPr lvl="2" rtl="0" algn="ctr">
+            <a:lvl3pPr lvl="2" algn="ctr" rtl="0">
               <a:spcBef>
                 <a:spcPts val="0"/>
               </a:spcBef>
@@ -5272,7 +5514,7 @@
               <a:buNone/>
               <a:defRPr sz="4200"/>
             </a:lvl3pPr>
-            <a:lvl4pPr lvl="3" rtl="0" algn="ctr">
+            <a:lvl4pPr lvl="3" algn="ctr" rtl="0">
               <a:spcBef>
                 <a:spcPts val="0"/>
               </a:spcBef>
@@ -5283,7 +5525,7 @@
               <a:buNone/>
               <a:defRPr sz="4200"/>
             </a:lvl4pPr>
-            <a:lvl5pPr lvl="4" rtl="0" algn="ctr">
+            <a:lvl5pPr lvl="4" algn="ctr" rtl="0">
               <a:spcBef>
                 <a:spcPts val="0"/>
               </a:spcBef>
@@ -5294,7 +5536,7 @@
               <a:buNone/>
               <a:defRPr sz="4200"/>
             </a:lvl5pPr>
-            <a:lvl6pPr lvl="5" rtl="0" algn="ctr">
+            <a:lvl6pPr lvl="5" algn="ctr" rtl="0">
               <a:spcBef>
                 <a:spcPts val="0"/>
               </a:spcBef>
@@ -5305,7 +5547,7 @@
               <a:buNone/>
               <a:defRPr sz="4200"/>
             </a:lvl6pPr>
-            <a:lvl7pPr lvl="6" rtl="0" algn="ctr">
+            <a:lvl7pPr lvl="6" algn="ctr" rtl="0">
               <a:spcBef>
                 <a:spcPts val="0"/>
               </a:spcBef>
@@ -5316,7 +5558,7 @@
               <a:buNone/>
               <a:defRPr sz="4200"/>
             </a:lvl7pPr>
-            <a:lvl8pPr lvl="7" rtl="0" algn="ctr">
+            <a:lvl8pPr lvl="7" algn="ctr" rtl="0">
               <a:spcBef>
                 <a:spcPts val="0"/>
               </a:spcBef>
@@ -5327,7 +5569,7 @@
               <a:buNone/>
               <a:defRPr sz="4200"/>
             </a:lvl8pPr>
-            <a:lvl9pPr lvl="8" rtl="0" algn="ctr">
+            <a:lvl9pPr lvl="8" algn="ctr" rtl="0">
               <a:spcBef>
                 <a:spcPts val="0"/>
               </a:spcBef>
@@ -5339,15 +5581,19 @@
               <a:defRPr sz="4200"/>
             </a:lvl9pPr>
           </a:lstStyle>
-          <a:p/>
+          <a:p>
+            <a:endParaRPr/>
+          </a:p>
         </p:txBody>
       </p:sp>
       <p:sp>
         <p:nvSpPr>
           <p:cNvPr id="43" name="Shape 43"/>
-          <p:cNvSpPr txBox="1"/>
+          <p:cNvSpPr txBox="1">
+            <a:spLocks noGrp="1"/>
+          </p:cNvSpPr>
           <p:nvPr>
-            <p:ph idx="1" type="subTitle"/>
+            <p:ph type="subTitle" idx="1"/>
           </p:nvPr>
         </p:nvSpPr>
         <p:spPr>
@@ -5360,9 +5606,9 @@
           </a:prstGeom>
         </p:spPr>
         <p:txBody>
-          <a:bodyPr anchorCtr="0" anchor="t" bIns="91425" lIns="91425" spcFirstLastPara="1" rIns="91425" wrap="square" tIns="91425"/>
+          <a:bodyPr spcFirstLastPara="1" wrap="square" lIns="91425" tIns="91425" rIns="91425" bIns="91425" anchor="t" anchorCtr="0"/>
           <a:lstStyle>
-            <a:lvl1pPr lvl="0" rtl="0" algn="ctr">
+            <a:lvl1pPr lvl="0" algn="ctr" rtl="0">
               <a:lnSpc>
                 <a:spcPct val="100000"/>
               </a:lnSpc>
@@ -5383,7 +5629,7 @@
                 </a:solidFill>
               </a:defRPr>
             </a:lvl1pPr>
-            <a:lvl2pPr lvl="1" rtl="0" algn="ctr">
+            <a:lvl2pPr lvl="1" algn="ctr" rtl="0">
               <a:lnSpc>
                 <a:spcPct val="100000"/>
               </a:lnSpc>
@@ -5404,7 +5650,7 @@
                 </a:solidFill>
               </a:defRPr>
             </a:lvl2pPr>
-            <a:lvl3pPr lvl="2" rtl="0" algn="ctr">
+            <a:lvl3pPr lvl="2" algn="ctr" rtl="0">
               <a:lnSpc>
                 <a:spcPct val="100000"/>
               </a:lnSpc>
@@ -5425,7 +5671,7 @@
                 </a:solidFill>
               </a:defRPr>
             </a:lvl3pPr>
-            <a:lvl4pPr lvl="3" rtl="0" algn="ctr">
+            <a:lvl4pPr lvl="3" algn="ctr" rtl="0">
               <a:lnSpc>
                 <a:spcPct val="100000"/>
               </a:lnSpc>
@@ -5446,7 +5692,7 @@
                 </a:solidFill>
               </a:defRPr>
             </a:lvl4pPr>
-            <a:lvl5pPr lvl="4" rtl="0" algn="ctr">
+            <a:lvl5pPr lvl="4" algn="ctr" rtl="0">
               <a:lnSpc>
                 <a:spcPct val="100000"/>
               </a:lnSpc>
@@ -5467,7 +5713,7 @@
                 </a:solidFill>
               </a:defRPr>
             </a:lvl5pPr>
-            <a:lvl6pPr lvl="5" rtl="0" algn="ctr">
+            <a:lvl6pPr lvl="5" algn="ctr" rtl="0">
               <a:lnSpc>
                 <a:spcPct val="100000"/>
               </a:lnSpc>
@@ -5488,7 +5734,7 @@
                 </a:solidFill>
               </a:defRPr>
             </a:lvl6pPr>
-            <a:lvl7pPr lvl="6" rtl="0" algn="ctr">
+            <a:lvl7pPr lvl="6" algn="ctr" rtl="0">
               <a:lnSpc>
                 <a:spcPct val="100000"/>
               </a:lnSpc>
@@ -5509,7 +5755,7 @@
                 </a:solidFill>
               </a:defRPr>
             </a:lvl7pPr>
-            <a:lvl8pPr lvl="7" rtl="0" algn="ctr">
+            <a:lvl8pPr lvl="7" algn="ctr" rtl="0">
               <a:lnSpc>
                 <a:spcPct val="100000"/>
               </a:lnSpc>
@@ -5530,7 +5776,7 @@
                 </a:solidFill>
               </a:defRPr>
             </a:lvl8pPr>
-            <a:lvl9pPr lvl="8" rtl="0" algn="ctr">
+            <a:lvl9pPr lvl="8" algn="ctr" rtl="0">
               <a:lnSpc>
                 <a:spcPct val="100000"/>
               </a:lnSpc>
@@ -5552,15 +5798,19 @@
               </a:defRPr>
             </a:lvl9pPr>
           </a:lstStyle>
-          <a:p/>
+          <a:p>
+            <a:endParaRPr/>
+          </a:p>
         </p:txBody>
       </p:sp>
       <p:sp>
         <p:nvSpPr>
           <p:cNvPr id="44" name="Shape 44"/>
-          <p:cNvSpPr txBox="1"/>
+          <p:cNvSpPr txBox="1">
+            <a:spLocks noGrp="1"/>
+          </p:cNvSpPr>
           <p:nvPr>
-            <p:ph idx="2" type="body"/>
+            <p:ph type="body" idx="2"/>
           </p:nvPr>
         </p:nvSpPr>
         <p:spPr>
@@ -5573,9 +5823,9 @@
           </a:prstGeom>
         </p:spPr>
         <p:txBody>
-          <a:bodyPr anchorCtr="0" anchor="ctr" bIns="91425" lIns="91425" spcFirstLastPara="1" rIns="91425" wrap="square" tIns="91425"/>
+          <a:bodyPr spcFirstLastPara="1" wrap="square" lIns="91425" tIns="91425" rIns="91425" bIns="91425" anchor="ctr" anchorCtr="0"/>
           <a:lstStyle>
-            <a:lvl1pPr indent="-342900" lvl="0" marL="457200" rtl="0">
+            <a:lvl1pPr marL="457200" lvl="0" indent="-342900" rtl="0">
               <a:spcBef>
                 <a:spcPts val="0"/>
               </a:spcBef>
@@ -5593,7 +5843,7 @@
                 </a:solidFill>
               </a:defRPr>
             </a:lvl1pPr>
-            <a:lvl2pPr indent="-317500" lvl="1" marL="914400" rtl="0">
+            <a:lvl2pPr marL="914400" lvl="1" indent="-317500" rtl="0">
               <a:spcBef>
                 <a:spcPts val="1600"/>
               </a:spcBef>
@@ -5611,7 +5861,7 @@
                 </a:solidFill>
               </a:defRPr>
             </a:lvl2pPr>
-            <a:lvl3pPr indent="-317500" lvl="2" marL="1371600" rtl="0">
+            <a:lvl3pPr marL="1371600" lvl="2" indent="-317500" rtl="0">
               <a:spcBef>
                 <a:spcPts val="1600"/>
               </a:spcBef>
@@ -5629,7 +5879,7 @@
                 </a:solidFill>
               </a:defRPr>
             </a:lvl3pPr>
-            <a:lvl4pPr indent="-317500" lvl="3" marL="1828800" rtl="0">
+            <a:lvl4pPr marL="1828800" lvl="3" indent="-317500" rtl="0">
               <a:spcBef>
                 <a:spcPts val="1600"/>
               </a:spcBef>
@@ -5647,7 +5897,7 @@
                 </a:solidFill>
               </a:defRPr>
             </a:lvl4pPr>
-            <a:lvl5pPr indent="-317500" lvl="4" marL="2286000" rtl="0">
+            <a:lvl5pPr marL="2286000" lvl="4" indent="-317500" rtl="0">
               <a:spcBef>
                 <a:spcPts val="1600"/>
               </a:spcBef>
@@ -5665,7 +5915,7 @@
                 </a:solidFill>
               </a:defRPr>
             </a:lvl5pPr>
-            <a:lvl6pPr indent="-317500" lvl="5" marL="2743200" rtl="0">
+            <a:lvl6pPr marL="2743200" lvl="5" indent="-317500" rtl="0">
               <a:spcBef>
                 <a:spcPts val="1600"/>
               </a:spcBef>
@@ -5683,7 +5933,7 @@
                 </a:solidFill>
               </a:defRPr>
             </a:lvl6pPr>
-            <a:lvl7pPr indent="-317500" lvl="6" marL="3200400" rtl="0">
+            <a:lvl7pPr marL="3200400" lvl="6" indent="-317500" rtl="0">
               <a:spcBef>
                 <a:spcPts val="1600"/>
               </a:spcBef>
@@ -5701,7 +5951,7 @@
                 </a:solidFill>
               </a:defRPr>
             </a:lvl7pPr>
-            <a:lvl8pPr indent="-317500" lvl="7" marL="3657600" rtl="0">
+            <a:lvl8pPr marL="3657600" lvl="7" indent="-317500" rtl="0">
               <a:spcBef>
                 <a:spcPts val="1600"/>
               </a:spcBef>
@@ -5719,7 +5969,7 @@
                 </a:solidFill>
               </a:defRPr>
             </a:lvl8pPr>
-            <a:lvl9pPr indent="-317500" lvl="8" marL="4114800" rtl="0">
+            <a:lvl9pPr marL="4114800" lvl="8" indent="-317500" rtl="0">
               <a:spcBef>
                 <a:spcPts val="1600"/>
               </a:spcBef>
@@ -5738,15 +5988,19 @@
               </a:defRPr>
             </a:lvl9pPr>
           </a:lstStyle>
-          <a:p/>
+          <a:p>
+            <a:endParaRPr/>
+          </a:p>
         </p:txBody>
       </p:sp>
       <p:sp>
         <p:nvSpPr>
           <p:cNvPr id="45" name="Shape 45"/>
-          <p:cNvSpPr txBox="1"/>
+          <p:cNvSpPr txBox="1">
+            <a:spLocks noGrp="1"/>
+          </p:cNvSpPr>
           <p:nvPr>
-            <p:ph idx="12" type="sldNum"/>
+            <p:ph type="sldNum" idx="12"/>
           </p:nvPr>
         </p:nvSpPr>
         <p:spPr>
@@ -5759,7 +6013,7 @@
           </a:prstGeom>
         </p:spPr>
         <p:txBody>
-          <a:bodyPr anchorCtr="0" anchor="ctr" bIns="91425" lIns="91425" spcFirstLastPara="1" rIns="91425" wrap="square" tIns="91425">
+          <a:bodyPr spcFirstLastPara="1" wrap="square" lIns="91425" tIns="91425" rIns="91425" bIns="91425" anchor="ctr" anchorCtr="0">
             <a:noAutofit/>
           </a:bodyPr>
           <a:lstStyle>
@@ -5864,7 +6118,7 @@
             </a:lvl9pPr>
           </a:lstStyle>
           <a:p>
-            <a:pPr indent="0" lvl="0" marL="0">
+            <a:pPr marL="0" lvl="0" indent="0">
               <a:spcBef>
                 <a:spcPts val="0"/>
               </a:spcBef>
@@ -5890,11 +6144,11 @@
 </file>
 
 <file path=ppt/slideLayouts/slideLayout9.xml><?xml version="1.0" encoding="utf-8"?>
-<p:sldLayout xmlns:a="http://schemas.openxmlformats.org/drawingml/2006/main" xmlns:r="http://schemas.openxmlformats.org/officeDocument/2006/relationships" xmlns:mc="http://schemas.openxmlformats.org/markup-compatibility/2006" xmlns:mv="urn:schemas-microsoft-com:mac:vml" xmlns:p="http://schemas.openxmlformats.org/presentationml/2006/main" xmlns:c="http://schemas.openxmlformats.org/drawingml/2006/chart" xmlns:dgm="http://schemas.openxmlformats.org/drawingml/2006/diagram" xmlns:o="urn:schemas-microsoft-com:office:office" xmlns:v="urn:schemas-microsoft-com:vml" xmlns:pvml="urn:schemas-microsoft-com:office:powerpoint" xmlns:com="http://schemas.openxmlformats.org/drawingml/2006/compatibility" xmlns:p14="http://schemas.microsoft.com/office/powerpoint/2010/main" xmlns:p15="http://schemas.microsoft.com/office/powerpoint/2012/main">
+<p:sldLayout xmlns:a="http://schemas.openxmlformats.org/drawingml/2006/main" xmlns:r="http://schemas.openxmlformats.org/officeDocument/2006/relationships" xmlns:p="http://schemas.openxmlformats.org/presentationml/2006/main">
   <p:cSld name="Caption">
     <p:spTree>
       <p:nvGrpSpPr>
-        <p:cNvPr id="46" name="Shape 46"/>
+        <p:cNvPr id="1" name="Shape 46"/>
         <p:cNvGrpSpPr/>
         <p:nvPr/>
       </p:nvGrpSpPr>
@@ -5909,9 +6163,11 @@
       <p:sp>
         <p:nvSpPr>
           <p:cNvPr id="47" name="Shape 47"/>
-          <p:cNvSpPr txBox="1"/>
+          <p:cNvSpPr txBox="1">
+            <a:spLocks noGrp="1"/>
+          </p:cNvSpPr>
           <p:nvPr>
-            <p:ph idx="1" type="body"/>
+            <p:ph type="body" idx="1"/>
           </p:nvPr>
         </p:nvSpPr>
         <p:spPr>
@@ -5924,9 +6180,9 @@
           </a:prstGeom>
         </p:spPr>
         <p:txBody>
-          <a:bodyPr anchorCtr="0" anchor="ctr" bIns="91425" lIns="91425" spcFirstLastPara="1" rIns="91425" wrap="square" tIns="91425"/>
+          <a:bodyPr spcFirstLastPara="1" wrap="square" lIns="91425" tIns="91425" rIns="91425" bIns="91425" anchor="ctr" anchorCtr="0"/>
           <a:lstStyle>
-            <a:lvl1pPr indent="-228600" lvl="0" marL="457200" rtl="0">
+            <a:lvl1pPr marL="457200" lvl="0" indent="-228600" rtl="0">
               <a:lnSpc>
                 <a:spcPct val="100000"/>
               </a:lnSpc>
@@ -5953,15 +6209,19 @@
               </a:defRPr>
             </a:lvl1pPr>
           </a:lstStyle>
-          <a:p/>
+          <a:p>
+            <a:endParaRPr/>
+          </a:p>
         </p:txBody>
       </p:sp>
       <p:sp>
         <p:nvSpPr>
           <p:cNvPr id="48" name="Shape 48"/>
-          <p:cNvSpPr txBox="1"/>
+          <p:cNvSpPr txBox="1">
+            <a:spLocks noGrp="1"/>
+          </p:cNvSpPr>
           <p:nvPr>
-            <p:ph idx="12" type="sldNum"/>
+            <p:ph type="sldNum" idx="12"/>
           </p:nvPr>
         </p:nvSpPr>
         <p:spPr>
@@ -5974,7 +6234,7 @@
           </a:prstGeom>
         </p:spPr>
         <p:txBody>
-          <a:bodyPr anchorCtr="0" anchor="ctr" bIns="91425" lIns="91425" spcFirstLastPara="1" rIns="91425" wrap="square" tIns="91425">
+          <a:bodyPr spcFirstLastPara="1" wrap="square" lIns="91425" tIns="91425" rIns="91425" bIns="91425" anchor="ctr" anchorCtr="0">
             <a:noAutofit/>
           </a:bodyPr>
           <a:lstStyle>
@@ -6043,7 +6303,7 @@
             </a:lvl9pPr>
           </a:lstStyle>
           <a:p>
-            <a:pPr indent="0" lvl="0" marL="0">
+            <a:pPr marL="0" lvl="0" indent="0">
               <a:spcBef>
                 <a:spcPts val="0"/>
               </a:spcBef>
@@ -6069,18 +6329,19 @@
 </file>
 
 <file path=ppt/slideMasters/slideMaster1.xml><?xml version="1.0" encoding="utf-8"?>
-<p:sldMaster xmlns:a="http://schemas.openxmlformats.org/drawingml/2006/main" xmlns:r="http://schemas.openxmlformats.org/officeDocument/2006/relationships" xmlns:mc="http://schemas.openxmlformats.org/markup-compatibility/2006" xmlns:mv="urn:schemas-microsoft-com:mac:vml" xmlns:p="http://schemas.openxmlformats.org/presentationml/2006/main" xmlns:c="http://schemas.openxmlformats.org/drawingml/2006/chart" xmlns:dgm="http://schemas.openxmlformats.org/drawingml/2006/diagram" xmlns:o="urn:schemas-microsoft-com:office:office" xmlns:v="urn:schemas-microsoft-com:vml" xmlns:pvml="urn:schemas-microsoft-com:office:powerpoint" xmlns:com="http://schemas.openxmlformats.org/drawingml/2006/compatibility" xmlns:p14="http://schemas.microsoft.com/office/powerpoint/2010/main" xmlns:p15="http://schemas.microsoft.com/office/powerpoint/2012/main">
+<p:sldMaster xmlns:a="http://schemas.openxmlformats.org/drawingml/2006/main" xmlns:r="http://schemas.openxmlformats.org/officeDocument/2006/relationships" xmlns:p="http://schemas.openxmlformats.org/presentationml/2006/main">
   <p:cSld name="slate">
     <p:bg>
       <p:bgPr>
         <a:solidFill>
           <a:srgbClr val="CCCCCC"/>
         </a:solidFill>
+        <a:effectLst/>
       </p:bgPr>
     </p:bg>
     <p:spTree>
       <p:nvGrpSpPr>
-        <p:cNvPr id="5" name="Shape 5"/>
+        <p:cNvPr id="1" name="Shape 5"/>
         <p:cNvGrpSpPr/>
         <p:nvPr/>
       </p:nvGrpSpPr>
@@ -6095,7 +6356,9 @@
       <p:sp>
         <p:nvSpPr>
           <p:cNvPr id="6" name="Shape 6"/>
-          <p:cNvSpPr txBox="1"/>
+          <p:cNvSpPr txBox="1">
+            <a:spLocks noGrp="1"/>
+          </p:cNvSpPr>
           <p:nvPr>
             <p:ph type="title"/>
           </p:nvPr>
@@ -6114,7 +6377,7 @@
           </a:ln>
         </p:spPr>
         <p:txBody>
-          <a:bodyPr anchorCtr="0" anchor="t" bIns="91425" lIns="91425" spcFirstLastPara="1" rIns="91425" wrap="square" tIns="91425"/>
+          <a:bodyPr spcFirstLastPara="1" wrap="square" lIns="91425" tIns="91425" rIns="91425" bIns="91425" anchor="t" anchorCtr="0"/>
           <a:lstStyle>
             <a:lvl1pPr lvl="0" rtl="0">
               <a:spcBef>
@@ -6318,15 +6581,19 @@
               </a:defRPr>
             </a:lvl9pPr>
           </a:lstStyle>
-          <a:p/>
+          <a:p>
+            <a:endParaRPr/>
+          </a:p>
         </p:txBody>
       </p:sp>
       <p:sp>
         <p:nvSpPr>
           <p:cNvPr id="7" name="Shape 7"/>
-          <p:cNvSpPr txBox="1"/>
+          <p:cNvSpPr txBox="1">
+            <a:spLocks noGrp="1"/>
+          </p:cNvSpPr>
           <p:nvPr>
-            <p:ph idx="1" type="body"/>
+            <p:ph type="body" idx="1"/>
           </p:nvPr>
         </p:nvSpPr>
         <p:spPr>
@@ -6343,9 +6610,9 @@
           </a:ln>
         </p:spPr>
         <p:txBody>
-          <a:bodyPr anchorCtr="0" anchor="t" bIns="91425" lIns="91425" spcFirstLastPara="1" rIns="91425" wrap="square" tIns="91425"/>
+          <a:bodyPr spcFirstLastPara="1" wrap="square" lIns="91425" tIns="91425" rIns="91425" bIns="91425" anchor="t" anchorCtr="0"/>
           <a:lstStyle>
-            <a:lvl1pPr indent="-342900" lvl="0" marL="457200" rtl="0">
+            <a:lvl1pPr marL="457200" lvl="0" indent="-342900" rtl="0">
               <a:lnSpc>
                 <a:spcPct val="115000"/>
               </a:lnSpc>
@@ -6371,7 +6638,7 @@
                 <a:sym typeface="Average"/>
               </a:defRPr>
             </a:lvl1pPr>
-            <a:lvl2pPr indent="-317500" lvl="1" marL="914400" rtl="0">
+            <a:lvl2pPr marL="914400" lvl="1" indent="-317500" rtl="0">
               <a:lnSpc>
                 <a:spcPct val="115000"/>
               </a:lnSpc>
@@ -6397,7 +6664,7 @@
                 <a:sym typeface="Average"/>
               </a:defRPr>
             </a:lvl2pPr>
-            <a:lvl3pPr indent="-317500" lvl="2" marL="1371600" rtl="0">
+            <a:lvl3pPr marL="1371600" lvl="2" indent="-317500" rtl="0">
               <a:lnSpc>
                 <a:spcPct val="115000"/>
               </a:lnSpc>
@@ -6423,7 +6690,7 @@
                 <a:sym typeface="Average"/>
               </a:defRPr>
             </a:lvl3pPr>
-            <a:lvl4pPr indent="-317500" lvl="3" marL="1828800" rtl="0">
+            <a:lvl4pPr marL="1828800" lvl="3" indent="-317500" rtl="0">
               <a:lnSpc>
                 <a:spcPct val="115000"/>
               </a:lnSpc>
@@ -6449,7 +6716,7 @@
                 <a:sym typeface="Average"/>
               </a:defRPr>
             </a:lvl4pPr>
-            <a:lvl5pPr indent="-317500" lvl="4" marL="2286000" rtl="0">
+            <a:lvl5pPr marL="2286000" lvl="4" indent="-317500" rtl="0">
               <a:lnSpc>
                 <a:spcPct val="115000"/>
               </a:lnSpc>
@@ -6475,7 +6742,7 @@
                 <a:sym typeface="Average"/>
               </a:defRPr>
             </a:lvl5pPr>
-            <a:lvl6pPr indent="-317500" lvl="5" marL="2743200" rtl="0">
+            <a:lvl6pPr marL="2743200" lvl="5" indent="-317500" rtl="0">
               <a:lnSpc>
                 <a:spcPct val="115000"/>
               </a:lnSpc>
@@ -6501,7 +6768,7 @@
                 <a:sym typeface="Average"/>
               </a:defRPr>
             </a:lvl6pPr>
-            <a:lvl7pPr indent="-317500" lvl="6" marL="3200400" rtl="0">
+            <a:lvl7pPr marL="3200400" lvl="6" indent="-317500" rtl="0">
               <a:lnSpc>
                 <a:spcPct val="115000"/>
               </a:lnSpc>
@@ -6527,7 +6794,7 @@
                 <a:sym typeface="Average"/>
               </a:defRPr>
             </a:lvl7pPr>
-            <a:lvl8pPr indent="-317500" lvl="7" marL="3657600" rtl="0">
+            <a:lvl8pPr marL="3657600" lvl="7" indent="-317500" rtl="0">
               <a:lnSpc>
                 <a:spcPct val="115000"/>
               </a:lnSpc>
@@ -6553,7 +6820,7 @@
                 <a:sym typeface="Average"/>
               </a:defRPr>
             </a:lvl8pPr>
-            <a:lvl9pPr indent="-317500" lvl="8" marL="4114800" rtl="0">
+            <a:lvl9pPr marL="4114800" lvl="8" indent="-317500" rtl="0">
               <a:lnSpc>
                 <a:spcPct val="115000"/>
               </a:lnSpc>
@@ -6580,15 +6847,19 @@
               </a:defRPr>
             </a:lvl9pPr>
           </a:lstStyle>
-          <a:p/>
+          <a:p>
+            <a:endParaRPr/>
+          </a:p>
         </p:txBody>
       </p:sp>
       <p:sp>
         <p:nvSpPr>
           <p:cNvPr id="8" name="Shape 8"/>
-          <p:cNvSpPr txBox="1"/>
+          <p:cNvSpPr txBox="1">
+            <a:spLocks noGrp="1"/>
+          </p:cNvSpPr>
           <p:nvPr>
-            <p:ph idx="12" type="sldNum"/>
+            <p:ph type="sldNum" idx="12"/>
           </p:nvPr>
         </p:nvSpPr>
         <p:spPr>
@@ -6605,11 +6876,11 @@
           </a:ln>
         </p:spPr>
         <p:txBody>
-          <a:bodyPr anchorCtr="0" anchor="ctr" bIns="91425" lIns="91425" spcFirstLastPara="1" rIns="91425" wrap="square" tIns="91425">
+          <a:bodyPr spcFirstLastPara="1" wrap="square" lIns="91425" tIns="91425" rIns="91425" bIns="91425" anchor="ctr" anchorCtr="0">
             <a:noAutofit/>
           </a:bodyPr>
           <a:lstStyle>
-            <a:lvl1pPr lvl="0" rtl="0" algn="r">
+            <a:lvl1pPr lvl="0" algn="r" rtl="0">
               <a:spcBef>
                 <a:spcPts val="0"/>
               </a:spcBef>
@@ -6624,7 +6895,7 @@
                 <a:sym typeface="Average"/>
               </a:defRPr>
             </a:lvl1pPr>
-            <a:lvl2pPr lvl="1" rtl="0" algn="r">
+            <a:lvl2pPr lvl="1" algn="r" rtl="0">
               <a:spcBef>
                 <a:spcPts val="0"/>
               </a:spcBef>
@@ -6639,7 +6910,7 @@
                 <a:sym typeface="Average"/>
               </a:defRPr>
             </a:lvl2pPr>
-            <a:lvl3pPr lvl="2" rtl="0" algn="r">
+            <a:lvl3pPr lvl="2" algn="r" rtl="0">
               <a:spcBef>
                 <a:spcPts val="0"/>
               </a:spcBef>
@@ -6654,7 +6925,7 @@
                 <a:sym typeface="Average"/>
               </a:defRPr>
             </a:lvl3pPr>
-            <a:lvl4pPr lvl="3" rtl="0" algn="r">
+            <a:lvl4pPr lvl="3" algn="r" rtl="0">
               <a:spcBef>
                 <a:spcPts val="0"/>
               </a:spcBef>
@@ -6669,7 +6940,7 @@
                 <a:sym typeface="Average"/>
               </a:defRPr>
             </a:lvl4pPr>
-            <a:lvl5pPr lvl="4" rtl="0" algn="r">
+            <a:lvl5pPr lvl="4" algn="r" rtl="0">
               <a:spcBef>
                 <a:spcPts val="0"/>
               </a:spcBef>
@@ -6684,7 +6955,7 @@
                 <a:sym typeface="Average"/>
               </a:defRPr>
             </a:lvl5pPr>
-            <a:lvl6pPr lvl="5" rtl="0" algn="r">
+            <a:lvl6pPr lvl="5" algn="r" rtl="0">
               <a:spcBef>
                 <a:spcPts val="0"/>
               </a:spcBef>
@@ -6699,7 +6970,7 @@
                 <a:sym typeface="Average"/>
               </a:defRPr>
             </a:lvl6pPr>
-            <a:lvl7pPr lvl="6" rtl="0" algn="r">
+            <a:lvl7pPr lvl="6" algn="r" rtl="0">
               <a:spcBef>
                 <a:spcPts val="0"/>
               </a:spcBef>
@@ -6714,7 +6985,7 @@
                 <a:sym typeface="Average"/>
               </a:defRPr>
             </a:lvl7pPr>
-            <a:lvl8pPr lvl="7" rtl="0" algn="r">
+            <a:lvl8pPr lvl="7" algn="r" rtl="0">
               <a:spcBef>
                 <a:spcPts val="0"/>
               </a:spcBef>
@@ -6729,7 +7000,7 @@
                 <a:sym typeface="Average"/>
               </a:defRPr>
             </a:lvl8pPr>
-            <a:lvl9pPr lvl="8" rtl="0" algn="r">
+            <a:lvl9pPr lvl="8" algn="r" rtl="0">
               <a:spcBef>
                 <a:spcPts val="0"/>
               </a:spcBef>
@@ -6746,7 +7017,7 @@
             </a:lvl9pPr>
           </a:lstStyle>
           <a:p>
-            <a:pPr indent="0" lvl="0" marL="0">
+            <a:pPr marL="0" lvl="0" indent="0">
               <a:spcBef>
                 <a:spcPts val="0"/>
               </a:spcBef>
@@ -6765,7 +7036,7 @@
       </p:sp>
     </p:spTree>
   </p:cSld>
-  <p:clrMap accent1="accent1" accent2="accent2" accent3="accent3" accent4="accent4" accent5="accent5" accent6="accent6" bg1="lt1" bg2="dk2" tx1="dk1" tx2="lt2" folHlink="folHlink" hlink="hlink"/>
+  <p:clrMap bg1="lt1" tx1="dk1" bg2="dk2" tx2="lt2" accent1="accent1" accent2="accent2" accent3="accent3" accent4="accent4" accent5="accent5" accent6="accent6" hlink="hlink" folHlink="folHlink"/>
   <p:sldLayoutIdLst>
     <p:sldLayoutId id="2147483648" r:id="rId1"/>
     <p:sldLayoutId id="2147483649" r:id="rId2"/>
@@ -6779,10 +7050,10 @@
     <p:sldLayoutId id="2147483657" r:id="rId10"/>
     <p:sldLayoutId id="2147483658" r:id="rId11"/>
   </p:sldLayoutIdLst>
-  <p:hf dt="0" ftr="0" hdr="0" sldNum="0"/>
+  <p:hf sldNum="0" hdr="0" ftr="0" dt="0"/>
   <p:txStyles>
     <p:titleStyle>
-      <a:defPPr lvl="0" marR="0" rtl="0" algn="l">
+      <a:defPPr marR="0" lvl="0" algn="l" rtl="0">
         <a:lnSpc>
           <a:spcPct val="100000"/>
         </a:lnSpc>
@@ -6793,7 +7064,7 @@
           <a:spcPts val="0"/>
         </a:spcAft>
       </a:defPPr>
-      <a:lvl1pPr lvl="0" marR="0" rtl="0" algn="l">
+      <a:lvl1pPr marR="0" lvl="0" algn="l" rtl="0">
         <a:lnSpc>
           <a:spcPct val="100000"/>
         </a:lnSpc>
@@ -6804,7 +7075,7 @@
           <a:spcPts val="0"/>
         </a:spcAft>
         <a:buNone/>
-        <a:defRPr b="0" i="0" sz="1400" u="none" cap="none" strike="noStrike">
+        <a:defRPr sz="1400" b="0" i="0" u="none" strike="noStrike" cap="none">
           <a:solidFill>
             <a:srgbClr val="000000"/>
           </a:solidFill>
@@ -6816,7 +7087,7 @@
       </a:lvl1pPr>
     </p:titleStyle>
     <p:bodyStyle>
-      <a:defPPr lvl="0" marR="0" rtl="0" algn="l">
+      <a:defPPr marR="0" lvl="0" algn="l" rtl="0">
         <a:lnSpc>
           <a:spcPct val="100000"/>
         </a:lnSpc>
@@ -6827,7 +7098,7 @@
           <a:spcPts val="0"/>
         </a:spcAft>
       </a:defPPr>
-      <a:lvl1pPr lvl="0" marR="0" rtl="0" algn="l">
+      <a:lvl1pPr marR="0" lvl="0" algn="l" rtl="0">
         <a:lnSpc>
           <a:spcPct val="100000"/>
         </a:lnSpc>
@@ -6838,7 +7109,7 @@
           <a:spcPts val="0"/>
         </a:spcAft>
         <a:buNone/>
-        <a:defRPr b="0" i="0" sz="1400" u="none" cap="none" strike="noStrike">
+        <a:defRPr sz="1400" b="0" i="0" u="none" strike="noStrike" cap="none">
           <a:solidFill>
             <a:srgbClr val="000000"/>
           </a:solidFill>
@@ -6848,7 +7119,7 @@
           <a:sym typeface="Arial"/>
         </a:defRPr>
       </a:lvl1pPr>
-      <a:lvl2pPr lvl="1" marR="0" rtl="0" algn="l">
+      <a:lvl2pPr marR="0" lvl="1" algn="l" rtl="0">
         <a:lnSpc>
           <a:spcPct val="100000"/>
         </a:lnSpc>
@@ -6859,7 +7130,7 @@
           <a:spcPts val="0"/>
         </a:spcAft>
         <a:buNone/>
-        <a:defRPr b="0" i="0" sz="1400" u="none" cap="none" strike="noStrike">
+        <a:defRPr sz="1400" b="0" i="0" u="none" strike="noStrike" cap="none">
           <a:solidFill>
             <a:srgbClr val="000000"/>
           </a:solidFill>
@@ -6869,7 +7140,7 @@
           <a:sym typeface="Arial"/>
         </a:defRPr>
       </a:lvl2pPr>
-      <a:lvl3pPr lvl="2" marR="0" rtl="0" algn="l">
+      <a:lvl3pPr marR="0" lvl="2" algn="l" rtl="0">
         <a:lnSpc>
           <a:spcPct val="100000"/>
         </a:lnSpc>
@@ -6880,7 +7151,7 @@
           <a:spcPts val="0"/>
         </a:spcAft>
         <a:buNone/>
-        <a:defRPr b="0" i="0" sz="1400" u="none" cap="none" strike="noStrike">
+        <a:defRPr sz="1400" b="0" i="0" u="none" strike="noStrike" cap="none">
           <a:solidFill>
             <a:srgbClr val="000000"/>
           </a:solidFill>
@@ -6890,7 +7161,7 @@
           <a:sym typeface="Arial"/>
         </a:defRPr>
       </a:lvl3pPr>
-      <a:lvl4pPr lvl="3" marR="0" rtl="0" algn="l">
+      <a:lvl4pPr marR="0" lvl="3" algn="l" rtl="0">
         <a:lnSpc>
           <a:spcPct val="100000"/>
         </a:lnSpc>
@@ -6901,7 +7172,7 @@
           <a:spcPts val="0"/>
         </a:spcAft>
         <a:buNone/>
-        <a:defRPr b="0" i="0" sz="1400" u="none" cap="none" strike="noStrike">
+        <a:defRPr sz="1400" b="0" i="0" u="none" strike="noStrike" cap="none">
           <a:solidFill>
             <a:srgbClr val="000000"/>
           </a:solidFill>
@@ -6911,7 +7182,7 @@
           <a:sym typeface="Arial"/>
         </a:defRPr>
       </a:lvl4pPr>
-      <a:lvl5pPr lvl="4" marR="0" rtl="0" algn="l">
+      <a:lvl5pPr marR="0" lvl="4" algn="l" rtl="0">
         <a:lnSpc>
           <a:spcPct val="100000"/>
         </a:lnSpc>
@@ -6922,7 +7193,7 @@
           <a:spcPts val="0"/>
         </a:spcAft>
         <a:buNone/>
-        <a:defRPr b="0" i="0" sz="1400" u="none" cap="none" strike="noStrike">
+        <a:defRPr sz="1400" b="0" i="0" u="none" strike="noStrike" cap="none">
           <a:solidFill>
             <a:srgbClr val="000000"/>
           </a:solidFill>
@@ -6932,7 +7203,7 @@
           <a:sym typeface="Arial"/>
         </a:defRPr>
       </a:lvl5pPr>
-      <a:lvl6pPr lvl="5" marR="0" rtl="0" algn="l">
+      <a:lvl6pPr marR="0" lvl="5" algn="l" rtl="0">
         <a:lnSpc>
           <a:spcPct val="100000"/>
         </a:lnSpc>
@@ -6943,7 +7214,7 @@
           <a:spcPts val="0"/>
         </a:spcAft>
         <a:buNone/>
-        <a:defRPr b="0" i="0" sz="1400" u="none" cap="none" strike="noStrike">
+        <a:defRPr sz="1400" b="0" i="0" u="none" strike="noStrike" cap="none">
           <a:solidFill>
             <a:srgbClr val="000000"/>
           </a:solidFill>
@@ -6953,7 +7224,7 @@
           <a:sym typeface="Arial"/>
         </a:defRPr>
       </a:lvl6pPr>
-      <a:lvl7pPr lvl="6" marR="0" rtl="0" algn="l">
+      <a:lvl7pPr marR="0" lvl="6" algn="l" rtl="0">
         <a:lnSpc>
           <a:spcPct val="100000"/>
         </a:lnSpc>
@@ -6964,7 +7235,7 @@
           <a:spcPts val="0"/>
         </a:spcAft>
         <a:buNone/>
-        <a:defRPr b="0" i="0" sz="1400" u="none" cap="none" strike="noStrike">
+        <a:defRPr sz="1400" b="0" i="0" u="none" strike="noStrike" cap="none">
           <a:solidFill>
             <a:srgbClr val="000000"/>
           </a:solidFill>
@@ -6974,7 +7245,7 @@
           <a:sym typeface="Arial"/>
         </a:defRPr>
       </a:lvl7pPr>
-      <a:lvl8pPr lvl="7" marR="0" rtl="0" algn="l">
+      <a:lvl8pPr marR="0" lvl="7" algn="l" rtl="0">
         <a:lnSpc>
           <a:spcPct val="100000"/>
         </a:lnSpc>
@@ -6985,7 +7256,7 @@
           <a:spcPts val="0"/>
         </a:spcAft>
         <a:buNone/>
-        <a:defRPr b="0" i="0" sz="1400" u="none" cap="none" strike="noStrike">
+        <a:defRPr sz="1400" b="0" i="0" u="none" strike="noStrike" cap="none">
           <a:solidFill>
             <a:srgbClr val="000000"/>
           </a:solidFill>
@@ -6995,7 +7266,7 @@
           <a:sym typeface="Arial"/>
         </a:defRPr>
       </a:lvl8pPr>
-      <a:lvl9pPr lvl="8" marR="0" rtl="0" algn="l">
+      <a:lvl9pPr marR="0" lvl="8" algn="l" rtl="0">
         <a:lnSpc>
           <a:spcPct val="100000"/>
         </a:lnSpc>
@@ -7006,7 +7277,7 @@
           <a:spcPts val="0"/>
         </a:spcAft>
         <a:buNone/>
-        <a:defRPr b="0" i="0" sz="1400" u="none" cap="none" strike="noStrike">
+        <a:defRPr sz="1400" b="0" i="0" u="none" strike="noStrike" cap="none">
           <a:solidFill>
             <a:srgbClr val="000000"/>
           </a:solidFill>
@@ -7018,7 +7289,7 @@
       </a:lvl9pPr>
     </p:bodyStyle>
     <p:otherStyle>
-      <a:defPPr lvl="0" marR="0" rtl="0" algn="l">
+      <a:defPPr marR="0" lvl="0" algn="l" rtl="0">
         <a:lnSpc>
           <a:spcPct val="100000"/>
         </a:lnSpc>
@@ -7029,7 +7300,7 @@
           <a:spcPts val="0"/>
         </a:spcAft>
       </a:defPPr>
-      <a:lvl1pPr lvl="0" marR="0" rtl="0" algn="l">
+      <a:lvl1pPr marR="0" lvl="0" algn="l" rtl="0">
         <a:lnSpc>
           <a:spcPct val="100000"/>
         </a:lnSpc>
@@ -7040,7 +7311,7 @@
           <a:spcPts val="0"/>
         </a:spcAft>
         <a:buNone/>
-        <a:defRPr b="0" i="0" sz="1400" u="none" cap="none" strike="noStrike">
+        <a:defRPr sz="1400" b="0" i="0" u="none" strike="noStrike" cap="none">
           <a:solidFill>
             <a:srgbClr val="000000"/>
           </a:solidFill>
@@ -7050,7 +7321,7 @@
           <a:sym typeface="Arial"/>
         </a:defRPr>
       </a:lvl1pPr>
-      <a:lvl2pPr lvl="1" marR="0" rtl="0" algn="l">
+      <a:lvl2pPr marR="0" lvl="1" algn="l" rtl="0">
         <a:lnSpc>
           <a:spcPct val="100000"/>
         </a:lnSpc>
@@ -7061,7 +7332,7 @@
           <a:spcPts val="0"/>
         </a:spcAft>
         <a:buNone/>
-        <a:defRPr b="0" i="0" sz="1400" u="none" cap="none" strike="noStrike">
+        <a:defRPr sz="1400" b="0" i="0" u="none" strike="noStrike" cap="none">
           <a:solidFill>
             <a:srgbClr val="000000"/>
           </a:solidFill>
@@ -7071,7 +7342,7 @@
           <a:sym typeface="Arial"/>
         </a:defRPr>
       </a:lvl2pPr>
-      <a:lvl3pPr lvl="2" marR="0" rtl="0" algn="l">
+      <a:lvl3pPr marR="0" lvl="2" algn="l" rtl="0">
         <a:lnSpc>
           <a:spcPct val="100000"/>
         </a:lnSpc>
@@ -7082,7 +7353,7 @@
           <a:spcPts val="0"/>
         </a:spcAft>
         <a:buNone/>
-        <a:defRPr b="0" i="0" sz="1400" u="none" cap="none" strike="noStrike">
+        <a:defRPr sz="1400" b="0" i="0" u="none" strike="noStrike" cap="none">
           <a:solidFill>
             <a:srgbClr val="000000"/>
           </a:solidFill>
@@ -7092,7 +7363,7 @@
           <a:sym typeface="Arial"/>
         </a:defRPr>
       </a:lvl3pPr>
-      <a:lvl4pPr lvl="3" marR="0" rtl="0" algn="l">
+      <a:lvl4pPr marR="0" lvl="3" algn="l" rtl="0">
         <a:lnSpc>
           <a:spcPct val="100000"/>
         </a:lnSpc>
@@ -7103,7 +7374,7 @@
           <a:spcPts val="0"/>
         </a:spcAft>
         <a:buNone/>
-        <a:defRPr b="0" i="0" sz="1400" u="none" cap="none" strike="noStrike">
+        <a:defRPr sz="1400" b="0" i="0" u="none" strike="noStrike" cap="none">
           <a:solidFill>
             <a:srgbClr val="000000"/>
           </a:solidFill>
@@ -7113,7 +7384,7 @@
           <a:sym typeface="Arial"/>
         </a:defRPr>
       </a:lvl4pPr>
-      <a:lvl5pPr lvl="4" marR="0" rtl="0" algn="l">
+      <a:lvl5pPr marR="0" lvl="4" algn="l" rtl="0">
         <a:lnSpc>
           <a:spcPct val="100000"/>
         </a:lnSpc>
@@ -7124,7 +7395,7 @@
           <a:spcPts val="0"/>
         </a:spcAft>
         <a:buNone/>
-        <a:defRPr b="0" i="0" sz="1400" u="none" cap="none" strike="noStrike">
+        <a:defRPr sz="1400" b="0" i="0" u="none" strike="noStrike" cap="none">
           <a:solidFill>
             <a:srgbClr val="000000"/>
           </a:solidFill>
@@ -7134,7 +7405,7 @@
           <a:sym typeface="Arial"/>
         </a:defRPr>
       </a:lvl5pPr>
-      <a:lvl6pPr lvl="5" marR="0" rtl="0" algn="l">
+      <a:lvl6pPr marR="0" lvl="5" algn="l" rtl="0">
         <a:lnSpc>
           <a:spcPct val="100000"/>
         </a:lnSpc>
@@ -7145,7 +7416,7 @@
           <a:spcPts val="0"/>
         </a:spcAft>
         <a:buNone/>
-        <a:defRPr b="0" i="0" sz="1400" u="none" cap="none" strike="noStrike">
+        <a:defRPr sz="1400" b="0" i="0" u="none" strike="noStrike" cap="none">
           <a:solidFill>
             <a:srgbClr val="000000"/>
           </a:solidFill>
@@ -7155,7 +7426,7 @@
           <a:sym typeface="Arial"/>
         </a:defRPr>
       </a:lvl6pPr>
-      <a:lvl7pPr lvl="6" marR="0" rtl="0" algn="l">
+      <a:lvl7pPr marR="0" lvl="6" algn="l" rtl="0">
         <a:lnSpc>
           <a:spcPct val="100000"/>
         </a:lnSpc>
@@ -7166,7 +7437,7 @@
           <a:spcPts val="0"/>
         </a:spcAft>
         <a:buNone/>
-        <a:defRPr b="0" i="0" sz="1400" u="none" cap="none" strike="noStrike">
+        <a:defRPr sz="1400" b="0" i="0" u="none" strike="noStrike" cap="none">
           <a:solidFill>
             <a:srgbClr val="000000"/>
           </a:solidFill>
@@ -7176,7 +7447,7 @@
           <a:sym typeface="Arial"/>
         </a:defRPr>
       </a:lvl7pPr>
-      <a:lvl8pPr lvl="7" marR="0" rtl="0" algn="l">
+      <a:lvl8pPr marR="0" lvl="7" algn="l" rtl="0">
         <a:lnSpc>
           <a:spcPct val="100000"/>
         </a:lnSpc>
@@ -7187,7 +7458,7 @@
           <a:spcPts val="0"/>
         </a:spcAft>
         <a:buNone/>
-        <a:defRPr b="0" i="0" sz="1400" u="none" cap="none" strike="noStrike">
+        <a:defRPr sz="1400" b="0" i="0" u="none" strike="noStrike" cap="none">
           <a:solidFill>
             <a:srgbClr val="000000"/>
           </a:solidFill>
@@ -7197,7 +7468,7 @@
           <a:sym typeface="Arial"/>
         </a:defRPr>
       </a:lvl8pPr>
-      <a:lvl9pPr lvl="8" marR="0" rtl="0" algn="l">
+      <a:lvl9pPr marR="0" lvl="8" algn="l" rtl="0">
         <a:lnSpc>
           <a:spcPct val="100000"/>
         </a:lnSpc>
@@ -7208,7 +7479,7 @@
           <a:spcPts val="0"/>
         </a:spcAft>
         <a:buNone/>
-        <a:defRPr b="0" i="0" sz="1400" u="none" cap="none" strike="noStrike">
+        <a:defRPr sz="1400" b="0" i="0" u="none" strike="noStrike" cap="none">
           <a:solidFill>
             <a:srgbClr val="000000"/>
           </a:solidFill>
@@ -7224,11 +7495,11 @@
 </file>
 
 <file path=ppt/slides/slide1.xml><?xml version="1.0" encoding="utf-8"?>
-<p:sld xmlns:a="http://schemas.openxmlformats.org/drawingml/2006/main" xmlns:r="http://schemas.openxmlformats.org/officeDocument/2006/relationships" xmlns:mc="http://schemas.openxmlformats.org/markup-compatibility/2006" xmlns:mv="urn:schemas-microsoft-com:mac:vml" xmlns:p="http://schemas.openxmlformats.org/presentationml/2006/main" xmlns:c="http://schemas.openxmlformats.org/drawingml/2006/chart" xmlns:dgm="http://schemas.openxmlformats.org/drawingml/2006/diagram" xmlns:o="urn:schemas-microsoft-com:office:office" xmlns:v="urn:schemas-microsoft-com:vml" xmlns:pvml="urn:schemas-microsoft-com:office:powerpoint" xmlns:com="http://schemas.openxmlformats.org/drawingml/2006/compatibility" xmlns:p14="http://schemas.microsoft.com/office/powerpoint/2010/main" xmlns:p15="http://schemas.microsoft.com/office/powerpoint/2012/main">
+<p:sld xmlns:a="http://schemas.openxmlformats.org/drawingml/2006/main" xmlns:r="http://schemas.openxmlformats.org/officeDocument/2006/relationships" xmlns:p="http://schemas.openxmlformats.org/presentationml/2006/main">
   <p:cSld>
     <p:spTree>
       <p:nvGrpSpPr>
-        <p:cNvPr id="58" name="Shape 58"/>
+        <p:cNvPr id="1" name="Shape 58"/>
         <p:cNvGrpSpPr/>
         <p:nvPr/>
       </p:nvGrpSpPr>
@@ -7243,7 +7514,9 @@
       <p:sp>
         <p:nvSpPr>
           <p:cNvPr id="59" name="Shape 59"/>
-          <p:cNvSpPr txBox="1"/>
+          <p:cNvSpPr txBox="1">
+            <a:spLocks noGrp="1"/>
+          </p:cNvSpPr>
           <p:nvPr>
             <p:ph type="ctrTitle"/>
           </p:nvPr>
@@ -7258,12 +7531,12 @@
           </a:prstGeom>
         </p:spPr>
         <p:txBody>
-          <a:bodyPr anchorCtr="0" anchor="b" bIns="91425" lIns="91425" spcFirstLastPara="1" rIns="91425" wrap="square" tIns="91425">
+          <a:bodyPr spcFirstLastPara="1" wrap="square" lIns="91425" tIns="91425" rIns="91425" bIns="91425" anchor="b" anchorCtr="0">
             <a:noAutofit/>
           </a:bodyPr>
           <a:lstStyle/>
           <a:p>
-            <a:pPr indent="0" lvl="0" marL="0">
+            <a:pPr marL="0" lvl="0" indent="0">
               <a:spcBef>
                 <a:spcPts val="0"/>
               </a:spcBef>
@@ -7299,9 +7572,11 @@
       <p:sp>
         <p:nvSpPr>
           <p:cNvPr id="60" name="Shape 60"/>
-          <p:cNvSpPr txBox="1"/>
+          <p:cNvSpPr txBox="1">
+            <a:spLocks noGrp="1"/>
+          </p:cNvSpPr>
           <p:nvPr>
-            <p:ph idx="1" type="subTitle"/>
+            <p:ph type="subTitle" idx="1"/>
           </p:nvPr>
         </p:nvSpPr>
         <p:spPr>
@@ -7314,12 +7589,12 @@
           </a:prstGeom>
         </p:spPr>
         <p:txBody>
-          <a:bodyPr anchorCtr="0" anchor="t" bIns="91425" lIns="91425" spcFirstLastPara="1" rIns="91425" wrap="square" tIns="91425">
+          <a:bodyPr spcFirstLastPara="1" wrap="square" lIns="91425" tIns="91425" rIns="91425" bIns="91425" anchor="t" anchorCtr="0">
             <a:noAutofit/>
           </a:bodyPr>
           <a:lstStyle/>
           <a:p>
-            <a:pPr indent="0" lvl="0" marL="0">
+            <a:pPr marL="0" lvl="0" indent="0">
               <a:spcBef>
                 <a:spcPts val="0"/>
               </a:spcBef>
@@ -7346,7 +7621,7 @@
       </p:sp>
       <p:pic>
         <p:nvPicPr>
-          <p:cNvPr descr="Image result for silvercar" id="61" name="Shape 61"/>
+          <p:cNvPr id="61" name="Shape 61" descr="Image result for silvercar"/>
           <p:cNvPicPr preferRelativeResize="0"/>
           <p:nvPr/>
         </p:nvPicPr>
@@ -7381,11 +7656,11 @@
 </file>
 
 <file path=ppt/slides/slide10.xml><?xml version="1.0" encoding="utf-8"?>
-<p:sld xmlns:a="http://schemas.openxmlformats.org/drawingml/2006/main" xmlns:r="http://schemas.openxmlformats.org/officeDocument/2006/relationships" xmlns:mc="http://schemas.openxmlformats.org/markup-compatibility/2006" xmlns:mv="urn:schemas-microsoft-com:mac:vml" xmlns:p="http://schemas.openxmlformats.org/presentationml/2006/main" xmlns:c="http://schemas.openxmlformats.org/drawingml/2006/chart" xmlns:dgm="http://schemas.openxmlformats.org/drawingml/2006/diagram" xmlns:o="urn:schemas-microsoft-com:office:office" xmlns:v="urn:schemas-microsoft-com:vml" xmlns:pvml="urn:schemas-microsoft-com:office:powerpoint" xmlns:com="http://schemas.openxmlformats.org/drawingml/2006/compatibility" xmlns:p14="http://schemas.microsoft.com/office/powerpoint/2010/main" xmlns:p15="http://schemas.microsoft.com/office/powerpoint/2012/main">
+<p:sld xmlns:a="http://schemas.openxmlformats.org/drawingml/2006/main" xmlns:r="http://schemas.openxmlformats.org/officeDocument/2006/relationships" xmlns:p="http://schemas.openxmlformats.org/presentationml/2006/main">
   <p:cSld>
     <p:spTree>
       <p:nvGrpSpPr>
-        <p:cNvPr id="133" name="Shape 133"/>
+        <p:cNvPr id="1" name="Shape 133"/>
         <p:cNvGrpSpPr/>
         <p:nvPr/>
       </p:nvGrpSpPr>
@@ -7400,7 +7675,9 @@
       <p:sp>
         <p:nvSpPr>
           <p:cNvPr id="134" name="Shape 134"/>
-          <p:cNvSpPr txBox="1"/>
+          <p:cNvSpPr txBox="1">
+            <a:spLocks noGrp="1"/>
+          </p:cNvSpPr>
           <p:nvPr>
             <p:ph type="title"/>
           </p:nvPr>
@@ -7415,12 +7692,12 @@
           </a:prstGeom>
         </p:spPr>
         <p:txBody>
-          <a:bodyPr anchorCtr="0" anchor="t" bIns="91425" lIns="91425" spcFirstLastPara="1" rIns="91425" wrap="square" tIns="91425">
+          <a:bodyPr spcFirstLastPara="1" wrap="square" lIns="91425" tIns="91425" rIns="91425" bIns="91425" anchor="t" anchorCtr="0">
             <a:noAutofit/>
           </a:bodyPr>
           <a:lstStyle/>
           <a:p>
-            <a:pPr indent="0" lvl="0" marL="0">
+            <a:pPr marL="0" lvl="0" indent="0">
               <a:spcBef>
                 <a:spcPts val="0"/>
               </a:spcBef>
@@ -7440,9 +7717,11 @@
       <p:sp>
         <p:nvSpPr>
           <p:cNvPr id="135" name="Shape 135"/>
-          <p:cNvSpPr txBox="1"/>
+          <p:cNvSpPr txBox="1">
+            <a:spLocks noGrp="1"/>
+          </p:cNvSpPr>
           <p:nvPr>
-            <p:ph idx="1" type="body"/>
+            <p:ph type="body" idx="1"/>
           </p:nvPr>
         </p:nvSpPr>
         <p:spPr>
@@ -7455,12 +7734,12 @@
           </a:prstGeom>
         </p:spPr>
         <p:txBody>
-          <a:bodyPr anchorCtr="0" anchor="t" bIns="91425" lIns="91425" spcFirstLastPara="1" rIns="91425" wrap="square" tIns="91425">
+          <a:bodyPr spcFirstLastPara="1" wrap="square" lIns="91425" tIns="91425" rIns="91425" bIns="91425" anchor="t" anchorCtr="0">
             <a:noAutofit/>
           </a:bodyPr>
           <a:lstStyle/>
           <a:p>
-            <a:pPr indent="457200" lvl="0" marL="914400" rtl="0">
+            <a:pPr marL="914400" lvl="0" indent="457200" rtl="0">
               <a:lnSpc>
                 <a:spcPct val="200000"/>
               </a:lnSpc>
@@ -7488,7 +7767,7 @@
             </a:endParaRPr>
           </a:p>
           <a:p>
-            <a:pPr indent="457200" lvl="0" marL="914400" rtl="0">
+            <a:pPr marL="914400" lvl="0" indent="457200" rtl="0">
               <a:lnSpc>
                 <a:spcPct val="200000"/>
               </a:lnSpc>
@@ -7500,9 +7779,6 @@
               </a:spcAft>
               <a:buNone/>
             </a:pPr>
-            <a:r>
-              <a:t/>
-            </a:r>
             <a:endParaRPr sz="800">
               <a:solidFill>
                 <a:srgbClr val="000000"/>
@@ -7510,7 +7786,7 @@
             </a:endParaRPr>
           </a:p>
           <a:p>
-            <a:pPr indent="0" lvl="0" marL="1371600" rtl="0">
+            <a:pPr marL="1371600" lvl="0" indent="0" rtl="0">
               <a:lnSpc>
                 <a:spcPct val="200000"/>
               </a:lnSpc>
@@ -7538,7 +7814,7 @@
             </a:endParaRPr>
           </a:p>
           <a:p>
-            <a:pPr indent="0" lvl="0" marL="1371600" rtl="0">
+            <a:pPr marL="1371600" lvl="0" indent="0" rtl="0">
               <a:lnSpc>
                 <a:spcPct val="200000"/>
               </a:lnSpc>
@@ -7550,9 +7826,6 @@
               </a:spcAft>
               <a:buNone/>
             </a:pPr>
-            <a:r>
-              <a:t/>
-            </a:r>
             <a:endParaRPr sz="600">
               <a:solidFill>
                 <a:srgbClr val="000000"/>
@@ -7560,7 +7833,7 @@
             </a:endParaRPr>
           </a:p>
           <a:p>
-            <a:pPr indent="457200" lvl="0" marL="914400" rtl="0">
+            <a:pPr marL="914400" lvl="0" indent="457200" rtl="0">
               <a:lnSpc>
                 <a:spcPct val="200000"/>
               </a:lnSpc>
@@ -7588,7 +7861,7 @@
             </a:endParaRPr>
           </a:p>
           <a:p>
-            <a:pPr indent="0" lvl="0" marL="0" rtl="0">
+            <a:pPr marL="0" lvl="0" indent="0" rtl="0">
               <a:lnSpc>
                 <a:spcPct val="200000"/>
               </a:lnSpc>
@@ -7600,9 +7873,6 @@
               </a:spcAft>
               <a:buNone/>
             </a:pPr>
-            <a:r>
-              <a:t/>
-            </a:r>
             <a:endParaRPr sz="2200">
               <a:solidFill>
                 <a:srgbClr val="000000"/>
@@ -7610,7 +7880,7 @@
             </a:endParaRPr>
           </a:p>
           <a:p>
-            <a:pPr indent="0" lvl="0" marL="0" rtl="0">
+            <a:pPr marL="0" lvl="0" indent="0" rtl="0">
               <a:lnSpc>
                 <a:spcPct val="150000"/>
               </a:lnSpc>
@@ -7622,9 +7892,6 @@
               </a:spcAft>
               <a:buNone/>
             </a:pPr>
-            <a:r>
-              <a:t/>
-            </a:r>
             <a:endParaRPr sz="2200">
               <a:solidFill>
                 <a:srgbClr val="000000"/>
@@ -7635,7 +7902,7 @@
       </p:sp>
       <p:pic>
         <p:nvPicPr>
-          <p:cNvPr descr="Image result for linkedin logo" id="136" name="Shape 136"/>
+          <p:cNvPr id="136" name="Shape 136" descr="Image result for linkedin logo"/>
           <p:cNvPicPr preferRelativeResize="0"/>
           <p:nvPr/>
         </p:nvPicPr>
@@ -7663,7 +7930,7 @@
       </p:pic>
       <p:pic>
         <p:nvPicPr>
-          <p:cNvPr descr="Image result for github logo" id="137" name="Shape 137"/>
+          <p:cNvPr id="137" name="Shape 137" descr="Image result for github logo"/>
           <p:cNvPicPr preferRelativeResize="0"/>
           <p:nvPr/>
         </p:nvPicPr>
@@ -7691,7 +7958,7 @@
       </p:pic>
       <p:pic>
         <p:nvPicPr>
-          <p:cNvPr descr="Image result for gmail logo" id="138" name="Shape 138"/>
+          <p:cNvPr id="138" name="Shape 138" descr="Image result for gmail logo"/>
           <p:cNvPicPr preferRelativeResize="0"/>
           <p:nvPr/>
         </p:nvPicPr>
@@ -7726,11 +7993,11 @@
 </file>
 
 <file path=ppt/slides/slide2.xml><?xml version="1.0" encoding="utf-8"?>
-<p:sld xmlns:a="http://schemas.openxmlformats.org/drawingml/2006/main" xmlns:r="http://schemas.openxmlformats.org/officeDocument/2006/relationships" xmlns:mc="http://schemas.openxmlformats.org/markup-compatibility/2006" xmlns:mv="urn:schemas-microsoft-com:mac:vml" xmlns:p="http://schemas.openxmlformats.org/presentationml/2006/main" xmlns:c="http://schemas.openxmlformats.org/drawingml/2006/chart" xmlns:dgm="http://schemas.openxmlformats.org/drawingml/2006/diagram" xmlns:o="urn:schemas-microsoft-com:office:office" xmlns:v="urn:schemas-microsoft-com:vml" xmlns:pvml="urn:schemas-microsoft-com:office:powerpoint" xmlns:com="http://schemas.openxmlformats.org/drawingml/2006/compatibility" xmlns:p14="http://schemas.microsoft.com/office/powerpoint/2010/main" xmlns:p15="http://schemas.microsoft.com/office/powerpoint/2012/main">
+<p:sld xmlns:a="http://schemas.openxmlformats.org/drawingml/2006/main" xmlns:r="http://schemas.openxmlformats.org/officeDocument/2006/relationships" xmlns:p="http://schemas.openxmlformats.org/presentationml/2006/main">
   <p:cSld>
     <p:spTree>
       <p:nvGrpSpPr>
-        <p:cNvPr id="65" name="Shape 65"/>
+        <p:cNvPr id="1" name="Shape 65"/>
         <p:cNvGrpSpPr/>
         <p:nvPr/>
       </p:nvGrpSpPr>
@@ -7745,7 +8012,9 @@
       <p:sp>
         <p:nvSpPr>
           <p:cNvPr id="66" name="Shape 66"/>
-          <p:cNvSpPr txBox="1"/>
+          <p:cNvSpPr txBox="1">
+            <a:spLocks noGrp="1"/>
+          </p:cNvSpPr>
           <p:nvPr>
             <p:ph type="title"/>
           </p:nvPr>
@@ -7760,12 +8029,12 @@
           </a:prstGeom>
         </p:spPr>
         <p:txBody>
-          <a:bodyPr anchorCtr="0" anchor="t" bIns="91425" lIns="91425" spcFirstLastPara="1" rIns="91425" wrap="square" tIns="91425">
+          <a:bodyPr spcFirstLastPara="1" wrap="square" lIns="91425" tIns="91425" rIns="91425" bIns="91425" anchor="t" anchorCtr="0">
             <a:noAutofit/>
           </a:bodyPr>
           <a:lstStyle/>
           <a:p>
-            <a:pPr indent="0" lvl="0" marL="0">
+            <a:pPr marL="0" lvl="0" indent="0">
               <a:spcBef>
                 <a:spcPts val="0"/>
               </a:spcBef>
@@ -7789,9 +8058,11 @@
       <p:sp>
         <p:nvSpPr>
           <p:cNvPr id="67" name="Shape 67"/>
-          <p:cNvSpPr txBox="1"/>
+          <p:cNvSpPr txBox="1">
+            <a:spLocks noGrp="1"/>
+          </p:cNvSpPr>
           <p:nvPr>
-            <p:ph idx="1" type="body"/>
+            <p:ph type="body" idx="1"/>
           </p:nvPr>
         </p:nvSpPr>
         <p:spPr>
@@ -7804,12 +8075,12 @@
           </a:prstGeom>
         </p:spPr>
         <p:txBody>
-          <a:bodyPr anchorCtr="0" anchor="t" bIns="91425" lIns="91425" spcFirstLastPara="1" rIns="91425" wrap="square" tIns="91425">
+          <a:bodyPr spcFirstLastPara="1" wrap="square" lIns="91425" tIns="91425" rIns="91425" bIns="91425" anchor="t" anchorCtr="0">
             <a:noAutofit/>
           </a:bodyPr>
           <a:lstStyle/>
           <a:p>
-            <a:pPr indent="-355600" lvl="0" marL="457200" rtl="0">
+            <a:pPr marL="457200" lvl="0" indent="-355600" rtl="0">
               <a:lnSpc>
                 <a:spcPct val="100000"/>
               </a:lnSpc>
@@ -7840,7 +8111,7 @@
             </a:endParaRPr>
           </a:p>
           <a:p>
-            <a:pPr indent="0" lvl="0" marL="0" rtl="0">
+            <a:pPr marL="0" lvl="0" indent="0" rtl="0">
               <a:lnSpc>
                 <a:spcPct val="100000"/>
               </a:lnSpc>
@@ -7852,9 +8123,6 @@
               </a:spcAft>
               <a:buNone/>
             </a:pPr>
-            <a:r>
-              <a:t/>
-            </a:r>
             <a:endParaRPr sz="800">
               <a:solidFill>
                 <a:srgbClr val="000000"/>
@@ -7862,7 +8130,7 @@
             </a:endParaRPr>
           </a:p>
           <a:p>
-            <a:pPr indent="-355600" lvl="0" marL="457200" rtl="0">
+            <a:pPr marL="457200" lvl="0" indent="-355600" rtl="0">
               <a:lnSpc>
                 <a:spcPct val="100000"/>
               </a:lnSpc>
@@ -7893,7 +8161,7 @@
             </a:endParaRPr>
           </a:p>
           <a:p>
-            <a:pPr indent="0" lvl="0" marL="0" rtl="0">
+            <a:pPr marL="0" lvl="0" indent="0" rtl="0">
               <a:lnSpc>
                 <a:spcPct val="100000"/>
               </a:lnSpc>
@@ -7905,9 +8173,6 @@
               </a:spcAft>
               <a:buNone/>
             </a:pPr>
-            <a:r>
-              <a:t/>
-            </a:r>
             <a:endParaRPr sz="800">
               <a:solidFill>
                 <a:srgbClr val="000000"/>
@@ -7915,7 +8180,7 @@
             </a:endParaRPr>
           </a:p>
           <a:p>
-            <a:pPr indent="-355600" lvl="0" marL="457200" rtl="0">
+            <a:pPr marL="457200" lvl="0" indent="-355600" rtl="0">
               <a:lnSpc>
                 <a:spcPct val="100000"/>
               </a:lnSpc>
@@ -7946,7 +8211,7 @@
             </a:endParaRPr>
           </a:p>
           <a:p>
-            <a:pPr indent="0" lvl="0" marL="0">
+            <a:pPr marL="0" lvl="0" indent="0">
               <a:spcBef>
                 <a:spcPts val="1600"/>
               </a:spcBef>
@@ -7955,16 +8220,13 @@
               </a:spcAft>
               <a:buNone/>
             </a:pPr>
-            <a:r>
-              <a:t/>
-            </a:r>
             <a:endParaRPr/>
           </a:p>
         </p:txBody>
       </p:sp>
       <p:pic>
         <p:nvPicPr>
-          <p:cNvPr descr="Image result for silvercar" id="68" name="Shape 68"/>
+          <p:cNvPr id="68" name="Shape 68" descr="Image result for silvercar"/>
           <p:cNvPicPr preferRelativeResize="0"/>
           <p:nvPr/>
         </p:nvPicPr>
@@ -7999,11 +8261,11 @@
 </file>
 
 <file path=ppt/slides/slide3.xml><?xml version="1.0" encoding="utf-8"?>
-<p:sld xmlns:a="http://schemas.openxmlformats.org/drawingml/2006/main" xmlns:r="http://schemas.openxmlformats.org/officeDocument/2006/relationships" xmlns:mc="http://schemas.openxmlformats.org/markup-compatibility/2006" xmlns:mv="urn:schemas-microsoft-com:mac:vml" xmlns:p="http://schemas.openxmlformats.org/presentationml/2006/main" xmlns:c="http://schemas.openxmlformats.org/drawingml/2006/chart" xmlns:dgm="http://schemas.openxmlformats.org/drawingml/2006/diagram" xmlns:o="urn:schemas-microsoft-com:office:office" xmlns:v="urn:schemas-microsoft-com:vml" xmlns:pvml="urn:schemas-microsoft-com:office:powerpoint" xmlns:com="http://schemas.openxmlformats.org/drawingml/2006/compatibility" xmlns:p14="http://schemas.microsoft.com/office/powerpoint/2010/main" xmlns:p15="http://schemas.microsoft.com/office/powerpoint/2012/main">
+<p:sld xmlns:a="http://schemas.openxmlformats.org/drawingml/2006/main" xmlns:r="http://schemas.openxmlformats.org/officeDocument/2006/relationships" xmlns:p="http://schemas.openxmlformats.org/presentationml/2006/main">
   <p:cSld>
     <p:spTree>
       <p:nvGrpSpPr>
-        <p:cNvPr id="72" name="Shape 72"/>
+        <p:cNvPr id="1" name="Shape 72"/>
         <p:cNvGrpSpPr/>
         <p:nvPr/>
       </p:nvGrpSpPr>
@@ -8018,7 +8280,9 @@
       <p:sp>
         <p:nvSpPr>
           <p:cNvPr id="73" name="Shape 73"/>
-          <p:cNvSpPr txBox="1"/>
+          <p:cNvSpPr txBox="1">
+            <a:spLocks noGrp="1"/>
+          </p:cNvSpPr>
           <p:nvPr>
             <p:ph type="title"/>
           </p:nvPr>
@@ -8033,12 +8297,12 @@
           </a:prstGeom>
         </p:spPr>
         <p:txBody>
-          <a:bodyPr anchorCtr="0" anchor="t" bIns="91425" lIns="91425" spcFirstLastPara="1" rIns="91425" wrap="square" tIns="91425">
+          <a:bodyPr spcFirstLastPara="1" wrap="square" lIns="91425" tIns="91425" rIns="91425" bIns="91425" anchor="t" anchorCtr="0">
             <a:noAutofit/>
           </a:bodyPr>
           <a:lstStyle/>
           <a:p>
-            <a:pPr indent="0" lvl="0" marL="0">
+            <a:pPr marL="0" lvl="0" indent="0">
               <a:spcBef>
                 <a:spcPts val="0"/>
               </a:spcBef>
@@ -8058,9 +8322,11 @@
       <p:sp>
         <p:nvSpPr>
           <p:cNvPr id="74" name="Shape 74"/>
-          <p:cNvSpPr txBox="1"/>
+          <p:cNvSpPr txBox="1">
+            <a:spLocks noGrp="1"/>
+          </p:cNvSpPr>
           <p:nvPr>
-            <p:ph idx="1" type="body"/>
+            <p:ph type="body" idx="1"/>
           </p:nvPr>
         </p:nvSpPr>
         <p:spPr>
@@ -8073,12 +8339,12 @@
           </a:prstGeom>
         </p:spPr>
         <p:txBody>
-          <a:bodyPr anchorCtr="0" anchor="t" bIns="91425" lIns="91425" spcFirstLastPara="1" rIns="91425" wrap="square" tIns="91425">
+          <a:bodyPr spcFirstLastPara="1" wrap="square" lIns="91425" tIns="91425" rIns="91425" bIns="91425" anchor="t" anchorCtr="0">
             <a:noAutofit/>
           </a:bodyPr>
           <a:lstStyle/>
           <a:p>
-            <a:pPr indent="-368300" lvl="0" marL="457200" rtl="0">
+            <a:pPr marL="457200" lvl="0" indent="-368300" rtl="0">
               <a:lnSpc>
                 <a:spcPct val="150000"/>
               </a:lnSpc>
@@ -8109,7 +8375,7 @@
             </a:endParaRPr>
           </a:p>
           <a:p>
-            <a:pPr indent="-368300" lvl="1" marL="914400" rtl="0">
+            <a:pPr marL="914400" lvl="1" indent="-368300" rtl="0">
               <a:lnSpc>
                 <a:spcPct val="150000"/>
               </a:lnSpc>
@@ -8140,7 +8406,7 @@
             </a:endParaRPr>
           </a:p>
           <a:p>
-            <a:pPr indent="-368300" lvl="1" marL="914400" rtl="0">
+            <a:pPr marL="914400" lvl="1" indent="-368300" rtl="0">
               <a:lnSpc>
                 <a:spcPct val="150000"/>
               </a:lnSpc>
@@ -8171,7 +8437,7 @@
             </a:endParaRPr>
           </a:p>
           <a:p>
-            <a:pPr indent="-368300" lvl="1" marL="914400" rtl="0">
+            <a:pPr marL="914400" lvl="1" indent="-368300" rtl="0">
               <a:lnSpc>
                 <a:spcPct val="200000"/>
               </a:lnSpc>
@@ -8202,7 +8468,7 @@
             </a:endParaRPr>
           </a:p>
           <a:p>
-            <a:pPr indent="-368300" lvl="0" marL="457200" rtl="0">
+            <a:pPr marL="457200" lvl="0" indent="-368300" rtl="0">
               <a:lnSpc>
                 <a:spcPct val="150000"/>
               </a:lnSpc>
@@ -8233,7 +8499,7 @@
             </a:endParaRPr>
           </a:p>
           <a:p>
-            <a:pPr indent="-368300" lvl="1" marL="914400" rtl="0">
+            <a:pPr marL="914400" lvl="1" indent="-368300" rtl="0">
               <a:lnSpc>
                 <a:spcPct val="150000"/>
               </a:lnSpc>
@@ -8274,11 +8540,11 @@
 </file>
 
 <file path=ppt/slides/slide4.xml><?xml version="1.0" encoding="utf-8"?>
-<p:sld xmlns:a="http://schemas.openxmlformats.org/drawingml/2006/main" xmlns:r="http://schemas.openxmlformats.org/officeDocument/2006/relationships" xmlns:mc="http://schemas.openxmlformats.org/markup-compatibility/2006" xmlns:mv="urn:schemas-microsoft-com:mac:vml" xmlns:p="http://schemas.openxmlformats.org/presentationml/2006/main" xmlns:c="http://schemas.openxmlformats.org/drawingml/2006/chart" xmlns:dgm="http://schemas.openxmlformats.org/drawingml/2006/diagram" xmlns:o="urn:schemas-microsoft-com:office:office" xmlns:v="urn:schemas-microsoft-com:vml" xmlns:pvml="urn:schemas-microsoft-com:office:powerpoint" xmlns:com="http://schemas.openxmlformats.org/drawingml/2006/compatibility" xmlns:p14="http://schemas.microsoft.com/office/powerpoint/2010/main" xmlns:p15="http://schemas.microsoft.com/office/powerpoint/2012/main">
+<p:sld xmlns:a="http://schemas.openxmlformats.org/drawingml/2006/main" xmlns:r="http://schemas.openxmlformats.org/officeDocument/2006/relationships" xmlns:p="http://schemas.openxmlformats.org/presentationml/2006/main">
   <p:cSld>
     <p:spTree>
       <p:nvGrpSpPr>
-        <p:cNvPr id="78" name="Shape 78"/>
+        <p:cNvPr id="1" name="Shape 78"/>
         <p:cNvGrpSpPr/>
         <p:nvPr/>
       </p:nvGrpSpPr>
@@ -8293,7 +8559,9 @@
       <p:sp>
         <p:nvSpPr>
           <p:cNvPr id="79" name="Shape 79"/>
-          <p:cNvSpPr txBox="1"/>
+          <p:cNvSpPr txBox="1">
+            <a:spLocks noGrp="1"/>
+          </p:cNvSpPr>
           <p:nvPr>
             <p:ph type="title"/>
           </p:nvPr>
@@ -8308,12 +8576,12 @@
           </a:prstGeom>
         </p:spPr>
         <p:txBody>
-          <a:bodyPr anchorCtr="0" anchor="t" bIns="91425" lIns="91425" spcFirstLastPara="1" rIns="91425" wrap="square" tIns="91425">
+          <a:bodyPr spcFirstLastPara="1" wrap="square" lIns="91425" tIns="91425" rIns="91425" bIns="91425" anchor="t" anchorCtr="0">
             <a:noAutofit/>
           </a:bodyPr>
           <a:lstStyle/>
           <a:p>
-            <a:pPr indent="0" lvl="0" marL="0">
+            <a:pPr marL="0" lvl="0" indent="0">
               <a:spcBef>
                 <a:spcPts val="0"/>
               </a:spcBef>
@@ -8340,7 +8608,7 @@
       </p:sp>
       <p:pic>
         <p:nvPicPr>
-          <p:cNvPr descr="Image result for apache http server" id="80" name="Shape 80"/>
+          <p:cNvPr id="80" name="Shape 80" descr="Image result for apache http server"/>
           <p:cNvPicPr preferRelativeResize="0"/>
           <p:nvPr/>
         </p:nvPicPr>
@@ -8396,7 +8664,7 @@
       </p:pic>
       <p:pic>
         <p:nvPicPr>
-          <p:cNvPr descr="Image result for amazon ec2" id="82" name="Shape 82"/>
+          <p:cNvPr id="82" name="Shape 82" descr="Image result for amazon ec2"/>
           <p:cNvPicPr preferRelativeResize="0"/>
           <p:nvPr/>
         </p:nvPicPr>
@@ -8424,7 +8692,7 @@
       </p:pic>
       <p:pic>
         <p:nvPicPr>
-          <p:cNvPr descr="Image result for jquery" id="83" name="Shape 83"/>
+          <p:cNvPr id="83" name="Shape 83" descr="Image result for jquery"/>
           <p:cNvPicPr preferRelativeResize="0"/>
           <p:nvPr/>
         </p:nvPicPr>
@@ -8452,7 +8720,7 @@
       </p:pic>
       <p:pic>
         <p:nvPicPr>
-          <p:cNvPr descr="Image result for postgres" id="84" name="Shape 84"/>
+          <p:cNvPr id="84" name="Shape 84" descr="Image result for postgres"/>
           <p:cNvPicPr preferRelativeResize="0"/>
           <p:nvPr/>
         </p:nvPicPr>
@@ -8480,7 +8748,7 @@
       </p:pic>
       <p:pic>
         <p:nvPicPr>
-          <p:cNvPr descr="Image result for pandas python logo" id="85" name="Shape 85"/>
+          <p:cNvPr id="85" name="Shape 85" descr="Image result for pandas python logo"/>
           <p:cNvPicPr preferRelativeResize="0"/>
           <p:nvPr/>
         </p:nvPicPr>
@@ -8508,7 +8776,7 @@
       </p:pic>
       <p:pic>
         <p:nvPicPr>
-          <p:cNvPr descr="Image result for xgboost logo" id="86" name="Shape 86"/>
+          <p:cNvPr id="86" name="Shape 86" descr="Image result for xgboost logo"/>
           <p:cNvPicPr preferRelativeResize="0"/>
           <p:nvPr/>
         </p:nvPicPr>
@@ -8536,7 +8804,7 @@
       </p:pic>
       <p:pic>
         <p:nvPicPr>
-          <p:cNvPr descr="Image result for scikit learn logo" id="87" name="Shape 87"/>
+          <p:cNvPr id="87" name="Shape 87" descr="Image result for scikit learn logo"/>
           <p:cNvPicPr preferRelativeResize="0"/>
           <p:nvPr/>
         </p:nvPicPr>
@@ -8564,7 +8832,7 @@
       </p:pic>
       <p:pic>
         <p:nvPicPr>
-          <p:cNvPr descr="Image result for sqlalchemy logo" id="88" name="Shape 88"/>
+          <p:cNvPr id="88" name="Shape 88" descr="Image result for sqlalchemy logo"/>
           <p:cNvPicPr preferRelativeResize="0"/>
           <p:nvPr/>
         </p:nvPicPr>
@@ -8592,7 +8860,7 @@
       </p:pic>
       <p:pic>
         <p:nvPicPr>
-          <p:cNvPr descr="Image result for numpy logo" id="89" name="Shape 89"/>
+          <p:cNvPr id="89" name="Shape 89" descr="Image result for numpy logo"/>
           <p:cNvPicPr preferRelativeResize="0"/>
           <p:nvPr/>
         </p:nvPicPr>
@@ -8655,11 +8923,11 @@
 </file>
 
 <file path=ppt/slides/slide5.xml><?xml version="1.0" encoding="utf-8"?>
-<p:sld xmlns:a="http://schemas.openxmlformats.org/drawingml/2006/main" xmlns:r="http://schemas.openxmlformats.org/officeDocument/2006/relationships" xmlns:mc="http://schemas.openxmlformats.org/markup-compatibility/2006" xmlns:mv="urn:schemas-microsoft-com:mac:vml" xmlns:p="http://schemas.openxmlformats.org/presentationml/2006/main" xmlns:c="http://schemas.openxmlformats.org/drawingml/2006/chart" xmlns:dgm="http://schemas.openxmlformats.org/drawingml/2006/diagram" xmlns:o="urn:schemas-microsoft-com:office:office" xmlns:v="urn:schemas-microsoft-com:vml" xmlns:pvml="urn:schemas-microsoft-com:office:powerpoint" xmlns:com="http://schemas.openxmlformats.org/drawingml/2006/compatibility" xmlns:p14="http://schemas.microsoft.com/office/powerpoint/2010/main" xmlns:p15="http://schemas.microsoft.com/office/powerpoint/2012/main">
+<p:sld xmlns:a="http://schemas.openxmlformats.org/drawingml/2006/main" xmlns:r="http://schemas.openxmlformats.org/officeDocument/2006/relationships" xmlns:p="http://schemas.openxmlformats.org/presentationml/2006/main">
   <p:cSld>
     <p:spTree>
       <p:nvGrpSpPr>
-        <p:cNvPr id="94" name="Shape 94"/>
+        <p:cNvPr id="1" name="Shape 94"/>
         <p:cNvGrpSpPr/>
         <p:nvPr/>
       </p:nvGrpSpPr>
@@ -8674,9 +8942,11 @@
       <p:sp>
         <p:nvSpPr>
           <p:cNvPr id="95" name="Shape 95"/>
-          <p:cNvSpPr txBox="1"/>
+          <p:cNvSpPr txBox="1">
+            <a:spLocks noGrp="1"/>
+          </p:cNvSpPr>
           <p:nvPr>
-            <p:ph idx="1" type="body"/>
+            <p:ph type="body" idx="1"/>
           </p:nvPr>
         </p:nvSpPr>
         <p:spPr>
@@ -8689,12 +8959,12 @@
           </a:prstGeom>
         </p:spPr>
         <p:txBody>
-          <a:bodyPr anchorCtr="0" anchor="t" bIns="91425" lIns="91425" spcFirstLastPara="1" rIns="91425" wrap="square" tIns="91425">
+          <a:bodyPr spcFirstLastPara="1" wrap="square" lIns="91425" tIns="91425" rIns="91425" bIns="91425" anchor="t" anchorCtr="0">
             <a:noAutofit/>
           </a:bodyPr>
           <a:lstStyle/>
           <a:p>
-            <a:pPr indent="0" lvl="0" marL="0">
+            <a:pPr marL="0" lvl="0" indent="0">
               <a:spcBef>
                 <a:spcPts val="0"/>
               </a:spcBef>
@@ -8703,9 +8973,6 @@
               </a:spcAft>
               <a:buNone/>
             </a:pPr>
-            <a:r>
-              <a:t/>
-            </a:r>
             <a:endParaRPr/>
           </a:p>
         </p:txBody>
@@ -8753,34 +9020,31 @@
             <a:avLst/>
           </a:prstGeom>
           <a:noFill/>
-          <a:ln cap="flat" cmpd="sng" w="28575">
+          <a:ln w="28575" cap="flat" cmpd="sng">
             <a:solidFill>
               <a:srgbClr val="FF0000"/>
             </a:solidFill>
             <a:prstDash val="solid"/>
             <a:round/>
-            <a:headEnd len="med" w="med" type="none"/>
-            <a:tailEnd len="med" w="med" type="none"/>
+            <a:headEnd type="none" w="med" len="med"/>
+            <a:tailEnd type="none" w="med" len="med"/>
           </a:ln>
         </p:spPr>
         <p:txBody>
-          <a:bodyPr anchorCtr="0" anchor="ctr" bIns="91425" lIns="91425" spcFirstLastPara="1" rIns="91425" wrap="square" tIns="91425">
+          <a:bodyPr spcFirstLastPara="1" wrap="square" lIns="91425" tIns="91425" rIns="91425" bIns="91425" anchor="ctr" anchorCtr="0">
             <a:noAutofit/>
           </a:bodyPr>
           <a:lstStyle/>
           <a:p>
-            <a:pPr indent="0" lvl="0" marL="0">
-              <a:spcBef>
-                <a:spcPts val="0"/>
-              </a:spcBef>
-              <a:spcAft>
-                <a:spcPts val="0"/>
-              </a:spcAft>
-              <a:buNone/>
-            </a:pPr>
-            <a:r>
-              <a:t/>
-            </a:r>
+            <a:pPr marL="0" lvl="0" indent="0">
+              <a:spcBef>
+                <a:spcPts val="0"/>
+              </a:spcBef>
+              <a:spcAft>
+                <a:spcPts val="0"/>
+              </a:spcAft>
+              <a:buNone/>
+            </a:pPr>
             <a:endParaRPr/>
           </a:p>
         </p:txBody>
@@ -8800,34 +9064,31 @@
             <a:avLst/>
           </a:prstGeom>
           <a:noFill/>
-          <a:ln cap="flat" cmpd="sng" w="28575">
+          <a:ln w="28575" cap="flat" cmpd="sng">
             <a:solidFill>
               <a:srgbClr val="FF0000"/>
             </a:solidFill>
             <a:prstDash val="solid"/>
             <a:round/>
-            <a:headEnd len="med" w="med" type="none"/>
-            <a:tailEnd len="med" w="med" type="none"/>
+            <a:headEnd type="none" w="med" len="med"/>
+            <a:tailEnd type="none" w="med" len="med"/>
           </a:ln>
         </p:spPr>
         <p:txBody>
-          <a:bodyPr anchorCtr="0" anchor="ctr" bIns="91425" lIns="91425" spcFirstLastPara="1" rIns="91425" wrap="square" tIns="91425">
+          <a:bodyPr spcFirstLastPara="1" wrap="square" lIns="91425" tIns="91425" rIns="91425" bIns="91425" anchor="ctr" anchorCtr="0">
             <a:noAutofit/>
           </a:bodyPr>
           <a:lstStyle/>
           <a:p>
-            <a:pPr indent="0" lvl="0" marL="0" rtl="0">
-              <a:spcBef>
-                <a:spcPts val="0"/>
-              </a:spcBef>
-              <a:spcAft>
-                <a:spcPts val="0"/>
-              </a:spcAft>
-              <a:buNone/>
-            </a:pPr>
-            <a:r>
-              <a:t/>
-            </a:r>
+            <a:pPr marL="0" lvl="0" indent="0" rtl="0">
+              <a:spcBef>
+                <a:spcPts val="0"/>
+              </a:spcBef>
+              <a:spcAft>
+                <a:spcPts val="0"/>
+              </a:spcAft>
+              <a:buNone/>
+            </a:pPr>
             <a:endParaRPr/>
           </a:p>
         </p:txBody>
@@ -8847,34 +9108,31 @@
             <a:avLst/>
           </a:prstGeom>
           <a:noFill/>
-          <a:ln cap="flat" cmpd="sng" w="28575">
+          <a:ln w="28575" cap="flat" cmpd="sng">
             <a:solidFill>
               <a:srgbClr val="FF0000"/>
             </a:solidFill>
             <a:prstDash val="solid"/>
             <a:round/>
-            <a:headEnd len="med" w="med" type="none"/>
-            <a:tailEnd len="med" w="med" type="none"/>
+            <a:headEnd type="none" w="med" len="med"/>
+            <a:tailEnd type="none" w="med" len="med"/>
           </a:ln>
         </p:spPr>
         <p:txBody>
-          <a:bodyPr anchorCtr="0" anchor="ctr" bIns="91425" lIns="91425" spcFirstLastPara="1" rIns="91425" wrap="square" tIns="91425">
+          <a:bodyPr spcFirstLastPara="1" wrap="square" lIns="91425" tIns="91425" rIns="91425" bIns="91425" anchor="ctr" anchorCtr="0">
             <a:noAutofit/>
           </a:bodyPr>
           <a:lstStyle/>
           <a:p>
-            <a:pPr indent="0" lvl="0" marL="0" rtl="0">
-              <a:spcBef>
-                <a:spcPts val="0"/>
-              </a:spcBef>
-              <a:spcAft>
-                <a:spcPts val="0"/>
-              </a:spcAft>
-              <a:buNone/>
-            </a:pPr>
-            <a:r>
-              <a:t/>
-            </a:r>
+            <a:pPr marL="0" lvl="0" indent="0" rtl="0">
+              <a:spcBef>
+                <a:spcPts val="0"/>
+              </a:spcBef>
+              <a:spcAft>
+                <a:spcPts val="0"/>
+              </a:spcAft>
+              <a:buNone/>
+            </a:pPr>
             <a:endParaRPr/>
           </a:p>
         </p:txBody>
@@ -8894,34 +9152,31 @@
             <a:avLst/>
           </a:prstGeom>
           <a:noFill/>
-          <a:ln cap="flat" cmpd="sng" w="28575">
+          <a:ln w="28575" cap="flat" cmpd="sng">
             <a:solidFill>
               <a:srgbClr val="FF0000"/>
             </a:solidFill>
             <a:prstDash val="solid"/>
             <a:round/>
-            <a:headEnd len="med" w="med" type="none"/>
-            <a:tailEnd len="med" w="med" type="none"/>
+            <a:headEnd type="none" w="med" len="med"/>
+            <a:tailEnd type="none" w="med" len="med"/>
           </a:ln>
         </p:spPr>
         <p:txBody>
-          <a:bodyPr anchorCtr="0" anchor="ctr" bIns="91425" lIns="91425" spcFirstLastPara="1" rIns="91425" wrap="square" tIns="91425">
+          <a:bodyPr spcFirstLastPara="1" wrap="square" lIns="91425" tIns="91425" rIns="91425" bIns="91425" anchor="ctr" anchorCtr="0">
             <a:noAutofit/>
           </a:bodyPr>
           <a:lstStyle/>
           <a:p>
-            <a:pPr indent="0" lvl="0" marL="0" rtl="0">
-              <a:spcBef>
-                <a:spcPts val="0"/>
-              </a:spcBef>
-              <a:spcAft>
-                <a:spcPts val="0"/>
-              </a:spcAft>
-              <a:buNone/>
-            </a:pPr>
-            <a:r>
-              <a:t/>
-            </a:r>
+            <a:pPr marL="0" lvl="0" indent="0" rtl="0">
+              <a:spcBef>
+                <a:spcPts val="0"/>
+              </a:spcBef>
+              <a:spcAft>
+                <a:spcPts val="0"/>
+              </a:spcAft>
+              <a:buNone/>
+            </a:pPr>
             <a:endParaRPr/>
           </a:p>
         </p:txBody>
@@ -8941,34 +9196,31 @@
             <a:avLst/>
           </a:prstGeom>
           <a:noFill/>
-          <a:ln cap="flat" cmpd="sng" w="28575">
+          <a:ln w="28575" cap="flat" cmpd="sng">
             <a:solidFill>
               <a:srgbClr val="FF0000"/>
             </a:solidFill>
             <a:prstDash val="solid"/>
             <a:round/>
-            <a:headEnd len="med" w="med" type="none"/>
-            <a:tailEnd len="med" w="med" type="none"/>
+            <a:headEnd type="none" w="med" len="med"/>
+            <a:tailEnd type="none" w="med" len="med"/>
           </a:ln>
         </p:spPr>
         <p:txBody>
-          <a:bodyPr anchorCtr="0" anchor="ctr" bIns="91425" lIns="91425" spcFirstLastPara="1" rIns="91425" wrap="square" tIns="91425">
+          <a:bodyPr spcFirstLastPara="1" wrap="square" lIns="91425" tIns="91425" rIns="91425" bIns="91425" anchor="ctr" anchorCtr="0">
             <a:noAutofit/>
           </a:bodyPr>
           <a:lstStyle/>
           <a:p>
-            <a:pPr indent="0" lvl="0" marL="0" rtl="0">
-              <a:spcBef>
-                <a:spcPts val="0"/>
-              </a:spcBef>
-              <a:spcAft>
-                <a:spcPts val="0"/>
-              </a:spcAft>
-              <a:buNone/>
-            </a:pPr>
-            <a:r>
-              <a:t/>
-            </a:r>
+            <a:pPr marL="0" lvl="0" indent="0" rtl="0">
+              <a:spcBef>
+                <a:spcPts val="0"/>
+              </a:spcBef>
+              <a:spcAft>
+                <a:spcPts val="0"/>
+              </a:spcAft>
+              <a:buNone/>
+            </a:pPr>
             <a:endParaRPr/>
           </a:p>
         </p:txBody>
@@ -8988,34 +9240,31 @@
             <a:avLst/>
           </a:prstGeom>
           <a:noFill/>
-          <a:ln cap="flat" cmpd="sng" w="28575">
+          <a:ln w="28575" cap="flat" cmpd="sng">
             <a:solidFill>
               <a:srgbClr val="FF0000"/>
             </a:solidFill>
             <a:prstDash val="solid"/>
             <a:round/>
-            <a:headEnd len="med" w="med" type="none"/>
-            <a:tailEnd len="med" w="med" type="none"/>
+            <a:headEnd type="none" w="med" len="med"/>
+            <a:tailEnd type="none" w="med" len="med"/>
           </a:ln>
         </p:spPr>
         <p:txBody>
-          <a:bodyPr anchorCtr="0" anchor="ctr" bIns="91425" lIns="91425" spcFirstLastPara="1" rIns="91425" wrap="square" tIns="91425">
+          <a:bodyPr spcFirstLastPara="1" wrap="square" lIns="91425" tIns="91425" rIns="91425" bIns="91425" anchor="ctr" anchorCtr="0">
             <a:noAutofit/>
           </a:bodyPr>
           <a:lstStyle/>
           <a:p>
-            <a:pPr indent="0" lvl="0" marL="0" rtl="0">
-              <a:spcBef>
-                <a:spcPts val="0"/>
-              </a:spcBef>
-              <a:spcAft>
-                <a:spcPts val="0"/>
-              </a:spcAft>
-              <a:buNone/>
-            </a:pPr>
-            <a:r>
-              <a:t/>
-            </a:r>
+            <a:pPr marL="0" lvl="0" indent="0" rtl="0">
+              <a:spcBef>
+                <a:spcPts val="0"/>
+              </a:spcBef>
+              <a:spcAft>
+                <a:spcPts val="0"/>
+              </a:spcAft>
+              <a:buNone/>
+            </a:pPr>
             <a:endParaRPr/>
           </a:p>
         </p:txBody>
@@ -9040,12 +9289,12 @@
           </a:ln>
         </p:spPr>
         <p:txBody>
-          <a:bodyPr anchorCtr="0" anchor="t" bIns="91425" lIns="91425" spcFirstLastPara="1" rIns="91425" wrap="square" tIns="91425">
+          <a:bodyPr spcFirstLastPara="1" wrap="square" lIns="91425" tIns="91425" rIns="91425" bIns="91425" anchor="t" anchorCtr="0">
             <a:noAutofit/>
           </a:bodyPr>
           <a:lstStyle/>
           <a:p>
-            <a:pPr indent="0" lvl="0" marL="0" rtl="0" algn="ctr">
+            <a:pPr marL="0" lvl="0" indent="0" algn="ctr" rtl="0">
               <a:lnSpc>
                 <a:spcPct val="150000"/>
               </a:lnSpc>
@@ -9058,21 +9307,21 @@
               <a:buNone/>
             </a:pPr>
             <a:r>
-              <a:rPr b="1" lang="en" sz="2200">
+              <a:rPr lang="en" sz="2200" b="1">
                 <a:solidFill>
                   <a:srgbClr val="CC0000"/>
                 </a:solidFill>
               </a:rPr>
               <a:t>Data:</a:t>
             </a:r>
-            <a:endParaRPr b="1" sz="2200">
+            <a:endParaRPr sz="2200" b="1">
               <a:solidFill>
                 <a:srgbClr val="CC0000"/>
               </a:solidFill>
             </a:endParaRPr>
           </a:p>
           <a:p>
-            <a:pPr indent="-342900" lvl="0" marL="457200" rtl="0">
+            <a:pPr marL="457200" lvl="0" indent="-342900" rtl="0">
               <a:lnSpc>
                 <a:spcPct val="150000"/>
               </a:lnSpc>
@@ -9103,7 +9352,7 @@
             </a:endParaRPr>
           </a:p>
           <a:p>
-            <a:pPr indent="-342900" lvl="0" marL="457200" rtl="0">
+            <a:pPr marL="457200" lvl="0" indent="-342900" rtl="0">
               <a:lnSpc>
                 <a:spcPct val="150000"/>
               </a:lnSpc>
@@ -9134,7 +9383,7 @@
             </a:endParaRPr>
           </a:p>
           <a:p>
-            <a:pPr indent="-342900" lvl="0" marL="457200" rtl="0">
+            <a:pPr marL="457200" lvl="0" indent="-342900" rtl="0">
               <a:lnSpc>
                 <a:spcPct val="150000"/>
               </a:lnSpc>
@@ -9165,7 +9414,7 @@
             </a:endParaRPr>
           </a:p>
           <a:p>
-            <a:pPr indent="-342900" lvl="0" marL="457200" rtl="0">
+            <a:pPr marL="457200" lvl="0" indent="-342900" rtl="0">
               <a:lnSpc>
                 <a:spcPct val="150000"/>
               </a:lnSpc>
@@ -9206,11 +9455,11 @@
 </file>
 
 <file path=ppt/slides/slide6.xml><?xml version="1.0" encoding="utf-8"?>
-<p:sld xmlns:a="http://schemas.openxmlformats.org/drawingml/2006/main" xmlns:r="http://schemas.openxmlformats.org/officeDocument/2006/relationships" xmlns:mc="http://schemas.openxmlformats.org/markup-compatibility/2006" xmlns:mv="urn:schemas-microsoft-com:mac:vml" xmlns:p="http://schemas.openxmlformats.org/presentationml/2006/main" xmlns:c="http://schemas.openxmlformats.org/drawingml/2006/chart" xmlns:dgm="http://schemas.openxmlformats.org/drawingml/2006/diagram" xmlns:o="urn:schemas-microsoft-com:office:office" xmlns:v="urn:schemas-microsoft-com:vml" xmlns:pvml="urn:schemas-microsoft-com:office:powerpoint" xmlns:com="http://schemas.openxmlformats.org/drawingml/2006/compatibility" xmlns:p14="http://schemas.microsoft.com/office/powerpoint/2010/main" xmlns:p15="http://schemas.microsoft.com/office/powerpoint/2012/main">
+<p:sld xmlns:a="http://schemas.openxmlformats.org/drawingml/2006/main" xmlns:r="http://schemas.openxmlformats.org/officeDocument/2006/relationships" xmlns:p="http://schemas.openxmlformats.org/presentationml/2006/main">
   <p:cSld>
     <p:spTree>
       <p:nvGrpSpPr>
-        <p:cNvPr id="107" name="Shape 107"/>
+        <p:cNvPr id="1" name="Shape 107"/>
         <p:cNvGrpSpPr/>
         <p:nvPr/>
       </p:nvGrpSpPr>
@@ -9225,7 +9474,9 @@
       <p:sp>
         <p:nvSpPr>
           <p:cNvPr id="108" name="Shape 108"/>
-          <p:cNvSpPr txBox="1"/>
+          <p:cNvSpPr txBox="1">
+            <a:spLocks noGrp="1"/>
+          </p:cNvSpPr>
           <p:nvPr>
             <p:ph type="title"/>
           </p:nvPr>
@@ -9240,12 +9491,12 @@
           </a:prstGeom>
         </p:spPr>
         <p:txBody>
-          <a:bodyPr anchorCtr="0" anchor="t" bIns="91425" lIns="91425" spcFirstLastPara="1" rIns="91425" wrap="square" tIns="91425">
+          <a:bodyPr spcFirstLastPara="1" wrap="square" lIns="91425" tIns="91425" rIns="91425" bIns="91425" anchor="t" anchorCtr="0">
             <a:noAutofit/>
           </a:bodyPr>
           <a:lstStyle/>
           <a:p>
-            <a:pPr indent="0" lvl="0" marL="0">
+            <a:pPr marL="0" lvl="0" indent="0">
               <a:spcBef>
                 <a:spcPts val="0"/>
               </a:spcBef>
@@ -9310,12 +9561,12 @@
           </a:ln>
         </p:spPr>
         <p:txBody>
-          <a:bodyPr anchorCtr="0" anchor="t" bIns="91425" lIns="91425" spcFirstLastPara="1" rIns="91425" wrap="square" tIns="91425">
+          <a:bodyPr spcFirstLastPara="1" wrap="square" lIns="91425" tIns="91425" rIns="91425" bIns="91425" anchor="t" anchorCtr="0">
             <a:noAutofit/>
           </a:bodyPr>
           <a:lstStyle/>
           <a:p>
-            <a:pPr indent="-368300" lvl="0" marL="457200" rtl="0">
+            <a:pPr marL="457200" lvl="0" indent="-368300" rtl="0">
               <a:lnSpc>
                 <a:spcPct val="150000"/>
               </a:lnSpc>
@@ -9335,7 +9586,7 @@
             <a:endParaRPr sz="2200"/>
           </a:p>
           <a:p>
-            <a:pPr indent="0" lvl="0" marL="0" rtl="0">
+            <a:pPr marL="0" lvl="0" indent="0" rtl="0">
               <a:lnSpc>
                 <a:spcPct val="150000"/>
               </a:lnSpc>
@@ -9347,13 +9598,10 @@
               </a:spcAft>
               <a:buNone/>
             </a:pPr>
-            <a:r>
-              <a:t/>
-            </a:r>
             <a:endParaRPr sz="2200"/>
           </a:p>
           <a:p>
-            <a:pPr indent="-368300" lvl="0" marL="457200" rtl="0">
+            <a:pPr marL="457200" lvl="0" indent="-368300" rtl="0">
               <a:lnSpc>
                 <a:spcPct val="150000"/>
               </a:lnSpc>
@@ -9373,7 +9621,7 @@
             <a:endParaRPr sz="2200"/>
           </a:p>
           <a:p>
-            <a:pPr indent="0" lvl="0" marL="0" rtl="0">
+            <a:pPr marL="0" lvl="0" indent="0" rtl="0">
               <a:lnSpc>
                 <a:spcPct val="150000"/>
               </a:lnSpc>
@@ -9385,13 +9633,10 @@
               </a:spcAft>
               <a:buNone/>
             </a:pPr>
-            <a:r>
-              <a:t/>
-            </a:r>
             <a:endParaRPr sz="2200"/>
           </a:p>
           <a:p>
-            <a:pPr indent="-368300" lvl="0" marL="457200" rtl="0">
+            <a:pPr marL="457200" lvl="0" indent="-368300" rtl="0">
               <a:lnSpc>
                 <a:spcPct val="150000"/>
               </a:lnSpc>
@@ -9421,11 +9666,11 @@
 </file>
 
 <file path=ppt/slides/slide7.xml><?xml version="1.0" encoding="utf-8"?>
-<p:sld xmlns:a="http://schemas.openxmlformats.org/drawingml/2006/main" xmlns:r="http://schemas.openxmlformats.org/officeDocument/2006/relationships" xmlns:mc="http://schemas.openxmlformats.org/markup-compatibility/2006" xmlns:mv="urn:schemas-microsoft-com:mac:vml" xmlns:p="http://schemas.openxmlformats.org/presentationml/2006/main" xmlns:c="http://schemas.openxmlformats.org/drawingml/2006/chart" xmlns:dgm="http://schemas.openxmlformats.org/drawingml/2006/diagram" xmlns:o="urn:schemas-microsoft-com:office:office" xmlns:v="urn:schemas-microsoft-com:vml" xmlns:pvml="urn:schemas-microsoft-com:office:powerpoint" xmlns:com="http://schemas.openxmlformats.org/drawingml/2006/compatibility" xmlns:p14="http://schemas.microsoft.com/office/powerpoint/2010/main" xmlns:p15="http://schemas.microsoft.com/office/powerpoint/2012/main">
+<p:sld xmlns:a="http://schemas.openxmlformats.org/drawingml/2006/main" xmlns:r="http://schemas.openxmlformats.org/officeDocument/2006/relationships" xmlns:p="http://schemas.openxmlformats.org/presentationml/2006/main">
   <p:cSld>
     <p:spTree>
       <p:nvGrpSpPr>
-        <p:cNvPr id="114" name="Shape 114"/>
+        <p:cNvPr id="1" name="Shape 114"/>
         <p:cNvGrpSpPr/>
         <p:nvPr/>
       </p:nvGrpSpPr>
@@ -9440,7 +9685,9 @@
       <p:sp>
         <p:nvSpPr>
           <p:cNvPr id="115" name="Shape 115"/>
-          <p:cNvSpPr txBox="1"/>
+          <p:cNvSpPr txBox="1">
+            <a:spLocks noGrp="1"/>
+          </p:cNvSpPr>
           <p:nvPr>
             <p:ph type="title"/>
           </p:nvPr>
@@ -9455,12 +9702,12 @@
           </a:prstGeom>
         </p:spPr>
         <p:txBody>
-          <a:bodyPr anchorCtr="0" anchor="t" bIns="91425" lIns="91425" spcFirstLastPara="1" rIns="91425" wrap="square" tIns="91425">
+          <a:bodyPr spcFirstLastPara="1" wrap="square" lIns="91425" tIns="91425" rIns="91425" bIns="91425" anchor="t" anchorCtr="0">
             <a:noAutofit/>
           </a:bodyPr>
           <a:lstStyle/>
           <a:p>
-            <a:pPr indent="0" lvl="0" marL="0">
+            <a:pPr marL="0" lvl="0" indent="0">
               <a:spcBef>
                 <a:spcPts val="0"/>
               </a:spcBef>
@@ -9480,9 +9727,11 @@
       <p:sp>
         <p:nvSpPr>
           <p:cNvPr id="116" name="Shape 116"/>
-          <p:cNvSpPr txBox="1"/>
+          <p:cNvSpPr txBox="1">
+            <a:spLocks noGrp="1"/>
+          </p:cNvSpPr>
           <p:nvPr>
-            <p:ph idx="1" type="body"/>
+            <p:ph type="body" idx="1"/>
           </p:nvPr>
         </p:nvSpPr>
         <p:spPr>
@@ -9495,12 +9744,12 @@
           </a:prstGeom>
         </p:spPr>
         <p:txBody>
-          <a:bodyPr anchorCtr="0" anchor="t" bIns="91425" lIns="91425" spcFirstLastPara="1" rIns="91425" wrap="square" tIns="91425">
+          <a:bodyPr spcFirstLastPara="1" wrap="square" lIns="91425" tIns="91425" rIns="91425" bIns="91425" anchor="t" anchorCtr="0">
             <a:noAutofit/>
           </a:bodyPr>
           <a:lstStyle/>
           <a:p>
-            <a:pPr indent="-368300" lvl="0" marL="457200" rtl="0">
+            <a:pPr marL="457200" lvl="0" indent="-368300" rtl="0">
               <a:spcBef>
                 <a:spcPts val="0"/>
               </a:spcBef>
@@ -9528,7 +9777,7 @@
             </a:endParaRPr>
           </a:p>
           <a:p>
-            <a:pPr indent="-342900" lvl="1" marL="914400" rtl="0">
+            <a:pPr marL="914400" lvl="1" indent="-342900" rtl="0">
               <a:spcBef>
                 <a:spcPts val="0"/>
               </a:spcBef>
@@ -9556,7 +9805,7 @@
             </a:endParaRPr>
           </a:p>
           <a:p>
-            <a:pPr indent="-342900" lvl="1" marL="914400" rtl="0">
+            <a:pPr marL="914400" lvl="1" indent="-342900" rtl="0">
               <a:spcBef>
                 <a:spcPts val="0"/>
               </a:spcBef>
@@ -9584,7 +9833,7 @@
             </a:endParaRPr>
           </a:p>
           <a:p>
-            <a:pPr indent="-342900" lvl="1" marL="914400" rtl="0">
+            <a:pPr marL="914400" lvl="1" indent="-342900" rtl="0">
               <a:spcBef>
                 <a:spcPts val="0"/>
               </a:spcBef>
@@ -9612,7 +9861,7 @@
             </a:endParaRPr>
           </a:p>
           <a:p>
-            <a:pPr indent="-342900" lvl="1" marL="914400" rtl="0">
+            <a:pPr marL="914400" lvl="1" indent="-342900" rtl="0">
               <a:spcBef>
                 <a:spcPts val="0"/>
               </a:spcBef>
@@ -9640,7 +9889,7 @@
             </a:endParaRPr>
           </a:p>
           <a:p>
-            <a:pPr indent="-292100" lvl="0" marL="457200" rtl="0">
+            <a:pPr marL="457200" lvl="0" indent="-292100" rtl="0">
               <a:spcBef>
                 <a:spcPts val="0"/>
               </a:spcBef>
@@ -9653,9 +9902,6 @@
               <a:buSzPts val="1000"/>
               <a:buChar char="●"/>
             </a:pPr>
-            <a:r>
-              <a:t/>
-            </a:r>
             <a:endParaRPr sz="1000">
               <a:solidFill>
                 <a:srgbClr val="CCCCCC"/>
@@ -9663,7 +9909,7 @@
             </a:endParaRPr>
           </a:p>
           <a:p>
-            <a:pPr indent="-368300" lvl="0" marL="457200" rtl="0">
+            <a:pPr marL="457200" lvl="0" indent="-368300" rtl="0">
               <a:spcBef>
                 <a:spcPts val="0"/>
               </a:spcBef>
@@ -9691,7 +9937,7 @@
             </a:endParaRPr>
           </a:p>
           <a:p>
-            <a:pPr indent="-342900" lvl="1" marL="914400" rtl="0">
+            <a:pPr marL="914400" lvl="1" indent="-342900" rtl="0">
               <a:spcBef>
                 <a:spcPts val="0"/>
               </a:spcBef>
@@ -9719,7 +9965,7 @@
             </a:endParaRPr>
           </a:p>
           <a:p>
-            <a:pPr indent="-342900" lvl="1" marL="914400" rtl="0">
+            <a:pPr marL="914400" lvl="1" indent="-342900" rtl="0">
               <a:spcBef>
                 <a:spcPts val="0"/>
               </a:spcBef>
@@ -9747,7 +9993,7 @@
             </a:endParaRPr>
           </a:p>
           <a:p>
-            <a:pPr indent="-342900" lvl="1" marL="914400" rtl="0">
+            <a:pPr marL="914400" lvl="1" indent="-342900" rtl="0">
               <a:spcBef>
                 <a:spcPts val="0"/>
               </a:spcBef>
@@ -9775,7 +10021,7 @@
             </a:endParaRPr>
           </a:p>
           <a:p>
-            <a:pPr indent="-342900" lvl="1" marL="914400" rtl="0">
+            <a:pPr marL="914400" lvl="1" indent="-342900" rtl="0">
               <a:spcBef>
                 <a:spcPts val="0"/>
               </a:spcBef>
@@ -9803,7 +10049,7 @@
             </a:endParaRPr>
           </a:p>
           <a:p>
-            <a:pPr indent="-342900" lvl="1" marL="914400" rtl="0">
+            <a:pPr marL="914400" lvl="1" indent="-342900" rtl="0">
               <a:spcBef>
                 <a:spcPts val="0"/>
               </a:spcBef>
@@ -9869,11 +10115,11 @@
 </file>
 
 <file path=ppt/slides/slide8.xml><?xml version="1.0" encoding="utf-8"?>
-<p:sld xmlns:a="http://schemas.openxmlformats.org/drawingml/2006/main" xmlns:r="http://schemas.openxmlformats.org/officeDocument/2006/relationships" xmlns:mc="http://schemas.openxmlformats.org/markup-compatibility/2006" xmlns:mv="urn:schemas-microsoft-com:mac:vml" xmlns:p="http://schemas.openxmlformats.org/presentationml/2006/main" xmlns:c="http://schemas.openxmlformats.org/drawingml/2006/chart" xmlns:dgm="http://schemas.openxmlformats.org/drawingml/2006/diagram" xmlns:o="urn:schemas-microsoft-com:office:office" xmlns:v="urn:schemas-microsoft-com:vml" xmlns:pvml="urn:schemas-microsoft-com:office:powerpoint" xmlns:com="http://schemas.openxmlformats.org/drawingml/2006/compatibility" xmlns:p14="http://schemas.microsoft.com/office/powerpoint/2010/main" xmlns:p15="http://schemas.microsoft.com/office/powerpoint/2012/main">
+<p:sld xmlns:a="http://schemas.openxmlformats.org/drawingml/2006/main" xmlns:r="http://schemas.openxmlformats.org/officeDocument/2006/relationships" xmlns:p="http://schemas.openxmlformats.org/presentationml/2006/main">
   <p:cSld>
     <p:spTree>
       <p:nvGrpSpPr>
-        <p:cNvPr id="121" name="Shape 121"/>
+        <p:cNvPr id="1" name="Shape 121"/>
         <p:cNvGrpSpPr/>
         <p:nvPr/>
       </p:nvGrpSpPr>
@@ -9888,7 +10134,9 @@
       <p:sp>
         <p:nvSpPr>
           <p:cNvPr id="122" name="Shape 122"/>
-          <p:cNvSpPr txBox="1"/>
+          <p:cNvSpPr txBox="1">
+            <a:spLocks noGrp="1"/>
+          </p:cNvSpPr>
           <p:nvPr>
             <p:ph type="title"/>
           </p:nvPr>
@@ -9903,12 +10151,12 @@
           </a:prstGeom>
         </p:spPr>
         <p:txBody>
-          <a:bodyPr anchorCtr="0" anchor="t" bIns="91425" lIns="91425" spcFirstLastPara="1" rIns="91425" wrap="square" tIns="91425">
+          <a:bodyPr spcFirstLastPara="1" wrap="square" lIns="91425" tIns="91425" rIns="91425" bIns="91425" anchor="t" anchorCtr="0">
             <a:noAutofit/>
           </a:bodyPr>
           <a:lstStyle/>
           <a:p>
-            <a:pPr indent="0" lvl="0" marL="0">
+            <a:pPr marL="0" lvl="0" indent="0">
               <a:spcBef>
                 <a:spcPts val="0"/>
               </a:spcBef>
@@ -9928,9 +10176,11 @@
       <p:sp>
         <p:nvSpPr>
           <p:cNvPr id="123" name="Shape 123"/>
-          <p:cNvSpPr txBox="1"/>
+          <p:cNvSpPr txBox="1">
+            <a:spLocks noGrp="1"/>
+          </p:cNvSpPr>
           <p:nvPr>
-            <p:ph idx="1" type="body"/>
+            <p:ph type="body" idx="1"/>
           </p:nvPr>
         </p:nvSpPr>
         <p:spPr>
@@ -9943,12 +10193,12 @@
           </a:prstGeom>
         </p:spPr>
         <p:txBody>
-          <a:bodyPr anchorCtr="0" anchor="t" bIns="91425" lIns="91425" spcFirstLastPara="1" rIns="91425" wrap="square" tIns="91425">
+          <a:bodyPr spcFirstLastPara="1" wrap="square" lIns="91425" tIns="91425" rIns="91425" bIns="91425" anchor="t" anchorCtr="0">
             <a:noAutofit/>
           </a:bodyPr>
           <a:lstStyle/>
           <a:p>
-            <a:pPr indent="-368300" lvl="0" marL="457200" rtl="0">
+            <a:pPr marL="457200" lvl="0" indent="-368300" rtl="0">
               <a:lnSpc>
                 <a:spcPct val="150000"/>
               </a:lnSpc>
@@ -9979,7 +10229,7 @@
             </a:endParaRPr>
           </a:p>
           <a:p>
-            <a:pPr indent="-368300" lvl="1" marL="914400" rtl="0">
+            <a:pPr marL="914400" lvl="1" indent="-368300" rtl="0">
               <a:lnSpc>
                 <a:spcPct val="150000"/>
               </a:lnSpc>
@@ -10010,7 +10260,7 @@
             </a:endParaRPr>
           </a:p>
           <a:p>
-            <a:pPr indent="-368300" lvl="1" marL="914400" rtl="0">
+            <a:pPr marL="914400" lvl="1" indent="-368300" rtl="0">
               <a:lnSpc>
                 <a:spcPct val="150000"/>
               </a:lnSpc>
@@ -10041,7 +10291,7 @@
             </a:endParaRPr>
           </a:p>
           <a:p>
-            <a:pPr indent="-368300" lvl="1" marL="914400" rtl="0">
+            <a:pPr marL="914400" lvl="1" indent="-368300" rtl="0">
               <a:lnSpc>
                 <a:spcPct val="150000"/>
               </a:lnSpc>
@@ -10082,11 +10332,11 @@
 </file>
 
 <file path=ppt/slides/slide9.xml><?xml version="1.0" encoding="utf-8"?>
-<p:sld xmlns:a="http://schemas.openxmlformats.org/drawingml/2006/main" xmlns:r="http://schemas.openxmlformats.org/officeDocument/2006/relationships" xmlns:mc="http://schemas.openxmlformats.org/markup-compatibility/2006" xmlns:mv="urn:schemas-microsoft-com:mac:vml" xmlns:p="http://schemas.openxmlformats.org/presentationml/2006/main" xmlns:c="http://schemas.openxmlformats.org/drawingml/2006/chart" xmlns:dgm="http://schemas.openxmlformats.org/drawingml/2006/diagram" xmlns:o="urn:schemas-microsoft-com:office:office" xmlns:v="urn:schemas-microsoft-com:vml" xmlns:pvml="urn:schemas-microsoft-com:office:powerpoint" xmlns:com="http://schemas.openxmlformats.org/drawingml/2006/compatibility" xmlns:p14="http://schemas.microsoft.com/office/powerpoint/2010/main" xmlns:p15="http://schemas.microsoft.com/office/powerpoint/2012/main">
+<p:sld xmlns:a="http://schemas.openxmlformats.org/drawingml/2006/main" xmlns:r="http://schemas.openxmlformats.org/officeDocument/2006/relationships" xmlns:p="http://schemas.openxmlformats.org/presentationml/2006/main">
   <p:cSld>
     <p:spTree>
       <p:nvGrpSpPr>
-        <p:cNvPr id="127" name="Shape 127"/>
+        <p:cNvPr id="1" name="Shape 127"/>
         <p:cNvGrpSpPr/>
         <p:nvPr/>
       </p:nvGrpSpPr>
@@ -10101,7 +10351,9 @@
       <p:sp>
         <p:nvSpPr>
           <p:cNvPr id="128" name="Shape 128"/>
-          <p:cNvSpPr txBox="1"/>
+          <p:cNvSpPr txBox="1">
+            <a:spLocks noGrp="1"/>
+          </p:cNvSpPr>
           <p:nvPr>
             <p:ph type="title"/>
           </p:nvPr>
@@ -10116,12 +10368,12 @@
           </a:prstGeom>
         </p:spPr>
         <p:txBody>
-          <a:bodyPr anchorCtr="0" anchor="t" bIns="91425" lIns="91425" spcFirstLastPara="1" rIns="91425" wrap="square" tIns="91425">
+          <a:bodyPr spcFirstLastPara="1" wrap="square" lIns="91425" tIns="91425" rIns="91425" bIns="91425" anchor="t" anchorCtr="0">
             <a:noAutofit/>
           </a:bodyPr>
           <a:lstStyle/>
           <a:p>
-            <a:pPr indent="0" lvl="0" marL="0">
+            <a:pPr marL="0" lvl="0" indent="0">
               <a:spcBef>
                 <a:spcPts val="0"/>
               </a:spcBef>
@@ -10141,9 +10393,11 @@
       <p:sp>
         <p:nvSpPr>
           <p:cNvPr id="129" name="Shape 129"/>
-          <p:cNvSpPr txBox="1"/>
+          <p:cNvSpPr txBox="1">
+            <a:spLocks noGrp="1"/>
+          </p:cNvSpPr>
           <p:nvPr>
-            <p:ph idx="1" type="body"/>
+            <p:ph type="body" idx="1"/>
           </p:nvPr>
         </p:nvSpPr>
         <p:spPr>
@@ -10156,12 +10410,12 @@
           </a:prstGeom>
         </p:spPr>
         <p:txBody>
-          <a:bodyPr anchorCtr="0" anchor="ctr" bIns="91425" lIns="91425" spcFirstLastPara="1" rIns="91425" wrap="square" tIns="91425">
+          <a:bodyPr spcFirstLastPara="1" wrap="square" lIns="91425" tIns="91425" rIns="91425" bIns="91425" anchor="ctr" anchorCtr="0">
             <a:noAutofit/>
           </a:bodyPr>
           <a:lstStyle/>
           <a:p>
-            <a:pPr indent="0" lvl="0" marL="0" algn="ctr">
+            <a:pPr marL="0" lvl="0" indent="0" algn="ctr">
               <a:spcBef>
                 <a:spcPts val="0"/>
               </a:spcBef>
@@ -10171,18 +10425,32 @@
               <a:buNone/>
             </a:pPr>
             <a:r>
-              <a:rPr lang="en" sz="4000" u="sng">
-                <a:solidFill>
-                  <a:srgbClr val="000000"/>
-                </a:solidFill>
+              <a:rPr lang="en" sz="4000" u="sng" dirty="0">
+                <a:solidFill>
+                  <a:sysClr val="windowText" lastClr="000000"/>
+                </a:solidFill>
+                <a:uFill>
+                  <a:solidFill>
+                    <a:schemeClr val="accent6">
+                      <a:lumMod val="10000"/>
+                    </a:schemeClr>
+                  </a:solidFill>
+                </a:uFill>
                 <a:hlinkClick r:id="rId3"/>
               </a:rPr>
               <a:t>Live Demo</a:t>
             </a:r>
-            <a:endParaRPr sz="4000">
+            <a:endParaRPr sz="4000" u="sng" dirty="0">
               <a:solidFill>
-                <a:srgbClr val="000000"/>
+                <a:sysClr val="windowText" lastClr="000000"/>
               </a:solidFill>
+              <a:uFill>
+                <a:solidFill>
+                  <a:schemeClr val="accent6">
+                    <a:lumMod val="10000"/>
+                  </a:schemeClr>
+                </a:solidFill>
+              </a:uFill>
             </a:endParaRPr>
           </a:p>
         </p:txBody>
@@ -10196,9 +10464,9 @@
 </file>
 
 <file path=ppt/theme/theme1.xml><?xml version="1.0" encoding="utf-8"?>
-<a:theme xmlns:a="http://schemas.openxmlformats.org/drawingml/2006/main" xmlns:r="http://schemas.openxmlformats.org/officeDocument/2006/relationships" name="Slate">
+<a:theme xmlns:a="http://schemas.openxmlformats.org/drawingml/2006/main" name="Slate">
   <a:themeElements>
-    <a:clrScheme name="Slate">
+    <a:clrScheme name="Custom 3">
       <a:dk1>
         <a:srgbClr val="FFFFFF"/>
       </a:dk1>
@@ -10224,16 +10492,16 @@
         <a:srgbClr val="64FFDA"/>
       </a:accent4>
       <a:accent5>
-        <a:srgbClr val="FFD966"/>
+        <a:srgbClr val="000000"/>
       </a:accent5>
       <a:accent6>
         <a:srgbClr val="F5F5F5"/>
       </a:accent6>
       <a:hlink>
-        <a:srgbClr val="FFD966"/>
+        <a:srgbClr val="000000"/>
       </a:hlink>
       <a:folHlink>
-        <a:srgbClr val="FFD966"/>
+        <a:srgbClr val="000000"/>
       </a:folHlink>
     </a:clrScheme>
     <a:fontScheme name="Office">
@@ -10471,11 +10739,13 @@
       </a:bgFillStyleLst>
     </a:fmtScheme>
   </a:themeElements>
+  <a:objectDefaults/>
+  <a:extraClrSchemeLst/>
 </a:theme>
 </file>
 
 <file path=ppt/theme/theme2.xml><?xml version="1.0" encoding="utf-8"?>
-<a:theme xmlns:a="http://schemas.openxmlformats.org/drawingml/2006/main" xmlns:r="http://schemas.openxmlformats.org/officeDocument/2006/relationships" name="Custom Theme">
+<a:theme xmlns:a="http://schemas.openxmlformats.org/drawingml/2006/main" name="Custom Theme">
   <a:themeElements>
     <a:clrScheme name="Default">
       <a:dk1>
@@ -10750,5 +11020,7 @@
       </a:bgFillStyleLst>
     </a:fmtScheme>
   </a:themeElements>
+  <a:objectDefaults/>
+  <a:extraClrSchemeLst/>
 </a:theme>
 </file>
--- a/Silvercar Capstone.pptx
+++ b/Silvercar Capstone.pptx
@@ -234,6 +234,11 @@
       </a:defRPr>
     </a:lvl9pPr>
   </p:defaultTextStyle>
+  <p:extLst>
+    <p:ext uri="{EFAFB233-063F-42B5-8137-9DF3F51BA10A}">
+      <p15:sldGuideLst xmlns:p15="http://schemas.microsoft.com/office/powerpoint/2012/main"/>
+    </p:ext>
+  </p:extLst>
 </p:presentation>
 </file>
 
@@ -631,11 +636,7 @@
               </a:spcAft>
               <a:buNone/>
             </a:pPr>
-            <a:r>
-              <a:rPr lang="en"/>
-              <a:t>Hi I’m Michael Engeling. I’m a data scientist with an economics and finance background. When it came time to decide on a final project for this course, I went to Silvercar, which is an Austin-based rental car startup I interned for, to see if they had any data I could use. They were kind enough to give me a lot of their data, so I decided to create a model that would predict when their reservations would be cancelled</a:t>
-            </a:r>
-            <a:endParaRPr/>
+            <a:endParaRPr dirty="0"/>
           </a:p>
         </p:txBody>
       </p:sp>
@@ -843,11 +844,7 @@
               </a:spcAft>
               <a:buNone/>
             </a:pPr>
-            <a:r>
-              <a:rPr lang="en"/>
-              <a:t>Now a little background on Silvercar, Silvercar aims to take the pain out of the car rental process</a:t>
-            </a:r>
-            <a:endParaRPr/>
+            <a:endParaRPr dirty="0"/>
           </a:p>
         </p:txBody>
       </p:sp>
@@ -952,79 +949,7 @@
               <a:buSzPts val="1100"/>
               <a:buChar char="-"/>
             </a:pPr>
-            <a:r>
-              <a:rPr lang="en"/>
-              <a:t>I set out to create a model that’s accurate enough to give them a better idea of roughly how many rides would be cancelled at each location to:</a:t>
-            </a:r>
-            <a:endParaRPr/>
-          </a:p>
-          <a:p>
-            <a:pPr marL="914400" lvl="1" indent="-298450" rtl="0">
-              <a:spcBef>
-                <a:spcPts val="0"/>
-              </a:spcBef>
-              <a:spcAft>
-                <a:spcPts val="0"/>
-              </a:spcAft>
-              <a:buSzPts val="1100"/>
-              <a:buChar char="-"/>
-            </a:pPr>
-            <a:r>
-              <a:rPr lang="en"/>
-              <a:t>Better manage their fleet of cars, so there aren’t as many cars sitting by idly</a:t>
-            </a:r>
-            <a:endParaRPr/>
-          </a:p>
-          <a:p>
-            <a:pPr marL="914400" lvl="1" indent="-298450" rtl="0">
-              <a:spcBef>
-                <a:spcPts val="0"/>
-              </a:spcBef>
-              <a:spcAft>
-                <a:spcPts val="0"/>
-              </a:spcAft>
-              <a:buSzPts val="1100"/>
-              <a:buChar char="-"/>
-            </a:pPr>
-            <a:r>
-              <a:rPr lang="en"/>
-              <a:t>Improve revenue forecasting</a:t>
-            </a:r>
-            <a:endParaRPr/>
-          </a:p>
-          <a:p>
-            <a:pPr marL="914400" lvl="1" indent="-298450" rtl="0">
-              <a:spcBef>
-                <a:spcPts val="0"/>
-              </a:spcBef>
-              <a:spcAft>
-                <a:spcPts val="0"/>
-              </a:spcAft>
-              <a:buSzPts val="1100"/>
-              <a:buChar char="-"/>
-            </a:pPr>
-            <a:r>
-              <a:rPr lang="en"/>
-              <a:t>Maybe identify opportunities to prevent cancellations</a:t>
-            </a:r>
-            <a:endParaRPr/>
-          </a:p>
-          <a:p>
-            <a:pPr marL="457200" lvl="0" indent="-298450">
-              <a:spcBef>
-                <a:spcPts val="0"/>
-              </a:spcBef>
-              <a:spcAft>
-                <a:spcPts val="0"/>
-              </a:spcAft>
-              <a:buSzPts val="1100"/>
-              <a:buChar char="-"/>
-            </a:pPr>
-            <a:r>
-              <a:rPr lang="en"/>
-              <a:t>How did I achieve those results? Next slide</a:t>
-            </a:r>
-            <a:endParaRPr/>
+            <a:endParaRPr dirty="0"/>
           </a:p>
         </p:txBody>
       </p:sp>
@@ -1129,11 +1054,7 @@
               <a:buSzPts val="1100"/>
               <a:buChar char="-"/>
             </a:pPr>
-            <a:r>
-              <a:rPr lang="en"/>
-              <a:t>I used most of the standard data science tools, but I used XGBoost’s implementation of gradient boosting because it’s fast and performs well without much tuning</a:t>
-            </a:r>
-            <a:endParaRPr/>
+            <a:endParaRPr dirty="0"/>
           </a:p>
         </p:txBody>
       </p:sp>
@@ -1238,28 +1159,7 @@
               <a:buSzPts val="1100"/>
               <a:buChar char="-"/>
             </a:pPr>
-            <a:r>
-              <a:rPr lang="en"/>
-              <a:t>As for the data at my disposal, I had access to a number of different data sources that had information on the reservations, the users, promotions, and locations</a:t>
-            </a:r>
-            <a:endParaRPr/>
-          </a:p>
-          <a:p>
-            <a:pPr marL="457200" lvl="0" indent="-298450">
-              <a:spcBef>
-                <a:spcPts val="0"/>
-              </a:spcBef>
-              <a:spcAft>
-                <a:spcPts val="0"/>
-              </a:spcAft>
-              <a:buSzPts val="1100"/>
-              <a:buChar char="-"/>
-            </a:pPr>
-            <a:r>
-              <a:rPr lang="en"/>
-              <a:t>Their reservation page is shown on the screen, and the red boxes indicate some of the available features of reservations that were used in the model </a:t>
-            </a:r>
-            <a:endParaRPr/>
+            <a:endParaRPr dirty="0"/>
           </a:p>
         </p:txBody>
       </p:sp>
@@ -1364,96 +1264,7 @@
               <a:buSzPts val="1100"/>
               <a:buChar char="-"/>
             </a:pPr>
-            <a:r>
-              <a:rPr lang="en"/>
-              <a:t>Started with 75% accurate model and then I did a lot of data analysis and created new features from existing ones</a:t>
-            </a:r>
-            <a:endParaRPr/>
-          </a:p>
-          <a:p>
-            <a:pPr marL="457200" lvl="0" indent="-298450" rtl="0">
-              <a:spcBef>
-                <a:spcPts val="0"/>
-              </a:spcBef>
-              <a:spcAft>
-                <a:spcPts val="0"/>
-              </a:spcAft>
-              <a:buSzPts val="1100"/>
-              <a:buChar char="-"/>
-            </a:pPr>
-            <a:r>
-              <a:rPr lang="en"/>
-              <a:t>This gave me a 95% accurate model, which seemed a little too good because human behavior is inherently unpredictable</a:t>
-            </a:r>
-            <a:endParaRPr/>
-          </a:p>
-          <a:p>
-            <a:pPr marL="457200" lvl="0" indent="-298450" rtl="0">
-              <a:spcBef>
-                <a:spcPts val="0"/>
-              </a:spcBef>
-              <a:spcAft>
-                <a:spcPts val="0"/>
-              </a:spcAft>
-              <a:buSzPts val="1100"/>
-              <a:buChar char="-"/>
-            </a:pPr>
-            <a:r>
-              <a:rPr lang="en"/>
-              <a:t>I couldn’t really use any of my user data because I was testing my model on past data that wouldn’t have been available when making predictions</a:t>
-            </a:r>
-            <a:endParaRPr/>
-          </a:p>
-          <a:p>
-            <a:pPr marL="457200" lvl="0" indent="-298450" rtl="0">
-              <a:spcBef>
-                <a:spcPts val="0"/>
-              </a:spcBef>
-              <a:spcAft>
-                <a:spcPts val="0"/>
-              </a:spcAft>
-              <a:buSzPts val="1100"/>
-              <a:buChar char="-"/>
-            </a:pPr>
-            <a:r>
-              <a:rPr lang="en"/>
-              <a:t>On the screen are two histogram plots of features I had to remove</a:t>
-            </a:r>
-            <a:endParaRPr/>
-          </a:p>
-          <a:p>
-            <a:pPr marL="457200" lvl="0" indent="-298450" rtl="0">
-              <a:spcBef>
-                <a:spcPts val="0"/>
-              </a:spcBef>
-              <a:spcAft>
-                <a:spcPts val="0"/>
-              </a:spcAft>
-              <a:buSzPts val="1100"/>
-              <a:buChar char="-"/>
-            </a:pPr>
-            <a:r>
-              <a:rPr lang="en"/>
-              <a:t>The first shows the distribution of the number of sign-ins and the second shows the distribution of the number of days since the users signed in</a:t>
-            </a:r>
-            <a:endParaRPr/>
-          </a:p>
-          <a:p>
-            <a:pPr marL="457200" lvl="0" indent="-298450" rtl="0">
-              <a:spcBef>
-                <a:spcPts val="0"/>
-              </a:spcBef>
-              <a:spcAft>
-                <a:spcPts val="0"/>
-              </a:spcAft>
-              <a:buSzPts val="1100"/>
-              <a:buChar char="-"/>
-            </a:pPr>
-            <a:r>
-              <a:rPr lang="en"/>
-              <a:t>On average, finished rides have 140 more sign-ins and 115 less days since the user signed in</a:t>
-            </a:r>
-            <a:endParaRPr/>
+            <a:endParaRPr dirty="0"/>
           </a:p>
         </p:txBody>
       </p:sp>
@@ -1558,10 +1369,33 @@
               <a:buNone/>
             </a:pPr>
             <a:r>
-              <a:rPr lang="en"/>
-              <a:t>Cancelled, Finished</a:t>
+              <a:rPr lang="en-US" dirty="0"/>
+              <a:t>Gradient boosting classifiers have misleading feature </a:t>
             </a:r>
-            <a:endParaRPr/>
+            <a:r>
+              <a:rPr lang="en-US" dirty="0" err="1"/>
+              <a:t>importances</a:t>
+            </a:r>
+            <a:r>
+              <a:rPr lang="en-US" dirty="0"/>
+              <a:t> when categorical and numerical features are mixed. In this case, the numerical features are weighted more heavily</a:t>
+            </a:r>
+            <a:br>
+              <a:rPr lang="en-US" dirty="0"/>
+            </a:br>
+            <a:r>
+              <a:rPr lang="en-US" dirty="0"/>
+              <a:t>even though all of the features were standardized. Feature </a:t>
+            </a:r>
+            <a:r>
+              <a:rPr lang="en-US" dirty="0" err="1"/>
+              <a:t>importances</a:t>
+            </a:r>
+            <a:r>
+              <a:rPr lang="en-US" dirty="0"/>
+              <a:t> have to be evaluated separately for the numerical and categorical features.</a:t>
+            </a:r>
+            <a:endParaRPr dirty="0"/>
           </a:p>
           <a:p>
             <a:pPr marL="0" lvl="0" indent="0">
@@ -1573,355 +1407,7 @@
               </a:spcAft>
               <a:buNone/>
             </a:pPr>
-            <a:r>
-              <a:rPr lang="en"/>
-              <a:t>Days to pickup: 22, 15.5</a:t>
-            </a:r>
-            <a:endParaRPr/>
-          </a:p>
-          <a:p>
-            <a:pPr marL="0" lvl="0" indent="0">
-              <a:spcBef>
-                <a:spcPts val="0"/>
-              </a:spcBef>
-              <a:spcAft>
-                <a:spcPts val="0"/>
-              </a:spcAft>
-              <a:buNone/>
-            </a:pPr>
-            <a:r>
-              <a:rPr lang="en"/>
-              <a:t>Trip duration: 2.98, 2.77</a:t>
-            </a:r>
-            <a:endParaRPr/>
-          </a:p>
-          <a:p>
-            <a:pPr marL="0" lvl="0" indent="0">
-              <a:spcBef>
-                <a:spcPts val="0"/>
-              </a:spcBef>
-              <a:spcAft>
-                <a:spcPts val="0"/>
-              </a:spcAft>
-              <a:buNone/>
-            </a:pPr>
-            <a:r>
-              <a:rPr lang="en"/>
-              <a:t>Past rides: 4.5, 2.8</a:t>
-            </a:r>
-            <a:endParaRPr/>
-          </a:p>
-          <a:p>
-            <a:pPr marL="0" lvl="0" indent="0">
-              <a:spcBef>
-                <a:spcPts val="0"/>
-              </a:spcBef>
-              <a:spcAft>
-                <a:spcPts val="0"/>
-              </a:spcAft>
-              <a:buNone/>
-            </a:pPr>
-            <a:r>
-              <a:rPr lang="en"/>
-              <a:t>Percent of past rides cancelled: .45, .34</a:t>
-            </a:r>
-            <a:endParaRPr/>
-          </a:p>
-          <a:p>
-            <a:pPr marL="0" lvl="0" indent="0">
-              <a:spcBef>
-                <a:spcPts val="0"/>
-              </a:spcBef>
-              <a:spcAft>
-                <a:spcPts val="0"/>
-              </a:spcAft>
-              <a:buNone/>
-            </a:pPr>
-            <a:r>
-              <a:rPr lang="en"/>
-              <a:t>Past cancellations: 1.43, 1.03</a:t>
-            </a:r>
-            <a:endParaRPr/>
-          </a:p>
-          <a:p>
-            <a:pPr marL="0" lvl="0" indent="0">
-              <a:spcBef>
-                <a:spcPts val="0"/>
-              </a:spcBef>
-              <a:spcAft>
-                <a:spcPts val="0"/>
-              </a:spcAft>
-              <a:buNone/>
-            </a:pPr>
-            <a:r>
-              <a:rPr lang="en"/>
-              <a:t>Used promo: 0.26, 0.53</a:t>
-            </a:r>
-            <a:endParaRPr/>
-          </a:p>
-          <a:p>
-            <a:pPr marL="0" lvl="0" indent="0">
-              <a:spcBef>
-                <a:spcPts val="0"/>
-              </a:spcBef>
-              <a:spcAft>
-                <a:spcPts val="0"/>
-              </a:spcAft>
-              <a:buNone/>
-            </a:pPr>
-            <a:r>
-              <a:rPr lang="en"/>
-              <a:t>Pickup day of week: 3.04, 2.70</a:t>
-            </a:r>
-            <a:endParaRPr/>
-          </a:p>
-          <a:p>
-            <a:pPr marL="0" lvl="0" indent="0">
-              <a:spcBef>
-                <a:spcPts val="0"/>
-              </a:spcBef>
-              <a:spcAft>
-                <a:spcPts val="0"/>
-              </a:spcAft>
-              <a:buNone/>
-            </a:pPr>
-            <a:r>
-              <a:rPr lang="en"/>
-              <a:t>Web booking: .59, .44</a:t>
-            </a:r>
-            <a:endParaRPr/>
-          </a:p>
-          <a:p>
-            <a:pPr marL="0" lvl="0" indent="0">
-              <a:spcBef>
-                <a:spcPts val="0"/>
-              </a:spcBef>
-              <a:spcAft>
-                <a:spcPts val="0"/>
-              </a:spcAft>
-              <a:buNone/>
-            </a:pPr>
-            <a:r>
-              <a:rPr lang="en"/>
-              <a:t>Insurance personal: .37, .58</a:t>
-            </a:r>
-            <a:endParaRPr/>
-          </a:p>
-          <a:p>
-            <a:pPr marL="0" lvl="0" indent="0">
-              <a:spcBef>
-                <a:spcPts val="0"/>
-              </a:spcBef>
-              <a:spcAft>
-                <a:spcPts val="0"/>
-              </a:spcAft>
-              <a:buNone/>
-            </a:pPr>
-            <a:r>
-              <a:rPr lang="en"/>
-              <a:t>Guest: .31, .15</a:t>
-            </a:r>
-            <a:endParaRPr/>
-          </a:p>
-          <a:p>
-            <a:pPr marL="0" lvl="0" indent="0">
-              <a:spcBef>
-                <a:spcPts val="0"/>
-              </a:spcBef>
-              <a:spcAft>
-                <a:spcPts val="0"/>
-              </a:spcAft>
-              <a:buNone/>
-            </a:pPr>
-            <a:r>
-              <a:rPr lang="en"/>
-              <a:t>Modified profile: .75, .99</a:t>
-            </a:r>
-            <a:endParaRPr/>
-          </a:p>
-          <a:p>
-            <a:pPr marL="0" lvl="0" indent="0">
-              <a:spcBef>
-                <a:spcPts val="0"/>
-              </a:spcBef>
-              <a:spcAft>
-                <a:spcPts val="0"/>
-              </a:spcAft>
-              <a:buNone/>
-            </a:pPr>
-            <a:r>
-              <a:rPr lang="en"/>
-              <a:t>Western pickup: .180, .168</a:t>
-            </a:r>
-            <a:endParaRPr/>
-          </a:p>
-          <a:p>
-            <a:pPr marL="0" lvl="0" indent="0">
-              <a:spcBef>
-                <a:spcPts val="0"/>
-              </a:spcBef>
-              <a:spcAft>
-                <a:spcPts val="0"/>
-              </a:spcAft>
-              <a:buNone/>
-            </a:pPr>
-            <a:r>
-              <a:rPr lang="en"/>
-              <a:t>Insurance silvercar: .14, .10</a:t>
-            </a:r>
-            <a:endParaRPr/>
-          </a:p>
-          <a:p>
-            <a:pPr marL="0" lvl="0" indent="0">
-              <a:spcBef>
-                <a:spcPts val="0"/>
-              </a:spcBef>
-              <a:spcAft>
-                <a:spcPts val="0"/>
-              </a:spcAft>
-              <a:buNone/>
-            </a:pPr>
-            <a:r>
-              <a:rPr lang="en"/>
-              <a:t>Credit card: .61, .99</a:t>
-            </a:r>
-            <a:endParaRPr/>
-          </a:p>
-          <a:p>
-            <a:pPr marL="0" lvl="0" indent="0">
-              <a:spcBef>
-                <a:spcPts val="0"/>
-              </a:spcBef>
-              <a:spcAft>
-                <a:spcPts val="0"/>
-              </a:spcAft>
-              <a:buNone/>
-            </a:pPr>
-            <a:r>
-              <a:rPr lang="en"/>
-              <a:t>Winter pickup: .17, .14</a:t>
-            </a:r>
-            <a:endParaRPr/>
-          </a:p>
-          <a:p>
-            <a:pPr marL="0" lvl="0" indent="0">
-              <a:spcBef>
-                <a:spcPts val="0"/>
-              </a:spcBef>
-              <a:spcAft>
-                <a:spcPts val="0"/>
-              </a:spcAft>
-              <a:buNone/>
-            </a:pPr>
-            <a:r>
-              <a:rPr lang="en"/>
-              <a:t>Weekend pickup: 0.45, 0.36</a:t>
-            </a:r>
-            <a:endParaRPr/>
-          </a:p>
-          <a:p>
-            <a:pPr marL="0" lvl="0" indent="0">
-              <a:spcBef>
-                <a:spcPts val="0"/>
-              </a:spcBef>
-              <a:spcAft>
-                <a:spcPts val="0"/>
-              </a:spcAft>
-              <a:buNone/>
-            </a:pPr>
-            <a:r>
-              <a:rPr lang="en"/>
-              <a:t>Referral: 0.0, 0.05</a:t>
-            </a:r>
-            <a:endParaRPr/>
-          </a:p>
-          <a:p>
-            <a:pPr marL="0" lvl="0" indent="0">
-              <a:spcBef>
-                <a:spcPts val="0"/>
-              </a:spcBef>
-              <a:spcAft>
-                <a:spcPts val="0"/>
-              </a:spcAft>
-              <a:buNone/>
-            </a:pPr>
-            <a:r>
-              <a:rPr lang="en"/>
-              <a:t>Midday pickup: 0.06, 0.03</a:t>
-            </a:r>
-            <a:endParaRPr/>
-          </a:p>
-          <a:p>
-            <a:pPr marL="0" lvl="0" indent="0">
-              <a:spcBef>
-                <a:spcPts val="0"/>
-              </a:spcBef>
-              <a:spcAft>
-                <a:spcPts val="0"/>
-              </a:spcAft>
-              <a:buNone/>
-            </a:pPr>
-            <a:r>
-              <a:rPr lang="en"/>
-              <a:t>Insurance corporate: 0.04, 0.08</a:t>
-            </a:r>
-            <a:endParaRPr/>
-          </a:p>
-          <a:p>
-            <a:pPr marL="0" lvl="0" indent="0">
-              <a:spcBef>
-                <a:spcPts val="0"/>
-              </a:spcBef>
-              <a:spcAft>
-                <a:spcPts val="0"/>
-              </a:spcAft>
-              <a:buNone/>
-            </a:pPr>
-            <a:r>
-              <a:rPr lang="en"/>
-              <a:t>Local rental: 0.005, 0.043</a:t>
-            </a:r>
-            <a:endParaRPr/>
-          </a:p>
-          <a:p>
-            <a:pPr marL="0" lvl="0" indent="0">
-              <a:spcBef>
-                <a:spcPts val="0"/>
-              </a:spcBef>
-              <a:spcAft>
-                <a:spcPts val="0"/>
-              </a:spcAft>
-              <a:buNone/>
-            </a:pPr>
-            <a:r>
-              <a:rPr lang="en"/>
-              <a:t>GDS user: 0.056, 0</a:t>
-            </a:r>
-            <a:endParaRPr/>
-          </a:p>
-          <a:p>
-            <a:pPr marL="0" lvl="0" indent="0">
-              <a:spcBef>
-                <a:spcPts val="0"/>
-              </a:spcBef>
-              <a:spcAft>
-                <a:spcPts val="0"/>
-              </a:spcAft>
-              <a:buNone/>
-            </a:pPr>
-            <a:endParaRPr/>
-          </a:p>
-          <a:p>
-            <a:pPr marL="0" lvl="0" indent="0">
-              <a:spcBef>
-                <a:spcPts val="0"/>
-              </a:spcBef>
-              <a:spcAft>
-                <a:spcPts val="0"/>
-              </a:spcAft>
-              <a:buNone/>
-            </a:pPr>
-            <a:endParaRPr/>
+            <a:endParaRPr dirty="0"/>
           </a:p>
         </p:txBody>
       </p:sp>
@@ -2026,11 +1512,7 @@
               <a:buSzPts val="1100"/>
               <a:buChar char="-"/>
             </a:pPr>
-            <a:r>
-              <a:rPr lang="en"/>
-              <a:t>Currently only using one user variable, GDS (global distribution system) user</a:t>
-            </a:r>
-            <a:endParaRPr/>
+            <a:endParaRPr dirty="0"/>
           </a:p>
         </p:txBody>
       </p:sp>

--- a/Silvercar Capstone.pptx
+++ b/Silvercar Capstone.pptx
@@ -1370,7 +1370,7 @@
             </a:pPr>
             <a:r>
               <a:rPr lang="en-US" dirty="0"/>
-              <a:t>Gradient boosting classifiers have misleading feature </a:t>
+              <a:t>- Gradient boosting classifiers have misleading feature </a:t>
             </a:r>
             <a:r>
               <a:rPr lang="en-US" dirty="0" err="1"/>
@@ -1394,6 +1394,21 @@
             <a:r>
               <a:rPr lang="en-US" dirty="0"/>
               <a:t> have to be evaluated separately for the numerical and categorical features.</a:t>
+            </a:r>
+          </a:p>
+          <a:p>
+            <a:pPr marL="0" lvl="0" indent="0">
+              <a:spcBef>
+                <a:spcPts val="0"/>
+              </a:spcBef>
+              <a:spcAft>
+                <a:spcPts val="0"/>
+              </a:spcAft>
+              <a:buNone/>
+            </a:pPr>
+            <a:r>
+              <a:rPr lang="en-US" dirty="0"/>
+              <a:t>- The features that are highly correlated can also be used interchangeable, so need to be cautious when ascribing importance to features whose relative importance could be switched </a:t>
             </a:r>
             <a:endParaRPr dirty="0"/>
           </a:p>
